--- a/Teaching/Chemistry/Labs/FCC Chem 3A Expt 11a Synthesis of Alum.pptx
+++ b/Teaching/Chemistry/Labs/FCC Chem 3A Expt 11a Synthesis of Alum.pptx
@@ -11527,107 +11527,458 @@
           </a:p>
         </p:txBody>
       </p:sp>
-      <p:sp>
-        <p:nvSpPr>
-          <p:cNvPr id="3" name="Content Placeholder 2">
-            <a:extLst>
-              <a:ext uri="{FF2B5EF4-FFF2-40B4-BE49-F238E27FC236}">
-                <a16:creationId xmlns:a16="http://schemas.microsoft.com/office/drawing/2014/main" id="{A2BC5B2E-5542-F5D6-CEA6-30C230FF4E97}"/>
-              </a:ext>
-            </a:extLst>
-          </p:cNvPr>
-          <p:cNvSpPr>
-            <a:spLocks noGrp="1"/>
-          </p:cNvSpPr>
-          <p:nvPr>
-            <p:ph idx="1"/>
-          </p:nvPr>
-        </p:nvSpPr>
-        <p:spPr>
-          <a:xfrm>
-            <a:off x="372532" y="1065312"/>
-            <a:ext cx="8387645" cy="5215465"/>
-          </a:xfrm>
-        </p:spPr>
-        <p:txBody>
-          <a:bodyPr/>
-          <a:lstStyle/>
-          <a:p>
-            <a:pPr marL="0" indent="0">
-              <a:buNone/>
-            </a:pPr>
-            <a:r>
-              <a:rPr lang="en-US" dirty="0"/>
-              <a:t>Observe</a:t>
-            </a:r>
-          </a:p>
-          <a:p>
-            <a:r>
-              <a:rPr lang="en-US" dirty="0"/>
-              <a:t>physical properties of PURE elements: copper wire and solid sulfur</a:t>
-            </a:r>
-          </a:p>
-          <a:p>
-            <a:pPr marL="236538" lvl="1" indent="0">
-              <a:buNone/>
-            </a:pPr>
-            <a:r>
-              <a:rPr lang="en-US" sz="2400" i="1" dirty="0">
-                <a:solidFill>
-                  <a:srgbClr val="CC99FF"/>
-                </a:solidFill>
-                <a:latin typeface="Times New Roman" panose="02020603050405020304" pitchFamily="18" charset="0"/>
-                <a:cs typeface="Times New Roman" panose="02020603050405020304" pitchFamily="18" charset="0"/>
-              </a:rPr>
-              <a:t>What are the symbols? What is the proposed chemical reaction?</a:t>
-            </a:r>
-          </a:p>
-          <a:p>
-            <a:pPr marL="342900" indent="-342900"/>
-            <a:r>
-              <a:rPr lang="en-US" dirty="0"/>
-              <a:t>physical properties of compound formed from a chemical reaction of these elements</a:t>
-            </a:r>
-            <a:endParaRPr lang="en-US" sz="2000" i="1" dirty="0">
-              <a:solidFill>
-                <a:srgbClr val="CC99FF"/>
-              </a:solidFill>
-              <a:latin typeface="Times New Roman" panose="02020603050405020304" pitchFamily="18" charset="0"/>
-              <a:cs typeface="Times New Roman" panose="02020603050405020304" pitchFamily="18" charset="0"/>
-            </a:endParaRPr>
-          </a:p>
-        </p:txBody>
-      </p:sp>
-      <p:pic>
-        <p:nvPicPr>
-          <p:cNvPr id="7" name="Picture 6">
-            <a:extLst>
-              <a:ext uri="{FF2B5EF4-FFF2-40B4-BE49-F238E27FC236}">
-                <a16:creationId xmlns:a16="http://schemas.microsoft.com/office/drawing/2014/main" id="{F8DB96C6-A975-B61F-73F4-8AC25ECD277E}"/>
-              </a:ext>
-            </a:extLst>
-          </p:cNvPr>
-          <p:cNvPicPr>
-            <a:picLocks noChangeAspect="1"/>
-          </p:cNvPicPr>
-          <p:nvPr/>
-        </p:nvPicPr>
-        <p:blipFill>
-          <a:blip r:embed="rId2"/>
-          <a:stretch>
-            <a:fillRect/>
-          </a:stretch>
-        </p:blipFill>
-        <p:spPr>
-          <a:xfrm>
-            <a:off x="169331" y="3605417"/>
-            <a:ext cx="8794045" cy="3119903"/>
-          </a:xfrm>
-          <a:prstGeom prst="rect">
-            <a:avLst/>
-          </a:prstGeom>
-        </p:spPr>
-      </p:pic>
+      <mc:AlternateContent xmlns:mc="http://schemas.openxmlformats.org/markup-compatibility/2006">
+        <mc:Choice xmlns:a14="http://schemas.microsoft.com/office/drawing/2010/main" Requires="a14">
+          <p:sp>
+            <p:nvSpPr>
+              <p:cNvPr id="3" name="Content Placeholder 2">
+                <a:extLst>
+                  <a:ext uri="{FF2B5EF4-FFF2-40B4-BE49-F238E27FC236}">
+                    <a16:creationId xmlns:a16="http://schemas.microsoft.com/office/drawing/2014/main" id="{A2BC5B2E-5542-F5D6-CEA6-30C230FF4E97}"/>
+                  </a:ext>
+                </a:extLst>
+              </p:cNvPr>
+              <p:cNvSpPr>
+                <a:spLocks noGrp="1"/>
+              </p:cNvSpPr>
+              <p:nvPr>
+                <p:ph idx="1"/>
+              </p:nvPr>
+            </p:nvSpPr>
+            <p:spPr>
+              <a:xfrm>
+                <a:off x="372532" y="1065312"/>
+                <a:ext cx="8387645" cy="5215465"/>
+              </a:xfrm>
+            </p:spPr>
+            <p:txBody>
+              <a:bodyPr/>
+              <a:lstStyle/>
+              <a:p>
+                <a:pPr marL="0" indent="0">
+                  <a:buNone/>
+                </a:pPr>
+                <a:r>
+                  <a:rPr lang="en-US" dirty="0"/>
+                  <a:t>An important activity in chemistry is to perform a synthesis, and after that, to determine the </a:t>
+                </a:r>
+                <a:r>
+                  <a:rPr lang="en-US" b="1" dirty="0">
+                    <a:solidFill>
+                      <a:srgbClr val="00FF00"/>
+                    </a:solidFill>
+                  </a:rPr>
+                  <a:t>yield</a:t>
+                </a:r>
+                <a:r>
+                  <a:rPr lang="en-US" dirty="0"/>
+                  <a:t> of the product</a:t>
+                </a:r>
+              </a:p>
+              <a:p>
+                <a:pPr marL="0" indent="0">
+                  <a:buNone/>
+                </a:pPr>
+                <a:endParaRPr lang="en-US" dirty="0"/>
+              </a:p>
+              <a:p>
+                <a:pPr marL="0" indent="0">
+                  <a:buNone/>
+                </a:pPr>
+                <a:r>
+                  <a:rPr lang="en-US" dirty="0"/>
+                  <a:t>The yield calculation:</a:t>
+                </a:r>
+              </a:p>
+              <a:p>
+                <a:pPr marL="0" indent="0">
+                  <a:buNone/>
+                </a:pPr>
+                <a14:m>
+                  <m:oMathPara xmlns:m="http://schemas.openxmlformats.org/officeDocument/2006/math">
+                    <m:oMathParaPr>
+                      <m:jc m:val="centerGroup"/>
+                    </m:oMathParaPr>
+                    <m:oMath xmlns:m="http://schemas.openxmlformats.org/officeDocument/2006/math">
+                      <m:f>
+                        <m:fPr>
+                          <m:ctrlPr>
+                            <a:rPr lang="en-US" sz="1800" i="1" smtClean="0">
+                              <a:solidFill>
+                                <a:srgbClr val="FFFF00"/>
+                              </a:solidFill>
+                              <a:latin typeface="Cambria Math" panose="02040503050406030204" pitchFamily="18" charset="0"/>
+                            </a:rPr>
+                          </m:ctrlPr>
+                        </m:fPr>
+                        <m:num>
+                          <m:r>
+                            <m:rPr>
+                              <m:nor/>
+                            </m:rPr>
+                            <a:rPr lang="en-US" sz="1800" i="1" dirty="0">
+                              <a:solidFill>
+                                <a:srgbClr val="FFFF00"/>
+                              </a:solidFill>
+                              <a:latin typeface="Cambria Math" panose="02040503050406030204" pitchFamily="18" charset="0"/>
+                              <a:ea typeface="Cambria Math" panose="02040503050406030204" pitchFamily="18" charset="0"/>
+                            </a:rPr>
+                            <m:t>mass</m:t>
+                          </m:r>
+                          <m:r>
+                            <m:rPr>
+                              <m:nor/>
+                            </m:rPr>
+                            <a:rPr lang="en-US" sz="1800" i="1" dirty="0">
+                              <a:solidFill>
+                                <a:srgbClr val="FFFF00"/>
+                              </a:solidFill>
+                              <a:latin typeface="Cambria Math" panose="02040503050406030204" pitchFamily="18" charset="0"/>
+                              <a:ea typeface="Cambria Math" panose="02040503050406030204" pitchFamily="18" charset="0"/>
+                            </a:rPr>
+                            <m:t> </m:t>
+                          </m:r>
+                          <m:r>
+                            <m:rPr>
+                              <m:nor/>
+                            </m:rPr>
+                            <a:rPr lang="en-US" sz="1800" i="1" dirty="0">
+                              <a:solidFill>
+                                <a:srgbClr val="FFFF00"/>
+                              </a:solidFill>
+                              <a:latin typeface="Cambria Math" panose="02040503050406030204" pitchFamily="18" charset="0"/>
+                              <a:ea typeface="Cambria Math" panose="02040503050406030204" pitchFamily="18" charset="0"/>
+                            </a:rPr>
+                            <m:t>of</m:t>
+                          </m:r>
+                          <m:r>
+                            <m:rPr>
+                              <m:nor/>
+                            </m:rPr>
+                            <a:rPr lang="en-US" sz="1800" i="1" dirty="0">
+                              <a:solidFill>
+                                <a:srgbClr val="FFFF00"/>
+                              </a:solidFill>
+                              <a:latin typeface="Cambria Math" panose="02040503050406030204" pitchFamily="18" charset="0"/>
+                              <a:ea typeface="Cambria Math" panose="02040503050406030204" pitchFamily="18" charset="0"/>
+                            </a:rPr>
+                            <m:t> </m:t>
+                          </m:r>
+                          <m:r>
+                            <m:rPr>
+                              <m:nor/>
+                            </m:rPr>
+                            <a:rPr lang="en-US" sz="1800" i="1" dirty="0">
+                              <a:solidFill>
+                                <a:srgbClr val="FFFF00"/>
+                              </a:solidFill>
+                              <a:latin typeface="Cambria Math" panose="02040503050406030204" pitchFamily="18" charset="0"/>
+                              <a:ea typeface="Cambria Math" panose="02040503050406030204" pitchFamily="18" charset="0"/>
+                            </a:rPr>
+                            <m:t>product</m:t>
+                          </m:r>
+                          <m:r>
+                            <m:rPr>
+                              <m:nor/>
+                            </m:rPr>
+                            <a:rPr lang="en-US" sz="1800" i="1" dirty="0">
+                              <a:solidFill>
+                                <a:srgbClr val="FFFF00"/>
+                              </a:solidFill>
+                              <a:latin typeface="Cambria Math" panose="02040503050406030204" pitchFamily="18" charset="0"/>
+                              <a:ea typeface="Cambria Math" panose="02040503050406030204" pitchFamily="18" charset="0"/>
+                            </a:rPr>
+                            <m:t> </m:t>
+                          </m:r>
+                          <m:r>
+                            <m:rPr>
+                              <m:nor/>
+                            </m:rPr>
+                            <a:rPr lang="en-US" sz="1800" i="1" dirty="0">
+                              <a:solidFill>
+                                <a:srgbClr val="FFFF00"/>
+                              </a:solidFill>
+                              <a:latin typeface="Cambria Math" panose="02040503050406030204" pitchFamily="18" charset="0"/>
+                              <a:ea typeface="Cambria Math" panose="02040503050406030204" pitchFamily="18" charset="0"/>
+                            </a:rPr>
+                            <m:t>obtained</m:t>
+                          </m:r>
+                          <m:r>
+                            <m:rPr>
+                              <m:nor/>
+                            </m:rPr>
+                            <a:rPr lang="en-US" sz="1800" i="1" dirty="0">
+                              <a:solidFill>
+                                <a:srgbClr val="FFFF00"/>
+                              </a:solidFill>
+                              <a:latin typeface="Cambria Math" panose="02040503050406030204" pitchFamily="18" charset="0"/>
+                              <a:ea typeface="Cambria Math" panose="02040503050406030204" pitchFamily="18" charset="0"/>
+                            </a:rPr>
+                            <m:t> </m:t>
+                          </m:r>
+                        </m:num>
+                        <m:den>
+                          <m:r>
+                            <a:rPr lang="en-US" sz="1800" b="0" i="1" smtClean="0">
+                              <a:solidFill>
+                                <a:srgbClr val="FFFF00"/>
+                              </a:solidFill>
+                              <a:latin typeface="Cambria Math" panose="02040503050406030204" pitchFamily="18" charset="0"/>
+                            </a:rPr>
+                            <m:t>𝑡h𝑒𝑜𝑟𝑒𝑡𝑖𝑐𝑎𝑙</m:t>
+                          </m:r>
+                          <m:r>
+                            <a:rPr lang="en-US" sz="1800" b="0" i="1" smtClean="0">
+                              <a:solidFill>
+                                <a:srgbClr val="FFFF00"/>
+                              </a:solidFill>
+                              <a:latin typeface="Cambria Math" panose="02040503050406030204" pitchFamily="18" charset="0"/>
+                            </a:rPr>
+                            <m:t> </m:t>
+                          </m:r>
+                          <m:r>
+                            <a:rPr lang="en-US" sz="1800" b="0" i="1" smtClean="0">
+                              <a:solidFill>
+                                <a:srgbClr val="FFFF00"/>
+                              </a:solidFill>
+                              <a:latin typeface="Cambria Math" panose="02040503050406030204" pitchFamily="18" charset="0"/>
+                            </a:rPr>
+                            <m:t>𝑚𝑎𝑠𝑠</m:t>
+                          </m:r>
+                          <m:r>
+                            <a:rPr lang="en-US" sz="1800" b="0" i="1" smtClean="0">
+                              <a:solidFill>
+                                <a:srgbClr val="FFFF00"/>
+                              </a:solidFill>
+                              <a:latin typeface="Cambria Math" panose="02040503050406030204" pitchFamily="18" charset="0"/>
+                            </a:rPr>
+                            <m:t> </m:t>
+                          </m:r>
+                          <m:r>
+                            <a:rPr lang="en-US" sz="1800" b="0" i="1" smtClean="0">
+                              <a:solidFill>
+                                <a:srgbClr val="FFFF00"/>
+                              </a:solidFill>
+                              <a:latin typeface="Cambria Math" panose="02040503050406030204" pitchFamily="18" charset="0"/>
+                            </a:rPr>
+                            <m:t>𝑜𝑓</m:t>
+                          </m:r>
+                          <m:r>
+                            <a:rPr lang="en-US" sz="1800" b="0" i="1" smtClean="0">
+                              <a:solidFill>
+                                <a:srgbClr val="FFFF00"/>
+                              </a:solidFill>
+                              <a:latin typeface="Cambria Math" panose="02040503050406030204" pitchFamily="18" charset="0"/>
+                            </a:rPr>
+                            <m:t> </m:t>
+                          </m:r>
+                          <m:r>
+                            <a:rPr lang="en-US" sz="1800" b="0" i="1" smtClean="0">
+                              <a:solidFill>
+                                <a:srgbClr val="FFFF00"/>
+                              </a:solidFill>
+                              <a:latin typeface="Cambria Math" panose="02040503050406030204" pitchFamily="18" charset="0"/>
+                            </a:rPr>
+                            <m:t>𝑝𝑟𝑜𝑑𝑢𝑐𝑡</m:t>
+                          </m:r>
+                          <m:r>
+                            <a:rPr lang="en-US" sz="1800" b="0" i="1" smtClean="0">
+                              <a:solidFill>
+                                <a:srgbClr val="FFFF00"/>
+                              </a:solidFill>
+                              <a:latin typeface="Cambria Math" panose="02040503050406030204" pitchFamily="18" charset="0"/>
+                            </a:rPr>
+                            <m:t> </m:t>
+                          </m:r>
+                          <m:r>
+                            <a:rPr lang="en-US" sz="1800" b="0" i="1" smtClean="0">
+                              <a:solidFill>
+                                <a:srgbClr val="FFFF00"/>
+                              </a:solidFill>
+                              <a:latin typeface="Cambria Math" panose="02040503050406030204" pitchFamily="18" charset="0"/>
+                            </a:rPr>
+                            <m:t>𝑡𝑜</m:t>
+                          </m:r>
+                          <m:r>
+                            <a:rPr lang="en-US" sz="1800" b="0" i="1" smtClean="0">
+                              <a:solidFill>
+                                <a:srgbClr val="FFFF00"/>
+                              </a:solidFill>
+                              <a:latin typeface="Cambria Math" panose="02040503050406030204" pitchFamily="18" charset="0"/>
+                            </a:rPr>
+                            <m:t> </m:t>
+                          </m:r>
+                          <m:r>
+                            <a:rPr lang="en-US" sz="1800" b="0" i="1" smtClean="0">
+                              <a:solidFill>
+                                <a:srgbClr val="FFFF00"/>
+                              </a:solidFill>
+                              <a:latin typeface="Cambria Math" panose="02040503050406030204" pitchFamily="18" charset="0"/>
+                            </a:rPr>
+                            <m:t>𝑏𝑒</m:t>
+                          </m:r>
+                          <m:r>
+                            <a:rPr lang="en-US" sz="1800" b="0" i="1" smtClean="0">
+                              <a:solidFill>
+                                <a:srgbClr val="FFFF00"/>
+                              </a:solidFill>
+                              <a:latin typeface="Cambria Math" panose="02040503050406030204" pitchFamily="18" charset="0"/>
+                            </a:rPr>
+                            <m:t> </m:t>
+                          </m:r>
+                          <m:r>
+                            <a:rPr lang="en-US" sz="1800" b="0" i="1" smtClean="0">
+                              <a:solidFill>
+                                <a:srgbClr val="FFFF00"/>
+                              </a:solidFill>
+                              <a:latin typeface="Cambria Math" panose="02040503050406030204" pitchFamily="18" charset="0"/>
+                            </a:rPr>
+                            <m:t>𝑜𝑏𝑡𝑎𝑖𝑛𝑒𝑑</m:t>
+                          </m:r>
+                          <m:r>
+                            <a:rPr lang="en-US" sz="1800" b="0" i="1" smtClean="0">
+                              <a:solidFill>
+                                <a:srgbClr val="FFFF00"/>
+                              </a:solidFill>
+                              <a:latin typeface="Cambria Math" panose="02040503050406030204" pitchFamily="18" charset="0"/>
+                            </a:rPr>
+                            <m:t> </m:t>
+                          </m:r>
+                          <m:r>
+                            <a:rPr lang="en-US" sz="1800" b="0" i="1" smtClean="0">
+                              <a:solidFill>
+                                <a:srgbClr val="FFFF00"/>
+                              </a:solidFill>
+                              <a:latin typeface="Cambria Math" panose="02040503050406030204" pitchFamily="18" charset="0"/>
+                            </a:rPr>
+                            <m:t>𝑏𝑎𝑠𝑒𝑑</m:t>
+                          </m:r>
+                          <m:r>
+                            <a:rPr lang="en-US" sz="1800" b="0" i="1" smtClean="0">
+                              <a:solidFill>
+                                <a:srgbClr val="FFFF00"/>
+                              </a:solidFill>
+                              <a:latin typeface="Cambria Math" panose="02040503050406030204" pitchFamily="18" charset="0"/>
+                            </a:rPr>
+                            <m:t> </m:t>
+                          </m:r>
+                          <m:r>
+                            <a:rPr lang="en-US" sz="1800" b="0" i="1" smtClean="0">
+                              <a:solidFill>
+                                <a:srgbClr val="FFFF00"/>
+                              </a:solidFill>
+                              <a:latin typeface="Cambria Math" panose="02040503050406030204" pitchFamily="18" charset="0"/>
+                            </a:rPr>
+                            <m:t>𝑜𝑛</m:t>
+                          </m:r>
+                          <m:r>
+                            <a:rPr lang="en-US" sz="1800" b="0" i="1" smtClean="0">
+                              <a:solidFill>
+                                <a:srgbClr val="FFFF00"/>
+                              </a:solidFill>
+                              <a:latin typeface="Cambria Math" panose="02040503050406030204" pitchFamily="18" charset="0"/>
+                            </a:rPr>
+                            <m:t> </m:t>
+                          </m:r>
+                          <m:r>
+                            <a:rPr lang="en-US" sz="1800" b="0" i="1" smtClean="0">
+                              <a:solidFill>
+                                <a:srgbClr val="FFFF00"/>
+                              </a:solidFill>
+                              <a:latin typeface="Cambria Math" panose="02040503050406030204" pitchFamily="18" charset="0"/>
+                            </a:rPr>
+                            <m:t>𝑚𝑎𝑠𝑠</m:t>
+                          </m:r>
+                          <m:r>
+                            <a:rPr lang="en-US" sz="1800" b="0" i="1" smtClean="0">
+                              <a:solidFill>
+                                <a:srgbClr val="FFFF00"/>
+                              </a:solidFill>
+                              <a:latin typeface="Cambria Math" panose="02040503050406030204" pitchFamily="18" charset="0"/>
+                            </a:rPr>
+                            <m:t> </m:t>
+                          </m:r>
+                          <m:r>
+                            <a:rPr lang="en-US" sz="1800" b="0" i="1" smtClean="0">
+                              <a:solidFill>
+                                <a:srgbClr val="FFFF00"/>
+                              </a:solidFill>
+                              <a:latin typeface="Cambria Math" panose="02040503050406030204" pitchFamily="18" charset="0"/>
+                            </a:rPr>
+                            <m:t>𝑜𝑓</m:t>
+                          </m:r>
+                          <m:r>
+                            <a:rPr lang="en-US" sz="1800" b="0" i="1" smtClean="0">
+                              <a:solidFill>
+                                <a:srgbClr val="FFFF00"/>
+                              </a:solidFill>
+                              <a:latin typeface="Cambria Math" panose="02040503050406030204" pitchFamily="18" charset="0"/>
+                            </a:rPr>
+                            <m:t> </m:t>
+                          </m:r>
+                          <m:r>
+                            <a:rPr lang="en-US" sz="1800" b="0" i="1" smtClean="0">
+                              <a:solidFill>
+                                <a:srgbClr val="FFFF00"/>
+                              </a:solidFill>
+                              <a:latin typeface="Cambria Math" panose="02040503050406030204" pitchFamily="18" charset="0"/>
+                            </a:rPr>
+                            <m:t>𝑟𝑒𝑎𝑐𝑡𝑎𝑛𝑡</m:t>
+                          </m:r>
+                        </m:den>
+                      </m:f>
+                    </m:oMath>
+                  </m:oMathPara>
+                </a14:m>
+                <a:endParaRPr lang="en-US" dirty="0"/>
+              </a:p>
+            </p:txBody>
+          </p:sp>
+        </mc:Choice>
+        <mc:Fallback>
+          <p:sp>
+            <p:nvSpPr>
+              <p:cNvPr id="3" name="Content Placeholder 2">
+                <a:extLst>
+                  <a:ext uri="{FF2B5EF4-FFF2-40B4-BE49-F238E27FC236}">
+                    <a16:creationId xmlns:a16="http://schemas.microsoft.com/office/drawing/2014/main" id="{A2BC5B2E-5542-F5D6-CEA6-30C230FF4E97}"/>
+                  </a:ext>
+                </a:extLst>
+              </p:cNvPr>
+              <p:cNvSpPr>
+                <a:spLocks noGrp="1" noRot="1" noChangeAspect="1" noMove="1" noResize="1" noEditPoints="1" noAdjustHandles="1" noChangeArrowheads="1" noChangeShapeType="1" noTextEdit="1"/>
+              </p:cNvSpPr>
+              <p:nvPr>
+                <p:ph idx="1"/>
+              </p:nvPr>
+            </p:nvSpPr>
+            <p:spPr>
+              <a:xfrm>
+                <a:off x="372532" y="1065312"/>
+                <a:ext cx="8387645" cy="5215465"/>
+              </a:xfrm>
+              <a:blipFill>
+                <a:blip r:embed="rId2"/>
+                <a:stretch>
+                  <a:fillRect l="-1090" t="-936"/>
+                </a:stretch>
+              </a:blipFill>
+            </p:spPr>
+            <p:txBody>
+              <a:bodyPr/>
+              <a:lstStyle/>
+              <a:p>
+                <a:r>
+                  <a:rPr lang="en-US">
+                    <a:noFill/>
+                  </a:rPr>
+                  <a:t> </a:t>
+                </a:r>
+              </a:p>
+            </p:txBody>
+          </p:sp>
+        </mc:Fallback>
+      </mc:AlternateContent>
     </p:spTree>
     <p:extLst>
       <p:ext uri="{BB962C8B-B14F-4D97-AF65-F5344CB8AC3E}">

--- a/Teaching/Chemistry/Labs/FCC Chem 3A Expt 11a Synthesis of Alum.pptx
+++ b/Teaching/Chemistry/Labs/FCC Chem 3A Expt 11a Synthesis of Alum.pptx
@@ -5,22 +5,25 @@
     <p:sldMasterId id="2147483803" r:id="rId1"/>
   </p:sldMasterIdLst>
   <p:notesMasterIdLst>
-    <p:notesMasterId r:id="rId15"/>
+    <p:notesMasterId r:id="rId18"/>
   </p:notesMasterIdLst>
   <p:sldIdLst>
     <p:sldId id="608" r:id="rId2"/>
     <p:sldId id="609" r:id="rId3"/>
     <p:sldId id="616" r:id="rId4"/>
-    <p:sldId id="618" r:id="rId5"/>
-    <p:sldId id="619" r:id="rId6"/>
-    <p:sldId id="620" r:id="rId7"/>
-    <p:sldId id="613" r:id="rId8"/>
-    <p:sldId id="610" r:id="rId9"/>
-    <p:sldId id="617" r:id="rId10"/>
-    <p:sldId id="622" r:id="rId11"/>
-    <p:sldId id="621" r:id="rId12"/>
-    <p:sldId id="623" r:id="rId13"/>
-    <p:sldId id="612" r:id="rId14"/>
+    <p:sldId id="624" r:id="rId5"/>
+    <p:sldId id="632" r:id="rId6"/>
+    <p:sldId id="613" r:id="rId7"/>
+    <p:sldId id="610" r:id="rId8"/>
+    <p:sldId id="626" r:id="rId9"/>
+    <p:sldId id="627" r:id="rId10"/>
+    <p:sldId id="628" r:id="rId11"/>
+    <p:sldId id="629" r:id="rId12"/>
+    <p:sldId id="612" r:id="rId13"/>
+    <p:sldId id="621" r:id="rId14"/>
+    <p:sldId id="623" r:id="rId15"/>
+    <p:sldId id="630" r:id="rId16"/>
+    <p:sldId id="631" r:id="rId17"/>
   </p:sldIdLst>
   <p:sldSz cx="9144000" cy="6858000" type="screen4x3"/>
   <p:notesSz cx="7315200" cy="9601200"/>
@@ -10303,7 +10306,7 @@
         <p:cNvPr id="1" name="">
           <a:extLst>
             <a:ext uri="{FF2B5EF4-FFF2-40B4-BE49-F238E27FC236}">
-              <a16:creationId xmlns:a16="http://schemas.microsoft.com/office/drawing/2014/main" id="{80032430-C568-9444-018A-4A293518DCCA}"/>
+              <a16:creationId xmlns:a16="http://schemas.microsoft.com/office/drawing/2014/main" id="{FD98B226-1791-3B68-6C1E-4C70EFC723EC}"/>
             </a:ext>
           </a:extLst>
         </p:cNvPr>
@@ -10323,7 +10326,7 @@
           <p:cNvPr id="2" name="Title 1">
             <a:extLst>
               <a:ext uri="{FF2B5EF4-FFF2-40B4-BE49-F238E27FC236}">
-                <a16:creationId xmlns:a16="http://schemas.microsoft.com/office/drawing/2014/main" id="{8B652173-3E63-7A53-DF9E-053FCE100E99}"/>
+                <a16:creationId xmlns:a16="http://schemas.microsoft.com/office/drawing/2014/main" id="{3A45CBAA-80A1-D02A-6677-CB448DB7B74F}"/>
               </a:ext>
             </a:extLst>
           </p:cNvPr>
@@ -10356,7 +10359,7 @@
           <p:cNvPr id="6" name="Content Placeholder 5">
             <a:extLst>
               <a:ext uri="{FF2B5EF4-FFF2-40B4-BE49-F238E27FC236}">
-                <a16:creationId xmlns:a16="http://schemas.microsoft.com/office/drawing/2014/main" id="{2D45A565-8AD4-F37F-9436-FAD0B19DA96C}"/>
+                <a16:creationId xmlns:a16="http://schemas.microsoft.com/office/drawing/2014/main" id="{A363BB77-026D-F103-0CFC-5802A72CA252}"/>
               </a:ext>
             </a:extLst>
           </p:cNvPr>
@@ -10377,201 +10380,118 @@
           <a:bodyPr/>
           <a:lstStyle/>
           <a:p>
+            <a:pPr marL="457200" indent="-457200">
+              <a:buFont typeface="+mj-lt"/>
+              <a:buAutoNum type="arabicPeriod" startAt="14"/>
+            </a:pPr>
+            <a:r>
+              <a:rPr lang="en-US" dirty="0"/>
+              <a:t> Set up a vacuum filtration apparatus as shown</a:t>
+            </a:r>
+          </a:p>
+          <a:p>
+            <a:pPr marL="457200" indent="-457200">
+              <a:buFont typeface="+mj-lt"/>
+              <a:buAutoNum type="arabicPeriod" startAt="14"/>
+            </a:pPr>
+            <a:endParaRPr lang="en-US" dirty="0"/>
+          </a:p>
+          <a:p>
+            <a:pPr marL="457200" indent="-457200">
+              <a:buFont typeface="+mj-lt"/>
+              <a:buAutoNum type="arabicPeriod" startAt="14"/>
+            </a:pPr>
+            <a:endParaRPr lang="en-US" dirty="0"/>
+          </a:p>
+          <a:p>
+            <a:pPr marL="457200" indent="-457200">
+              <a:buFont typeface="+mj-lt"/>
+              <a:buAutoNum type="arabicPeriod" startAt="14"/>
+            </a:pPr>
+            <a:endParaRPr lang="en-US" dirty="0"/>
+          </a:p>
+          <a:p>
             <a:pPr marL="0" indent="0">
               <a:buNone/>
             </a:pPr>
-            <a:r>
-              <a:rPr lang="en-US" sz="2800" i="1" dirty="0">
-                <a:solidFill>
-                  <a:srgbClr val="00FF00"/>
-                </a:solidFill>
-              </a:rPr>
-              <a:t>Reaction</a:t>
-            </a:r>
+            <a:endParaRPr lang="en-US" dirty="0"/>
           </a:p>
           <a:p>
             <a:pPr marL="457200" indent="-457200">
               <a:buFont typeface="+mj-lt"/>
-              <a:buAutoNum type="arabicPeriod"/>
+              <a:buAutoNum type="arabicPeriod" startAt="15"/>
             </a:pPr>
             <a:r>
-              <a:rPr lang="en-US" sz="2200" dirty="0"/>
-              <a:t>Heat the contents with a </a:t>
-            </a:r>
-            <a:r>
-              <a:rPr lang="en-US" sz="2200" dirty="0">
-                <a:solidFill>
-                  <a:schemeClr val="accent1">
-                    <a:lumMod val="60000"/>
-                    <a:lumOff val="40000"/>
-                  </a:schemeClr>
-                </a:solidFill>
-              </a:rPr>
-              <a:t>blue flame </a:t>
-            </a:r>
-            <a:r>
-              <a:rPr lang="en-US" sz="2200" dirty="0"/>
-              <a:t>of the </a:t>
-            </a:r>
-            <a:r>
-              <a:rPr lang="en-US" sz="2200" dirty="0">
-                <a:solidFill>
-                  <a:schemeClr val="accent1">
-                    <a:lumMod val="60000"/>
-                    <a:lumOff val="40000"/>
-                  </a:schemeClr>
-                </a:solidFill>
-              </a:rPr>
-              <a:t>Bunsen burner</a:t>
-            </a:r>
-            <a:r>
-              <a:rPr lang="en-US" sz="2200" dirty="0"/>
-              <a:t>. The </a:t>
-            </a:r>
-            <a:r>
-              <a:rPr lang="en-US" sz="2200" dirty="0">
-                <a:solidFill>
-                  <a:srgbClr val="FFFF00"/>
-                </a:solidFill>
-              </a:rPr>
-              <a:t>sulfur</a:t>
-            </a:r>
-            <a:r>
-              <a:rPr lang="en-US" sz="2200" dirty="0"/>
-              <a:t> will melt within about a minute.</a:t>
-            </a:r>
-          </a:p>
-          <a:p>
-            <a:pPr marL="457200" indent="-457200">
+              <a:rPr lang="en-US" dirty="0"/>
+              <a:t> </a:t>
+            </a:r>
+          </a:p>
+          <a:p>
+            <a:pPr marL="693738" lvl="1" indent="-457200">
               <a:buFont typeface="+mj-lt"/>
-              <a:buAutoNum type="arabicPeriod"/>
+              <a:buAutoNum type="alphaLcPeriod"/>
             </a:pPr>
             <a:r>
-              <a:rPr lang="en-US" sz="2200" dirty="0"/>
-              <a:t>Use the </a:t>
-            </a:r>
-            <a:r>
-              <a:rPr lang="en-US" sz="2200" dirty="0">
-                <a:solidFill>
-                  <a:schemeClr val="accent1">
-                    <a:lumMod val="60000"/>
-                    <a:lumOff val="40000"/>
-                  </a:schemeClr>
-                </a:solidFill>
-              </a:rPr>
-              <a:t>crucible tongs </a:t>
-            </a:r>
-            <a:r>
-              <a:rPr lang="en-US" sz="2200" dirty="0"/>
-              <a:t>to transfer the crucible to the </a:t>
-            </a:r>
-            <a:r>
-              <a:rPr lang="en-US" sz="2200" dirty="0">
-                <a:solidFill>
-                  <a:schemeClr val="accent1">
-                    <a:lumMod val="60000"/>
-                    <a:lumOff val="40000"/>
-                  </a:schemeClr>
-                </a:solidFill>
-              </a:rPr>
-              <a:t>wire mesh. </a:t>
-            </a:r>
-            <a:r>
-              <a:rPr lang="en-US" sz="2200" dirty="0"/>
-              <a:t>The</a:t>
-            </a:r>
-            <a:r>
-              <a:rPr lang="en-US" sz="2200" dirty="0">
-                <a:solidFill>
-                  <a:schemeClr val="accent1">
-                    <a:lumMod val="60000"/>
-                    <a:lumOff val="40000"/>
-                  </a:schemeClr>
-                </a:solidFill>
-              </a:rPr>
-              <a:t> </a:t>
-            </a:r>
-            <a:r>
-              <a:rPr lang="en-US" sz="2200" dirty="0"/>
-              <a:t>melted sulfur reacts with the copper during this time.</a:t>
-            </a:r>
-          </a:p>
-          <a:p>
-            <a:pPr marL="457200" indent="-457200">
+              <a:rPr lang="en-US" dirty="0"/>
+              <a:t>Apply the vacuum to the apparatus and wet the filter paper so that it adheres to funnel bottom with all the holes covered</a:t>
+            </a:r>
+          </a:p>
+          <a:p>
+            <a:pPr marL="693738" lvl="1" indent="-457200">
               <a:buFont typeface="+mj-lt"/>
-              <a:buAutoNum type="arabicPeriod"/>
+              <a:buAutoNum type="alphaLcPeriod"/>
             </a:pPr>
             <a:r>
-              <a:rPr lang="en-US" sz="2200" dirty="0"/>
-              <a:t>Put the crucible back on the flame: the unreacted sulfur will burn off, forming sulfur dioxide (SO</a:t>
-            </a:r>
-            <a:r>
-              <a:rPr lang="en-US" sz="2200" baseline="-25000" dirty="0"/>
-              <a:t>2</a:t>
-            </a:r>
-            <a:r>
-              <a:rPr lang="en-US" sz="2200" dirty="0"/>
-              <a:t>) gas, vented in the hood. The crucible looks clean and dry except for the coil of copper sulfide.</a:t>
-            </a:r>
-          </a:p>
-          <a:p>
-            <a:pPr marL="457200" indent="-457200">
+              <a:rPr lang="en-US" dirty="0"/>
+              <a:t>Swirl the beaker to loosen crystals and pour the crystals with solution on to the paper in the funnel</a:t>
+            </a:r>
+          </a:p>
+          <a:p>
+            <a:pPr marL="693738" lvl="1" indent="-457200">
               <a:buFont typeface="+mj-lt"/>
-              <a:buAutoNum type="arabicPeriod"/>
+              <a:buAutoNum type="alphaLcPeriod"/>
             </a:pPr>
             <a:r>
-              <a:rPr lang="en-US" sz="2200" dirty="0"/>
-              <a:t>Set the crucible again on the wire mesh to cool</a:t>
-            </a:r>
-          </a:p>
-          <a:p>
-            <a:pPr marL="457200" indent="-457200">
-              <a:buFont typeface="+mj-lt"/>
-              <a:buAutoNum type="arabicPeriod"/>
-            </a:pPr>
-            <a:r>
-              <a:rPr lang="en-US" sz="2200" dirty="0"/>
-              <a:t>Record mass of crucible with the new compound (</a:t>
-            </a:r>
-            <a:r>
-              <a:rPr lang="en-US" sz="2200" b="1" dirty="0"/>
-              <a:t>D</a:t>
-            </a:r>
-            <a:r>
-              <a:rPr lang="en-US" sz="2200" dirty="0"/>
-              <a:t>)</a:t>
-            </a:r>
-          </a:p>
-          <a:p>
-            <a:pPr marL="457200" indent="-457200">
-              <a:buFont typeface="+mj-lt"/>
-              <a:buAutoNum type="arabicPeriod"/>
-            </a:pPr>
-            <a:r>
-              <a:rPr lang="en-US" sz="2200" dirty="0"/>
-              <a:t>Carefully tip crucible contents on to watch glass and make observations of physical properties</a:t>
-            </a:r>
-          </a:p>
-          <a:p>
-            <a:pPr marL="457200" indent="-457200">
-              <a:buFont typeface="+mj-lt"/>
-              <a:buAutoNum type="arabicPeriod"/>
-            </a:pPr>
-            <a:endParaRPr lang="en-US" dirty="0"/>
-          </a:p>
-          <a:p>
-            <a:pPr marL="457200" indent="-457200">
-              <a:buFont typeface="+mj-lt"/>
-              <a:buAutoNum type="arabicPeriod"/>
-            </a:pPr>
-            <a:endParaRPr lang="en-US" sz="2800" dirty="0"/>
+              <a:rPr lang="en-US" dirty="0"/>
+              <a:t>Pour ~10 mL of cold 50% EtOH into beaker and then swirl to wash out crystals into funnel while also slowly washing the crystals with the ethanol through the filter paper. Repeat ethanol washing of crystals</a:t>
+            </a:r>
           </a:p>
         </p:txBody>
       </p:sp>
+      <p:pic>
+        <p:nvPicPr>
+          <p:cNvPr id="4" name="Picture 3">
+            <a:extLst>
+              <a:ext uri="{FF2B5EF4-FFF2-40B4-BE49-F238E27FC236}">
+                <a16:creationId xmlns:a16="http://schemas.microsoft.com/office/drawing/2014/main" id="{3C4DB9BB-0782-C244-D96E-1141227A3F1B}"/>
+              </a:ext>
+            </a:extLst>
+          </p:cNvPr>
+          <p:cNvPicPr>
+            <a:picLocks noChangeAspect="1"/>
+          </p:cNvPicPr>
+          <p:nvPr/>
+        </p:nvPicPr>
+        <p:blipFill>
+          <a:blip r:embed="rId2"/>
+          <a:stretch>
+            <a:fillRect/>
+          </a:stretch>
+        </p:blipFill>
+        <p:spPr>
+          <a:xfrm>
+            <a:off x="1904165" y="1370599"/>
+            <a:ext cx="4393894" cy="2058401"/>
+          </a:xfrm>
+          <a:prstGeom prst="rect">
+            <a:avLst/>
+          </a:prstGeom>
+        </p:spPr>
+      </p:pic>
     </p:spTree>
     <p:extLst>
       <p:ext uri="{BB962C8B-B14F-4D97-AF65-F5344CB8AC3E}">
-        <p14:creationId xmlns:p14="http://schemas.microsoft.com/office/powerpoint/2010/main" val="943315025"/>
+        <p14:creationId xmlns:p14="http://schemas.microsoft.com/office/powerpoint/2010/main" val="1788603656"/>
       </p:ext>
     </p:extLst>
   </p:cSld>
@@ -10582,6 +10502,256 @@
 </file>
 
 <file path=ppt/slides/slide11.xml><?xml version="1.0" encoding="utf-8"?>
+<p:sld xmlns:a="http://schemas.openxmlformats.org/drawingml/2006/main" xmlns:r="http://schemas.openxmlformats.org/officeDocument/2006/relationships" xmlns:p="http://schemas.openxmlformats.org/presentationml/2006/main">
+  <p:cSld>
+    <p:spTree>
+      <p:nvGrpSpPr>
+        <p:cNvPr id="1" name="">
+          <a:extLst>
+            <a:ext uri="{FF2B5EF4-FFF2-40B4-BE49-F238E27FC236}">
+              <a16:creationId xmlns:a16="http://schemas.microsoft.com/office/drawing/2014/main" id="{8A86C51D-C39C-F648-474E-67FCB4E5DA41}"/>
+            </a:ext>
+          </a:extLst>
+        </p:cNvPr>
+        <p:cNvGrpSpPr/>
+        <p:nvPr/>
+      </p:nvGrpSpPr>
+      <p:grpSpPr>
+        <a:xfrm>
+          <a:off x="0" y="0"/>
+          <a:ext cx="0" cy="0"/>
+          <a:chOff x="0" y="0"/>
+          <a:chExt cx="0" cy="0"/>
+        </a:xfrm>
+      </p:grpSpPr>
+      <p:sp>
+        <p:nvSpPr>
+          <p:cNvPr id="2" name="Title 1">
+            <a:extLst>
+              <a:ext uri="{FF2B5EF4-FFF2-40B4-BE49-F238E27FC236}">
+                <a16:creationId xmlns:a16="http://schemas.microsoft.com/office/drawing/2014/main" id="{CE39034F-5890-7535-73A3-637660DFF452}"/>
+              </a:ext>
+            </a:extLst>
+          </p:cNvPr>
+          <p:cNvSpPr>
+            <a:spLocks noGrp="1"/>
+          </p:cNvSpPr>
+          <p:nvPr>
+            <p:ph type="title"/>
+          </p:nvPr>
+        </p:nvSpPr>
+        <p:spPr>
+          <a:xfrm>
+            <a:off x="338666" y="183025"/>
+            <a:ext cx="8421512" cy="769441"/>
+          </a:xfrm>
+        </p:spPr>
+        <p:txBody>
+          <a:bodyPr/>
+          <a:lstStyle/>
+          <a:p>
+            <a:r>
+              <a:rPr lang="en-US" sz="4400" dirty="0"/>
+              <a:t>Procedure</a:t>
+            </a:r>
+          </a:p>
+        </p:txBody>
+      </p:sp>
+      <p:sp>
+        <p:nvSpPr>
+          <p:cNvPr id="6" name="Content Placeholder 5">
+            <a:extLst>
+              <a:ext uri="{FF2B5EF4-FFF2-40B4-BE49-F238E27FC236}">
+                <a16:creationId xmlns:a16="http://schemas.microsoft.com/office/drawing/2014/main" id="{0A8E1312-A97E-0F19-A378-FF87FEADA885}"/>
+              </a:ext>
+            </a:extLst>
+          </p:cNvPr>
+          <p:cNvSpPr>
+            <a:spLocks noGrp="1"/>
+          </p:cNvSpPr>
+          <p:nvPr>
+            <p:ph idx="1"/>
+          </p:nvPr>
+        </p:nvSpPr>
+        <p:spPr>
+          <a:xfrm>
+            <a:off x="372533" y="952466"/>
+            <a:ext cx="8387645" cy="5595089"/>
+          </a:xfrm>
+        </p:spPr>
+        <p:txBody>
+          <a:bodyPr/>
+          <a:lstStyle/>
+          <a:p>
+            <a:pPr marL="457200" indent="-457200">
+              <a:buFont typeface="+mj-lt"/>
+              <a:buAutoNum type="arabicPeriod" startAt="15"/>
+            </a:pPr>
+            <a:r>
+              <a:rPr lang="en-US" dirty="0"/>
+              <a:t> </a:t>
+            </a:r>
+          </a:p>
+          <a:p>
+            <a:pPr marL="693738" lvl="1" indent="-457200">
+              <a:buFont typeface="+mj-lt"/>
+              <a:buAutoNum type="alphaLcPeriod" startAt="4"/>
+            </a:pPr>
+            <a:r>
+              <a:rPr lang="en-US" dirty="0"/>
+              <a:t>After washing is complete, let the crystals remain on the vacuum until they appear dried by the process. Prodding the crystals with a glass rod should prove how dry they are</a:t>
+            </a:r>
+          </a:p>
+          <a:p>
+            <a:pPr marL="457200" indent="-457200">
+              <a:buFont typeface="+mj-lt"/>
+              <a:buAutoNum type="arabicPeriod" startAt="15"/>
+            </a:pPr>
+            <a:r>
+              <a:rPr lang="en-US" dirty="0"/>
+              <a:t> Record the mass of a clean &amp; dry watch glass</a:t>
+            </a:r>
+          </a:p>
+          <a:p>
+            <a:pPr marL="457200" indent="-457200">
+              <a:buFont typeface="+mj-lt"/>
+              <a:buAutoNum type="arabicPeriod" startAt="15"/>
+            </a:pPr>
+            <a:r>
+              <a:rPr lang="en-US" dirty="0"/>
+              <a:t> Transfer the crystals to the watch glass. Now record the mass of the crystals + watch glass</a:t>
+            </a:r>
+          </a:p>
+          <a:p>
+            <a:pPr marL="457200" indent="-457200">
+              <a:buFont typeface="+mj-lt"/>
+              <a:buAutoNum type="arabicPeriod" startAt="15"/>
+            </a:pPr>
+            <a:r>
+              <a:rPr lang="en-US" dirty="0"/>
+              <a:t> Determine the yield of crystals and use to complete rest of report</a:t>
+            </a:r>
+          </a:p>
+        </p:txBody>
+      </p:sp>
+    </p:spTree>
+    <p:extLst>
+      <p:ext uri="{BB962C8B-B14F-4D97-AF65-F5344CB8AC3E}">
+        <p14:creationId xmlns:p14="http://schemas.microsoft.com/office/powerpoint/2010/main" val="2176094450"/>
+      </p:ext>
+    </p:extLst>
+  </p:cSld>
+  <p:clrMapOvr>
+    <a:masterClrMapping/>
+  </p:clrMapOvr>
+</p:sld>
+</file>
+
+<file path=ppt/slides/slide12.xml><?xml version="1.0" encoding="utf-8"?>
+<p:sld xmlns:a="http://schemas.openxmlformats.org/drawingml/2006/main" xmlns:r="http://schemas.openxmlformats.org/officeDocument/2006/relationships" xmlns:p="http://schemas.openxmlformats.org/presentationml/2006/main">
+  <p:cSld>
+    <p:spTree>
+      <p:nvGrpSpPr>
+        <p:cNvPr id="1" name=""/>
+        <p:cNvGrpSpPr/>
+        <p:nvPr/>
+      </p:nvGrpSpPr>
+      <p:grpSpPr>
+        <a:xfrm>
+          <a:off x="0" y="0"/>
+          <a:ext cx="0" cy="0"/>
+          <a:chOff x="0" y="0"/>
+          <a:chExt cx="0" cy="0"/>
+        </a:xfrm>
+      </p:grpSpPr>
+      <p:sp>
+        <p:nvSpPr>
+          <p:cNvPr id="2" name="Title 1">
+            <a:extLst>
+              <a:ext uri="{FF2B5EF4-FFF2-40B4-BE49-F238E27FC236}">
+                <a16:creationId xmlns:a16="http://schemas.microsoft.com/office/drawing/2014/main" id="{4E7C79B0-B384-1533-BACA-0EA95D4089F9}"/>
+              </a:ext>
+            </a:extLst>
+          </p:cNvPr>
+          <p:cNvSpPr>
+            <a:spLocks noGrp="1"/>
+          </p:cNvSpPr>
+          <p:nvPr>
+            <p:ph type="title"/>
+          </p:nvPr>
+        </p:nvSpPr>
+        <p:spPr/>
+        <p:txBody>
+          <a:bodyPr/>
+          <a:lstStyle/>
+          <a:p>
+            <a:r>
+              <a:rPr lang="en-US" dirty="0"/>
+              <a:t>Clean Up</a:t>
+            </a:r>
+          </a:p>
+        </p:txBody>
+      </p:sp>
+      <p:sp>
+        <p:nvSpPr>
+          <p:cNvPr id="3" name="Content Placeholder 2">
+            <a:extLst>
+              <a:ext uri="{FF2B5EF4-FFF2-40B4-BE49-F238E27FC236}">
+                <a16:creationId xmlns:a16="http://schemas.microsoft.com/office/drawing/2014/main" id="{F122473B-F6C9-7A59-3DAB-7CBF32F68EB5}"/>
+              </a:ext>
+            </a:extLst>
+          </p:cNvPr>
+          <p:cNvSpPr>
+            <a:spLocks noGrp="1"/>
+          </p:cNvSpPr>
+          <p:nvPr>
+            <p:ph idx="1"/>
+          </p:nvPr>
+        </p:nvSpPr>
+        <p:spPr/>
+        <p:txBody>
+          <a:bodyPr/>
+          <a:lstStyle/>
+          <a:p>
+            <a:r>
+              <a:rPr lang="en-US" dirty="0"/>
+              <a:t>The copper sulfide product goes into solids waste container</a:t>
+            </a:r>
+          </a:p>
+          <a:p>
+            <a:r>
+              <a:rPr lang="en-US" dirty="0"/>
+              <a:t>WITHOUT AT ALL GETTING CRUCIBLE WET WITH ANY WATER, wipe crucible with dry paper towel</a:t>
+            </a:r>
+          </a:p>
+          <a:p>
+            <a:r>
+              <a:rPr lang="en-US" dirty="0"/>
+              <a:t>Use soapy water to clean the watch glass</a:t>
+            </a:r>
+          </a:p>
+          <a:p>
+            <a:r>
+              <a:rPr lang="en-US" dirty="0"/>
+              <a:t>Place all other items in appropriate locations</a:t>
+            </a:r>
+          </a:p>
+        </p:txBody>
+      </p:sp>
+    </p:spTree>
+    <p:extLst>
+      <p:ext uri="{BB962C8B-B14F-4D97-AF65-F5344CB8AC3E}">
+        <p14:creationId xmlns:p14="http://schemas.microsoft.com/office/powerpoint/2010/main" val="3469914632"/>
+      </p:ext>
+    </p:extLst>
+  </p:cSld>
+  <p:clrMapOvr>
+    <a:masterClrMapping/>
+  </p:clrMapOvr>
+</p:sld>
+</file>
+
+<file path=ppt/slides/slide13.xml><?xml version="1.0" encoding="utf-8"?>
 <p:sld xmlns:a="http://schemas.openxmlformats.org/drawingml/2006/main" xmlns:r="http://schemas.openxmlformats.org/officeDocument/2006/relationships" xmlns:p="http://schemas.openxmlformats.org/presentationml/2006/main">
   <p:cSld>
     <p:spTree>
@@ -10780,7 +10950,7 @@
 </p:sld>
 </file>
 
-<file path=ppt/slides/slide12.xml><?xml version="1.0" encoding="utf-8"?>
+<file path=ppt/slides/slide14.xml><?xml version="1.0" encoding="utf-8"?>
 <p:sld xmlns:a="http://schemas.openxmlformats.org/drawingml/2006/main" xmlns:r="http://schemas.openxmlformats.org/officeDocument/2006/relationships" xmlns:p="http://schemas.openxmlformats.org/presentationml/2006/main">
   <p:cSld>
     <p:spTree>
@@ -10836,530 +11006,69 @@
           </a:p>
         </p:txBody>
       </p:sp>
-      <mc:AlternateContent xmlns:mc="http://schemas.openxmlformats.org/markup-compatibility/2006" xmlns:a14="http://schemas.microsoft.com/office/drawing/2010/main">
-        <mc:Choice Requires="a14">
-          <p:sp>
-            <p:nvSpPr>
-              <p:cNvPr id="6" name="Content Placeholder 5">
-                <a:extLst>
-                  <a:ext uri="{FF2B5EF4-FFF2-40B4-BE49-F238E27FC236}">
-                    <a16:creationId xmlns:a16="http://schemas.microsoft.com/office/drawing/2014/main" id="{A7219B4E-9803-A35C-5535-085CE995377D}"/>
-                  </a:ext>
-                </a:extLst>
-              </p:cNvPr>
-              <p:cNvSpPr>
-                <a:spLocks noGrp="1"/>
-              </p:cNvSpPr>
-              <p:nvPr>
-                <p:ph idx="1"/>
-              </p:nvPr>
-            </p:nvSpPr>
-            <p:spPr>
-              <a:xfrm>
-                <a:off x="372533" y="952466"/>
-                <a:ext cx="8387645" cy="5595089"/>
-              </a:xfrm>
-            </p:spPr>
-            <p:txBody>
-              <a:bodyPr/>
-              <a:lstStyle/>
-              <a:p>
-                <a:pPr marL="0" indent="0">
-                  <a:buNone/>
-                </a:pPr>
-                <a:r>
-                  <a:rPr lang="en-US" dirty="0"/>
-                  <a:t>What does the mass ratio show?</a:t>
-                </a:r>
-              </a:p>
-              <a:p>
-                <a:pPr marL="0" indent="0">
-                  <a:buNone/>
-                </a:pPr>
-                <a:r>
-                  <a:rPr lang="en-US" dirty="0"/>
-                  <a:t>For every 1 g of S, there are about 4.4 g Cu</a:t>
-                </a:r>
-              </a:p>
-              <a:p>
-                <a:pPr marL="0" indent="0">
-                  <a:buNone/>
-                </a:pPr>
-                <a:endParaRPr lang="en-US" sz="1200" dirty="0"/>
-              </a:p>
-              <a:p>
-                <a:pPr marL="0" indent="0">
-                  <a:buNone/>
-                </a:pPr>
-                <a:r>
-                  <a:rPr lang="en-US" dirty="0"/>
-                  <a:t>Look at the molar masses of S and Cu.</a:t>
-                </a:r>
-              </a:p>
-              <a:p>
-                <a:pPr marL="0" indent="0">
-                  <a:buNone/>
-                </a:pPr>
-                <a:endParaRPr lang="en-US" sz="1200" dirty="0"/>
-              </a:p>
-              <a:p>
-                <a:pPr marL="0" indent="0">
-                  <a:buNone/>
-                </a:pPr>
-                <a:r>
-                  <a:rPr lang="en-US" dirty="0"/>
-                  <a:t>If there are 32.065 g/mol S and 63.546 g/mol Cu, and there are 2 mol Cu and 1 mol S in Cu</a:t>
-                </a:r>
-                <a:r>
-                  <a:rPr lang="en-US" baseline="-25000" dirty="0"/>
-                  <a:t>2</a:t>
-                </a:r>
-                <a:r>
-                  <a:rPr lang="en-US" dirty="0"/>
-                  <a:t>S, then what is the theoretical mass ratio of S to Cu in Cu</a:t>
-                </a:r>
-                <a:r>
-                  <a:rPr lang="en-US" baseline="-25000" dirty="0"/>
-                  <a:t>2</a:t>
-                </a:r>
-                <a:r>
-                  <a:rPr lang="en-US" dirty="0"/>
-                  <a:t>S?</a:t>
-                </a:r>
-              </a:p>
-              <a:p>
-                <a:pPr marL="0" indent="0">
-                  <a:buNone/>
-                </a:pPr>
-                <a:endParaRPr lang="en-US" dirty="0"/>
-              </a:p>
-              <a:p>
-                <a:pPr marL="0" indent="0">
-                  <a:buNone/>
-                </a:pPr>
-                <a14:m>
-                  <m:oMathPara xmlns:m="http://schemas.openxmlformats.org/officeDocument/2006/math">
-                    <m:oMathParaPr>
-                      <m:jc m:val="centerGroup"/>
-                    </m:oMathParaPr>
-                    <m:oMath xmlns:m="http://schemas.openxmlformats.org/officeDocument/2006/math">
-                      <m:f>
-                        <m:fPr>
-                          <m:ctrlPr>
-                            <a:rPr lang="en-US" i="1" smtClean="0">
-                              <a:latin typeface="Cambria Math" panose="02040503050406030204" pitchFamily="18" charset="0"/>
-                            </a:rPr>
-                          </m:ctrlPr>
-                        </m:fPr>
-                        <m:num>
-                          <m:f>
-                            <m:fPr>
-                              <m:ctrlPr>
-                                <a:rPr lang="en-US" i="1" smtClean="0">
-                                  <a:latin typeface="Cambria Math" panose="02040503050406030204" pitchFamily="18" charset="0"/>
-                                </a:rPr>
-                              </m:ctrlPr>
-                            </m:fPr>
-                            <m:num>
-                              <m:r>
-                                <m:rPr>
-                                  <m:nor/>
-                                </m:rPr>
-                                <a:rPr lang="en-US" b="0" i="0" smtClean="0">
-                                  <a:latin typeface="Cambria Math" panose="02040503050406030204" pitchFamily="18" charset="0"/>
-                                </a:rPr>
-                                <m:t>63.546 </m:t>
-                              </m:r>
-                              <m:r>
-                                <m:rPr>
-                                  <m:nor/>
-                                </m:rPr>
-                                <a:rPr lang="en-US" b="0" i="0" smtClean="0">
-                                  <a:latin typeface="Cambria Math" panose="02040503050406030204" pitchFamily="18" charset="0"/>
-                                </a:rPr>
-                                <m:t>g</m:t>
-                              </m:r>
-                              <m:r>
-                                <m:rPr>
-                                  <m:nor/>
-                                </m:rPr>
-                                <a:rPr lang="en-US" b="0" i="0" smtClean="0">
-                                  <a:latin typeface="Cambria Math" panose="02040503050406030204" pitchFamily="18" charset="0"/>
-                                </a:rPr>
-                                <m:t> </m:t>
-                              </m:r>
-                              <m:r>
-                                <m:rPr>
-                                  <m:nor/>
-                                </m:rPr>
-                                <a:rPr lang="en-US" b="0" i="0" smtClean="0">
-                                  <a:latin typeface="Cambria Math" panose="02040503050406030204" pitchFamily="18" charset="0"/>
-                                </a:rPr>
-                                <m:t>Cu</m:t>
-                              </m:r>
-                            </m:num>
-                            <m:den>
-                              <m:r>
-                                <m:rPr>
-                                  <m:nor/>
-                                </m:rPr>
-                                <a:rPr lang="en-US" b="0" i="0" smtClean="0">
-                                  <a:latin typeface="Cambria Math" panose="02040503050406030204" pitchFamily="18" charset="0"/>
-                                </a:rPr>
-                                <m:t>mol</m:t>
-                              </m:r>
-                              <m:r>
-                                <m:rPr>
-                                  <m:nor/>
-                                </m:rPr>
-                                <a:rPr lang="en-US" b="0" i="0" smtClean="0">
-                                  <a:latin typeface="Cambria Math" panose="02040503050406030204" pitchFamily="18" charset="0"/>
-                                </a:rPr>
-                                <m:t> </m:t>
-                              </m:r>
-                              <m:r>
-                                <m:rPr>
-                                  <m:nor/>
-                                </m:rPr>
-                                <a:rPr lang="en-US" b="0" i="0" smtClean="0">
-                                  <a:latin typeface="Cambria Math" panose="02040503050406030204" pitchFamily="18" charset="0"/>
-                                </a:rPr>
-                                <m:t>Cu</m:t>
-                              </m:r>
-                            </m:den>
-                          </m:f>
-                          <m:r>
-                            <m:rPr>
-                              <m:nor/>
-                            </m:rPr>
-                            <a:rPr lang="en-US" i="0" smtClean="0">
-                              <a:latin typeface="Cambria Math" panose="02040503050406030204" pitchFamily="18" charset="0"/>
-                              <a:ea typeface="Cambria Math" panose="02040503050406030204" pitchFamily="18" charset="0"/>
-                            </a:rPr>
-                            <m:t>×</m:t>
-                          </m:r>
-                          <m:r>
-                            <m:rPr>
-                              <m:nor/>
-                            </m:rPr>
-                            <a:rPr lang="en-US" b="0" i="0" smtClean="0">
-                              <a:latin typeface="Cambria Math" panose="02040503050406030204" pitchFamily="18" charset="0"/>
-                              <a:ea typeface="Cambria Math" panose="02040503050406030204" pitchFamily="18" charset="0"/>
-                            </a:rPr>
-                            <m:t>2 </m:t>
-                          </m:r>
-                          <m:r>
-                            <m:rPr>
-                              <m:nor/>
-                            </m:rPr>
-                            <a:rPr lang="en-US" b="0" i="0" smtClean="0">
-                              <a:latin typeface="Cambria Math" panose="02040503050406030204" pitchFamily="18" charset="0"/>
-                              <a:ea typeface="Cambria Math" panose="02040503050406030204" pitchFamily="18" charset="0"/>
-                            </a:rPr>
-                            <m:t>mol</m:t>
-                          </m:r>
-                          <m:r>
-                            <m:rPr>
-                              <m:nor/>
-                            </m:rPr>
-                            <a:rPr lang="en-US" b="0" i="0" smtClean="0">
-                              <a:latin typeface="Cambria Math" panose="02040503050406030204" pitchFamily="18" charset="0"/>
-                              <a:ea typeface="Cambria Math" panose="02040503050406030204" pitchFamily="18" charset="0"/>
-                            </a:rPr>
-                            <m:t> </m:t>
-                          </m:r>
-                          <m:r>
-                            <m:rPr>
-                              <m:nor/>
-                            </m:rPr>
-                            <a:rPr lang="en-US" b="0" i="0" smtClean="0">
-                              <a:latin typeface="Cambria Math" panose="02040503050406030204" pitchFamily="18" charset="0"/>
-                              <a:ea typeface="Cambria Math" panose="02040503050406030204" pitchFamily="18" charset="0"/>
-                            </a:rPr>
-                            <m:t>Cu</m:t>
-                          </m:r>
-                        </m:num>
-                        <m:den>
-                          <m:f>
-                            <m:fPr>
-                              <m:ctrlPr>
-                                <a:rPr lang="en-US" i="1" smtClean="0">
-                                  <a:latin typeface="Cambria Math" panose="02040503050406030204" pitchFamily="18" charset="0"/>
-                                </a:rPr>
-                              </m:ctrlPr>
-                            </m:fPr>
-                            <m:num>
-                              <m:r>
-                                <m:rPr>
-                                  <m:nor/>
-                                </m:rPr>
-                                <a:rPr lang="en-US" i="0">
-                                  <a:latin typeface="Cambria Math" panose="02040503050406030204" pitchFamily="18" charset="0"/>
-                                </a:rPr>
-                                <m:t>32.065 </m:t>
-                              </m:r>
-                              <m:r>
-                                <m:rPr>
-                                  <m:nor/>
-                                </m:rPr>
-                                <a:rPr lang="en-US" i="0">
-                                  <a:latin typeface="Cambria Math" panose="02040503050406030204" pitchFamily="18" charset="0"/>
-                                </a:rPr>
-                                <m:t>g</m:t>
-                              </m:r>
-                              <m:r>
-                                <m:rPr>
-                                  <m:nor/>
-                                </m:rPr>
-                                <a:rPr lang="en-US" i="0">
-                                  <a:latin typeface="Cambria Math" panose="02040503050406030204" pitchFamily="18" charset="0"/>
-                                </a:rPr>
-                                <m:t> </m:t>
-                              </m:r>
-                              <m:r>
-                                <m:rPr>
-                                  <m:nor/>
-                                </m:rPr>
-                                <a:rPr lang="en-US" i="0">
-                                  <a:latin typeface="Cambria Math" panose="02040503050406030204" pitchFamily="18" charset="0"/>
-                                </a:rPr>
-                                <m:t>S</m:t>
-                              </m:r>
-                            </m:num>
-                            <m:den>
-                              <m:r>
-                                <m:rPr>
-                                  <m:nor/>
-                                </m:rPr>
-                                <a:rPr lang="en-US" b="0" i="0" smtClean="0">
-                                  <a:latin typeface="Cambria Math" panose="02040503050406030204" pitchFamily="18" charset="0"/>
-                                </a:rPr>
-                                <m:t>mol</m:t>
-                              </m:r>
-                              <m:r>
-                                <m:rPr>
-                                  <m:nor/>
-                                </m:rPr>
-                                <a:rPr lang="en-US" b="0" i="0" smtClean="0">
-                                  <a:latin typeface="Cambria Math" panose="02040503050406030204" pitchFamily="18" charset="0"/>
-                                </a:rPr>
-                                <m:t> </m:t>
-                              </m:r>
-                              <m:r>
-                                <m:rPr>
-                                  <m:nor/>
-                                </m:rPr>
-                                <a:rPr lang="en-US" b="0" i="0" smtClean="0">
-                                  <a:latin typeface="Cambria Math" panose="02040503050406030204" pitchFamily="18" charset="0"/>
-                                </a:rPr>
-                                <m:t>S</m:t>
-                              </m:r>
-                            </m:den>
-                          </m:f>
-                          <m:r>
-                            <m:rPr>
-                              <m:nor/>
-                            </m:rPr>
-                            <a:rPr lang="en-US" i="0" smtClean="0">
-                              <a:latin typeface="Cambria Math" panose="02040503050406030204" pitchFamily="18" charset="0"/>
-                              <a:ea typeface="Cambria Math" panose="02040503050406030204" pitchFamily="18" charset="0"/>
-                            </a:rPr>
-                            <m:t>×</m:t>
-                          </m:r>
-                          <m:r>
-                            <m:rPr>
-                              <m:nor/>
-                            </m:rPr>
-                            <a:rPr lang="en-US" b="0" i="0" smtClean="0">
-                              <a:latin typeface="Cambria Math" panose="02040503050406030204" pitchFamily="18" charset="0"/>
-                              <a:ea typeface="Cambria Math" panose="02040503050406030204" pitchFamily="18" charset="0"/>
-                            </a:rPr>
-                            <m:t>1 </m:t>
-                          </m:r>
-                          <m:r>
-                            <m:rPr>
-                              <m:nor/>
-                            </m:rPr>
-                            <a:rPr lang="en-US" b="0" i="0" smtClean="0">
-                              <a:latin typeface="Cambria Math" panose="02040503050406030204" pitchFamily="18" charset="0"/>
-                              <a:ea typeface="Cambria Math" panose="02040503050406030204" pitchFamily="18" charset="0"/>
-                            </a:rPr>
-                            <m:t>mol</m:t>
-                          </m:r>
-                          <m:r>
-                            <m:rPr>
-                              <m:nor/>
-                            </m:rPr>
-                            <a:rPr lang="en-US" b="0" i="0" smtClean="0">
-                              <a:latin typeface="Cambria Math" panose="02040503050406030204" pitchFamily="18" charset="0"/>
-                              <a:ea typeface="Cambria Math" panose="02040503050406030204" pitchFamily="18" charset="0"/>
-                            </a:rPr>
-                            <m:t> </m:t>
-                          </m:r>
-                          <m:r>
-                            <m:rPr>
-                              <m:nor/>
-                            </m:rPr>
-                            <a:rPr lang="en-US" b="0" i="0" smtClean="0">
-                              <a:latin typeface="Cambria Math" panose="02040503050406030204" pitchFamily="18" charset="0"/>
-                              <a:ea typeface="Cambria Math" panose="02040503050406030204" pitchFamily="18" charset="0"/>
-                            </a:rPr>
-                            <m:t>S</m:t>
-                          </m:r>
-                        </m:den>
-                      </m:f>
-                      <m:r>
-                        <a:rPr lang="en-US" b="0" i="1" smtClean="0">
-                          <a:latin typeface="Cambria Math" panose="02040503050406030204" pitchFamily="18" charset="0"/>
-                        </a:rPr>
-                        <m:t>=</m:t>
-                      </m:r>
-                      <m:f>
-                        <m:fPr>
-                          <m:ctrlPr>
-                            <a:rPr lang="en-US" b="0" i="1" smtClean="0">
-                              <a:latin typeface="Cambria Math" panose="02040503050406030204" pitchFamily="18" charset="0"/>
-                            </a:rPr>
-                          </m:ctrlPr>
-                        </m:fPr>
-                        <m:num>
-                          <m:r>
-                            <m:rPr>
-                              <m:nor/>
-                            </m:rPr>
-                            <a:rPr lang="en-US" i="0">
-                              <a:latin typeface="Cambria Math" panose="02040503050406030204" pitchFamily="18" charset="0"/>
-                            </a:rPr>
-                            <m:t>3.9636 </m:t>
-                          </m:r>
-                          <m:r>
-                            <m:rPr>
-                              <m:nor/>
-                            </m:rPr>
-                            <a:rPr lang="en-US" i="0">
-                              <a:latin typeface="Cambria Math" panose="02040503050406030204" pitchFamily="18" charset="0"/>
-                            </a:rPr>
-                            <m:t>g</m:t>
-                          </m:r>
-                          <m:r>
-                            <m:rPr>
-                              <m:nor/>
-                            </m:rPr>
-                            <a:rPr lang="en-US" i="0">
-                              <a:latin typeface="Cambria Math" panose="02040503050406030204" pitchFamily="18" charset="0"/>
-                            </a:rPr>
-                            <m:t> </m:t>
-                          </m:r>
-                          <m:r>
-                            <m:rPr>
-                              <m:nor/>
-                            </m:rPr>
-                            <a:rPr lang="en-US" i="0">
-                              <a:latin typeface="Cambria Math" panose="02040503050406030204" pitchFamily="18" charset="0"/>
-                            </a:rPr>
-                            <m:t>Cu</m:t>
-                          </m:r>
-                        </m:num>
-                        <m:den>
-                          <m:r>
-                            <m:rPr>
-                              <m:nor/>
-                            </m:rPr>
-                            <a:rPr lang="en-US" b="0" i="0" smtClean="0">
-                              <a:latin typeface="Cambria Math" panose="02040503050406030204" pitchFamily="18" charset="0"/>
-                            </a:rPr>
-                            <m:t>1 </m:t>
-                          </m:r>
-                          <m:r>
-                            <m:rPr>
-                              <m:nor/>
-                            </m:rPr>
-                            <a:rPr lang="en-US" b="0" i="0" smtClean="0">
-                              <a:latin typeface="Cambria Math" panose="02040503050406030204" pitchFamily="18" charset="0"/>
-                            </a:rPr>
-                            <m:t>g</m:t>
-                          </m:r>
-                          <m:r>
-                            <m:rPr>
-                              <m:nor/>
-                            </m:rPr>
-                            <a:rPr lang="en-US" b="0" i="0" smtClean="0">
-                              <a:latin typeface="Cambria Math" panose="02040503050406030204" pitchFamily="18" charset="0"/>
-                            </a:rPr>
-                            <m:t> </m:t>
-                          </m:r>
-                          <m:r>
-                            <m:rPr>
-                              <m:nor/>
-                            </m:rPr>
-                            <a:rPr lang="en-US" b="0" i="0" smtClean="0">
-                              <a:latin typeface="Cambria Math" panose="02040503050406030204" pitchFamily="18" charset="0"/>
-                            </a:rPr>
-                            <m:t>S</m:t>
-                          </m:r>
-                        </m:den>
-                      </m:f>
-                    </m:oMath>
-                  </m:oMathPara>
-                </a14:m>
-                <a:endParaRPr lang="en-US" dirty="0"/>
-              </a:p>
-              <a:p>
-                <a:pPr marL="0" indent="0">
-                  <a:buNone/>
-                </a:pPr>
-                <a:r>
-                  <a:rPr lang="en-US" dirty="0"/>
-                  <a:t>4.4 g Cu/g S seems close to 4.0 g Cu/g S. How close can you get?</a:t>
-                </a:r>
-              </a:p>
-            </p:txBody>
-          </p:sp>
-        </mc:Choice>
-        <mc:Fallback xmlns="">
-          <p:sp>
-            <p:nvSpPr>
-              <p:cNvPr id="6" name="Content Placeholder 5">
-                <a:extLst>
-                  <a:ext uri="{FF2B5EF4-FFF2-40B4-BE49-F238E27FC236}">
-                    <a16:creationId xmlns:a16="http://schemas.microsoft.com/office/drawing/2014/main" id="{A7219B4E-9803-A35C-5535-085CE995377D}"/>
-                  </a:ext>
-                </a:extLst>
-              </p:cNvPr>
-              <p:cNvSpPr>
-                <a:spLocks noGrp="1" noRot="1" noChangeAspect="1" noMove="1" noResize="1" noEditPoints="1" noAdjustHandles="1" noChangeArrowheads="1" noChangeShapeType="1" noTextEdit="1"/>
-              </p:cNvSpPr>
-              <p:nvPr>
-                <p:ph idx="1"/>
-              </p:nvPr>
-            </p:nvSpPr>
-            <p:spPr>
-              <a:xfrm>
-                <a:off x="372533" y="952466"/>
-                <a:ext cx="8387645" cy="5595089"/>
-              </a:xfrm>
-              <a:blipFill>
-                <a:blip r:embed="rId2"/>
-                <a:stretch>
-                  <a:fillRect l="-1090" t="-871" r="-1817"/>
-                </a:stretch>
-              </a:blipFill>
-            </p:spPr>
-            <p:txBody>
-              <a:bodyPr/>
-              <a:lstStyle/>
-              <a:p>
-                <a:r>
-                  <a:rPr lang="en-US">
-                    <a:noFill/>
-                  </a:rPr>
-                  <a:t> </a:t>
-                </a:r>
-              </a:p>
-            </p:txBody>
-          </p:sp>
-        </mc:Fallback>
-      </mc:AlternateContent>
+      <p:sp>
+        <p:nvSpPr>
+          <p:cNvPr id="6" name="Content Placeholder 5">
+            <a:extLst>
+              <a:ext uri="{FF2B5EF4-FFF2-40B4-BE49-F238E27FC236}">
+                <a16:creationId xmlns:a16="http://schemas.microsoft.com/office/drawing/2014/main" id="{A7219B4E-9803-A35C-5535-085CE995377D}"/>
+              </a:ext>
+            </a:extLst>
+          </p:cNvPr>
+          <p:cNvSpPr>
+            <a:spLocks noGrp="1"/>
+          </p:cNvSpPr>
+          <p:nvPr>
+            <p:ph idx="1"/>
+          </p:nvPr>
+        </p:nvSpPr>
+        <p:spPr>
+          <a:xfrm>
+            <a:off x="372533" y="952466"/>
+            <a:ext cx="8387645" cy="5595089"/>
+          </a:xfrm>
+        </p:spPr>
+        <p:txBody>
+          <a:bodyPr/>
+          <a:lstStyle/>
+          <a:p>
+            <a:pPr marL="0" indent="0">
+              <a:buNone/>
+            </a:pPr>
+            <a:endParaRPr lang="en-US" dirty="0"/>
+          </a:p>
+        </p:txBody>
+      </p:sp>
+      <p:pic>
+        <p:nvPicPr>
+          <p:cNvPr id="9" name="Picture 8">
+            <a:extLst>
+              <a:ext uri="{FF2B5EF4-FFF2-40B4-BE49-F238E27FC236}">
+                <a16:creationId xmlns:a16="http://schemas.microsoft.com/office/drawing/2014/main" id="{56740C57-66C8-9D16-1221-A0AFC18EEAA8}"/>
+              </a:ext>
+            </a:extLst>
+          </p:cNvPr>
+          <p:cNvPicPr>
+            <a:picLocks noChangeAspect="1"/>
+          </p:cNvPicPr>
+          <p:nvPr/>
+        </p:nvPicPr>
+        <p:blipFill>
+          <a:blip r:embed="rId2"/>
+          <a:stretch>
+            <a:fillRect/>
+          </a:stretch>
+        </p:blipFill>
+        <p:spPr>
+          <a:xfrm>
+            <a:off x="1198797" y="1544665"/>
+            <a:ext cx="6735115" cy="4410691"/>
+          </a:xfrm>
+          <a:prstGeom prst="rect">
+            <a:avLst/>
+          </a:prstGeom>
+        </p:spPr>
+      </p:pic>
     </p:spTree>
     <p:extLst>
       <p:ext uri="{BB962C8B-B14F-4D97-AF65-F5344CB8AC3E}">
@@ -11373,12 +11082,18 @@
 </p:sld>
 </file>
 
-<file path=ppt/slides/slide13.xml><?xml version="1.0" encoding="utf-8"?>
+<file path=ppt/slides/slide15.xml><?xml version="1.0" encoding="utf-8"?>
 <p:sld xmlns:a="http://schemas.openxmlformats.org/drawingml/2006/main" xmlns:r="http://schemas.openxmlformats.org/officeDocument/2006/relationships" xmlns:p="http://schemas.openxmlformats.org/presentationml/2006/main">
   <p:cSld>
     <p:spTree>
       <p:nvGrpSpPr>
-        <p:cNvPr id="1" name=""/>
+        <p:cNvPr id="1" name="">
+          <a:extLst>
+            <a:ext uri="{FF2B5EF4-FFF2-40B4-BE49-F238E27FC236}">
+              <a16:creationId xmlns:a16="http://schemas.microsoft.com/office/drawing/2014/main" id="{2832EE76-6C83-5C3D-1993-CD9FD81DF771}"/>
+            </a:ext>
+          </a:extLst>
+        </p:cNvPr>
         <p:cNvGrpSpPr/>
         <p:nvPr/>
       </p:nvGrpSpPr>
@@ -11395,7 +11110,7 @@
           <p:cNvPr id="2" name="Title 1">
             <a:extLst>
               <a:ext uri="{FF2B5EF4-FFF2-40B4-BE49-F238E27FC236}">
-                <a16:creationId xmlns:a16="http://schemas.microsoft.com/office/drawing/2014/main" id="{4E7C79B0-B384-1533-BACA-0EA95D4089F9}"/>
+                <a16:creationId xmlns:a16="http://schemas.microsoft.com/office/drawing/2014/main" id="{EDC49933-F657-B170-F75F-3F78BE54C29A}"/>
               </a:ext>
             </a:extLst>
           </p:cNvPr>
@@ -11406,24 +11121,29 @@
             <p:ph type="title"/>
           </p:nvPr>
         </p:nvSpPr>
-        <p:spPr/>
+        <p:spPr>
+          <a:xfrm>
+            <a:off x="338666" y="183025"/>
+            <a:ext cx="8421512" cy="769441"/>
+          </a:xfrm>
+        </p:spPr>
         <p:txBody>
           <a:bodyPr/>
           <a:lstStyle/>
           <a:p>
             <a:r>
-              <a:rPr lang="en-US" dirty="0"/>
-              <a:t>Clean Up</a:t>
+              <a:rPr lang="en-US" sz="4400" dirty="0"/>
+              <a:t>Example Data Analysis</a:t>
             </a:r>
           </a:p>
         </p:txBody>
       </p:sp>
       <p:sp>
         <p:nvSpPr>
-          <p:cNvPr id="3" name="Content Placeholder 2">
+          <p:cNvPr id="6" name="Content Placeholder 5">
             <a:extLst>
               <a:ext uri="{FF2B5EF4-FFF2-40B4-BE49-F238E27FC236}">
-                <a16:creationId xmlns:a16="http://schemas.microsoft.com/office/drawing/2014/main" id="{F122473B-F6C9-7A59-3DAB-7CBF32F68EB5}"/>
+                <a16:creationId xmlns:a16="http://schemas.microsoft.com/office/drawing/2014/main" id="{444ECB28-EDEE-E9D1-54B7-31E00F0E2195}"/>
               </a:ext>
             </a:extLst>
           </p:cNvPr>
@@ -11434,40 +11154,219 @@
             <p:ph idx="1"/>
           </p:nvPr>
         </p:nvSpPr>
-        <p:spPr/>
+        <p:spPr>
+          <a:xfrm>
+            <a:off x="372533" y="952466"/>
+            <a:ext cx="8387645" cy="5595089"/>
+          </a:xfrm>
+        </p:spPr>
         <p:txBody>
           <a:bodyPr/>
           <a:lstStyle/>
           <a:p>
-            <a:r>
-              <a:rPr lang="en-US" dirty="0"/>
-              <a:t>The copper sulfide product goes into solids waste container</a:t>
-            </a:r>
-          </a:p>
-          <a:p>
-            <a:r>
-              <a:rPr lang="en-US" dirty="0"/>
-              <a:t>WITHOUT AT ALL GETTING CRUCIBLE WET WITH ANY WATER, wipe crucible with dry paper towel</a:t>
-            </a:r>
-          </a:p>
-          <a:p>
-            <a:r>
-              <a:rPr lang="en-US" dirty="0"/>
-              <a:t>Use soapy water to clean the watch glass</a:t>
-            </a:r>
-          </a:p>
-          <a:p>
-            <a:r>
-              <a:rPr lang="en-US" dirty="0"/>
-              <a:t>Place all other items in appropriate locations</a:t>
-            </a:r>
+            <a:pPr marL="0" indent="0">
+              <a:buNone/>
+            </a:pPr>
+            <a:endParaRPr lang="en-US" dirty="0"/>
           </a:p>
         </p:txBody>
       </p:sp>
+      <p:pic>
+        <p:nvPicPr>
+          <p:cNvPr id="5" name="Picture 4">
+            <a:extLst>
+              <a:ext uri="{FF2B5EF4-FFF2-40B4-BE49-F238E27FC236}">
+                <a16:creationId xmlns:a16="http://schemas.microsoft.com/office/drawing/2014/main" id="{26F8E285-EB06-1B1A-B544-3819458B046E}"/>
+              </a:ext>
+            </a:extLst>
+          </p:cNvPr>
+          <p:cNvPicPr>
+            <a:picLocks noChangeAspect="1"/>
+          </p:cNvPicPr>
+          <p:nvPr/>
+        </p:nvPicPr>
+        <p:blipFill>
+          <a:blip r:embed="rId2"/>
+          <a:stretch>
+            <a:fillRect/>
+          </a:stretch>
+        </p:blipFill>
+        <p:spPr>
+          <a:xfrm>
+            <a:off x="1212351" y="952466"/>
+            <a:ext cx="6398123" cy="5594379"/>
+          </a:xfrm>
+          <a:prstGeom prst="rect">
+            <a:avLst/>
+          </a:prstGeom>
+        </p:spPr>
+      </p:pic>
+      <p:pic>
+        <p:nvPicPr>
+          <p:cNvPr id="8" name="Picture 7">
+            <a:extLst>
+              <a:ext uri="{FF2B5EF4-FFF2-40B4-BE49-F238E27FC236}">
+                <a16:creationId xmlns:a16="http://schemas.microsoft.com/office/drawing/2014/main" id="{8D4A8C20-C81E-BB9E-1959-86EF54B63F16}"/>
+              </a:ext>
+            </a:extLst>
+          </p:cNvPr>
+          <p:cNvPicPr>
+            <a:picLocks noChangeAspect="1"/>
+          </p:cNvPicPr>
+          <p:nvPr/>
+        </p:nvPicPr>
+        <p:blipFill>
+          <a:blip r:embed="rId3"/>
+          <a:stretch>
+            <a:fillRect/>
+          </a:stretch>
+        </p:blipFill>
+        <p:spPr>
+          <a:xfrm>
+            <a:off x="1196534" y="954890"/>
+            <a:ext cx="6735115" cy="5591955"/>
+          </a:xfrm>
+          <a:prstGeom prst="rect">
+            <a:avLst/>
+          </a:prstGeom>
+        </p:spPr>
+      </p:pic>
     </p:spTree>
     <p:extLst>
       <p:ext uri="{BB962C8B-B14F-4D97-AF65-F5344CB8AC3E}">
-        <p14:creationId xmlns:p14="http://schemas.microsoft.com/office/powerpoint/2010/main" val="3469914632"/>
+        <p14:creationId xmlns:p14="http://schemas.microsoft.com/office/powerpoint/2010/main" val="3196227408"/>
+      </p:ext>
+    </p:extLst>
+  </p:cSld>
+  <p:clrMapOvr>
+    <a:masterClrMapping/>
+  </p:clrMapOvr>
+</p:sld>
+</file>
+
+<file path=ppt/slides/slide16.xml><?xml version="1.0" encoding="utf-8"?>
+<p:sld xmlns:a="http://schemas.openxmlformats.org/drawingml/2006/main" xmlns:r="http://schemas.openxmlformats.org/officeDocument/2006/relationships" xmlns:p="http://schemas.openxmlformats.org/presentationml/2006/main">
+  <p:cSld>
+    <p:spTree>
+      <p:nvGrpSpPr>
+        <p:cNvPr id="1" name="">
+          <a:extLst>
+            <a:ext uri="{FF2B5EF4-FFF2-40B4-BE49-F238E27FC236}">
+              <a16:creationId xmlns:a16="http://schemas.microsoft.com/office/drawing/2014/main" id="{B7CFD685-E613-A90F-DA62-932291CF1409}"/>
+            </a:ext>
+          </a:extLst>
+        </p:cNvPr>
+        <p:cNvGrpSpPr/>
+        <p:nvPr/>
+      </p:nvGrpSpPr>
+      <p:grpSpPr>
+        <a:xfrm>
+          <a:off x="0" y="0"/>
+          <a:ext cx="0" cy="0"/>
+          <a:chOff x="0" y="0"/>
+          <a:chExt cx="0" cy="0"/>
+        </a:xfrm>
+      </p:grpSpPr>
+      <p:sp>
+        <p:nvSpPr>
+          <p:cNvPr id="2" name="Title 1">
+            <a:extLst>
+              <a:ext uri="{FF2B5EF4-FFF2-40B4-BE49-F238E27FC236}">
+                <a16:creationId xmlns:a16="http://schemas.microsoft.com/office/drawing/2014/main" id="{1D54EC2E-6D38-7FB1-95FD-543FEA32A1AF}"/>
+              </a:ext>
+            </a:extLst>
+          </p:cNvPr>
+          <p:cNvSpPr>
+            <a:spLocks noGrp="1"/>
+          </p:cNvSpPr>
+          <p:nvPr>
+            <p:ph type="title"/>
+          </p:nvPr>
+        </p:nvSpPr>
+        <p:spPr>
+          <a:xfrm>
+            <a:off x="338666" y="183025"/>
+            <a:ext cx="8421512" cy="769441"/>
+          </a:xfrm>
+        </p:spPr>
+        <p:txBody>
+          <a:bodyPr/>
+          <a:lstStyle/>
+          <a:p>
+            <a:r>
+              <a:rPr lang="en-US" sz="4400" dirty="0"/>
+              <a:t>Example Data Analysis</a:t>
+            </a:r>
+          </a:p>
+        </p:txBody>
+      </p:sp>
+      <p:sp>
+        <p:nvSpPr>
+          <p:cNvPr id="6" name="Content Placeholder 5">
+            <a:extLst>
+              <a:ext uri="{FF2B5EF4-FFF2-40B4-BE49-F238E27FC236}">
+                <a16:creationId xmlns:a16="http://schemas.microsoft.com/office/drawing/2014/main" id="{FCCA847F-CA41-3B34-E4F2-252313136261}"/>
+              </a:ext>
+            </a:extLst>
+          </p:cNvPr>
+          <p:cNvSpPr>
+            <a:spLocks noGrp="1"/>
+          </p:cNvSpPr>
+          <p:nvPr>
+            <p:ph idx="1"/>
+          </p:nvPr>
+        </p:nvSpPr>
+        <p:spPr>
+          <a:xfrm>
+            <a:off x="372533" y="952466"/>
+            <a:ext cx="8387645" cy="5595089"/>
+          </a:xfrm>
+        </p:spPr>
+        <p:txBody>
+          <a:bodyPr/>
+          <a:lstStyle/>
+          <a:p>
+            <a:pPr marL="0" indent="0">
+              <a:buNone/>
+            </a:pPr>
+            <a:endParaRPr lang="en-US" dirty="0"/>
+          </a:p>
+        </p:txBody>
+      </p:sp>
+      <p:pic>
+        <p:nvPicPr>
+          <p:cNvPr id="4" name="Picture 3">
+            <a:extLst>
+              <a:ext uri="{FF2B5EF4-FFF2-40B4-BE49-F238E27FC236}">
+                <a16:creationId xmlns:a16="http://schemas.microsoft.com/office/drawing/2014/main" id="{C9477560-0A33-3764-B416-60AE20909426}"/>
+              </a:ext>
+            </a:extLst>
+          </p:cNvPr>
+          <p:cNvPicPr>
+            <a:picLocks noChangeAspect="1"/>
+          </p:cNvPicPr>
+          <p:nvPr/>
+        </p:nvPicPr>
+        <p:blipFill>
+          <a:blip r:embed="rId2"/>
+          <a:stretch>
+            <a:fillRect/>
+          </a:stretch>
+        </p:blipFill>
+        <p:spPr>
+          <a:xfrm>
+            <a:off x="1316644" y="1096205"/>
+            <a:ext cx="6465555" cy="5451350"/>
+          </a:xfrm>
+          <a:prstGeom prst="rect">
+            <a:avLst/>
+          </a:prstGeom>
+        </p:spPr>
+      </p:pic>
+    </p:spTree>
+    <p:extLst>
+      <p:ext uri="{BB962C8B-B14F-4D97-AF65-F5344CB8AC3E}">
+        <p14:creationId xmlns:p14="http://schemas.microsoft.com/office/powerpoint/2010/main" val="2440683584"/>
       </p:ext>
     </p:extLst>
   </p:cSld>
@@ -11527,458 +11426,193 @@
           </a:p>
         </p:txBody>
       </p:sp>
-      <mc:AlternateContent xmlns:mc="http://schemas.openxmlformats.org/markup-compatibility/2006">
-        <mc:Choice xmlns:a14="http://schemas.microsoft.com/office/drawing/2010/main" Requires="a14">
-          <p:sp>
-            <p:nvSpPr>
-              <p:cNvPr id="3" name="Content Placeholder 2">
-                <a:extLst>
-                  <a:ext uri="{FF2B5EF4-FFF2-40B4-BE49-F238E27FC236}">
-                    <a16:creationId xmlns:a16="http://schemas.microsoft.com/office/drawing/2014/main" id="{A2BC5B2E-5542-F5D6-CEA6-30C230FF4E97}"/>
-                  </a:ext>
-                </a:extLst>
-              </p:cNvPr>
-              <p:cNvSpPr>
-                <a:spLocks noGrp="1"/>
-              </p:cNvSpPr>
-              <p:nvPr>
-                <p:ph idx="1"/>
-              </p:nvPr>
-            </p:nvSpPr>
-            <p:spPr>
-              <a:xfrm>
-                <a:off x="372532" y="1065312"/>
-                <a:ext cx="8387645" cy="5215465"/>
-              </a:xfrm>
-            </p:spPr>
-            <p:txBody>
-              <a:bodyPr/>
-              <a:lstStyle/>
-              <a:p>
-                <a:pPr marL="0" indent="0">
-                  <a:buNone/>
-                </a:pPr>
-                <a:r>
-                  <a:rPr lang="en-US" dirty="0"/>
-                  <a:t>An important activity in chemistry is to perform a synthesis, and after that, to determine the </a:t>
-                </a:r>
-                <a:r>
-                  <a:rPr lang="en-US" b="1" dirty="0">
-                    <a:solidFill>
-                      <a:srgbClr val="00FF00"/>
-                    </a:solidFill>
-                  </a:rPr>
-                  <a:t>yield</a:t>
-                </a:r>
-                <a:r>
-                  <a:rPr lang="en-US" dirty="0"/>
-                  <a:t> of the product</a:t>
-                </a:r>
-              </a:p>
-              <a:p>
-                <a:pPr marL="0" indent="0">
-                  <a:buNone/>
-                </a:pPr>
-                <a:endParaRPr lang="en-US" dirty="0"/>
-              </a:p>
-              <a:p>
-                <a:pPr marL="0" indent="0">
-                  <a:buNone/>
-                </a:pPr>
-                <a:r>
-                  <a:rPr lang="en-US" dirty="0"/>
-                  <a:t>The yield calculation:</a:t>
-                </a:r>
-              </a:p>
-              <a:p>
-                <a:pPr marL="0" indent="0">
-                  <a:buNone/>
-                </a:pPr>
-                <a14:m>
-                  <m:oMathPara xmlns:m="http://schemas.openxmlformats.org/officeDocument/2006/math">
-                    <m:oMathParaPr>
-                      <m:jc m:val="centerGroup"/>
-                    </m:oMathParaPr>
-                    <m:oMath xmlns:m="http://schemas.openxmlformats.org/officeDocument/2006/math">
-                      <m:f>
-                        <m:fPr>
-                          <m:ctrlPr>
-                            <a:rPr lang="en-US" sz="1800" i="1" smtClean="0">
-                              <a:solidFill>
-                                <a:srgbClr val="FFFF00"/>
-                              </a:solidFill>
-                              <a:latin typeface="Cambria Math" panose="02040503050406030204" pitchFamily="18" charset="0"/>
-                            </a:rPr>
-                          </m:ctrlPr>
-                        </m:fPr>
-                        <m:num>
-                          <m:r>
-                            <m:rPr>
-                              <m:nor/>
-                            </m:rPr>
-                            <a:rPr lang="en-US" sz="1800" i="1" dirty="0">
-                              <a:solidFill>
-                                <a:srgbClr val="FFFF00"/>
-                              </a:solidFill>
-                              <a:latin typeface="Cambria Math" panose="02040503050406030204" pitchFamily="18" charset="0"/>
-                              <a:ea typeface="Cambria Math" panose="02040503050406030204" pitchFamily="18" charset="0"/>
-                            </a:rPr>
-                            <m:t>mass</m:t>
-                          </m:r>
-                          <m:r>
-                            <m:rPr>
-                              <m:nor/>
-                            </m:rPr>
-                            <a:rPr lang="en-US" sz="1800" i="1" dirty="0">
-                              <a:solidFill>
-                                <a:srgbClr val="FFFF00"/>
-                              </a:solidFill>
-                              <a:latin typeface="Cambria Math" panose="02040503050406030204" pitchFamily="18" charset="0"/>
-                              <a:ea typeface="Cambria Math" panose="02040503050406030204" pitchFamily="18" charset="0"/>
-                            </a:rPr>
-                            <m:t> </m:t>
-                          </m:r>
-                          <m:r>
-                            <m:rPr>
-                              <m:nor/>
-                            </m:rPr>
-                            <a:rPr lang="en-US" sz="1800" i="1" dirty="0">
-                              <a:solidFill>
-                                <a:srgbClr val="FFFF00"/>
-                              </a:solidFill>
-                              <a:latin typeface="Cambria Math" panose="02040503050406030204" pitchFamily="18" charset="0"/>
-                              <a:ea typeface="Cambria Math" panose="02040503050406030204" pitchFamily="18" charset="0"/>
-                            </a:rPr>
-                            <m:t>of</m:t>
-                          </m:r>
-                          <m:r>
-                            <m:rPr>
-                              <m:nor/>
-                            </m:rPr>
-                            <a:rPr lang="en-US" sz="1800" i="1" dirty="0">
-                              <a:solidFill>
-                                <a:srgbClr val="FFFF00"/>
-                              </a:solidFill>
-                              <a:latin typeface="Cambria Math" panose="02040503050406030204" pitchFamily="18" charset="0"/>
-                              <a:ea typeface="Cambria Math" panose="02040503050406030204" pitchFamily="18" charset="0"/>
-                            </a:rPr>
-                            <m:t> </m:t>
-                          </m:r>
-                          <m:r>
-                            <m:rPr>
-                              <m:nor/>
-                            </m:rPr>
-                            <a:rPr lang="en-US" sz="1800" i="1" dirty="0">
-                              <a:solidFill>
-                                <a:srgbClr val="FFFF00"/>
-                              </a:solidFill>
-                              <a:latin typeface="Cambria Math" panose="02040503050406030204" pitchFamily="18" charset="0"/>
-                              <a:ea typeface="Cambria Math" panose="02040503050406030204" pitchFamily="18" charset="0"/>
-                            </a:rPr>
-                            <m:t>product</m:t>
-                          </m:r>
-                          <m:r>
-                            <m:rPr>
-                              <m:nor/>
-                            </m:rPr>
-                            <a:rPr lang="en-US" sz="1800" i="1" dirty="0">
-                              <a:solidFill>
-                                <a:srgbClr val="FFFF00"/>
-                              </a:solidFill>
-                              <a:latin typeface="Cambria Math" panose="02040503050406030204" pitchFamily="18" charset="0"/>
-                              <a:ea typeface="Cambria Math" panose="02040503050406030204" pitchFamily="18" charset="0"/>
-                            </a:rPr>
-                            <m:t> </m:t>
-                          </m:r>
-                          <m:r>
-                            <m:rPr>
-                              <m:nor/>
-                            </m:rPr>
-                            <a:rPr lang="en-US" sz="1800" i="1" dirty="0">
-                              <a:solidFill>
-                                <a:srgbClr val="FFFF00"/>
-                              </a:solidFill>
-                              <a:latin typeface="Cambria Math" panose="02040503050406030204" pitchFamily="18" charset="0"/>
-                              <a:ea typeface="Cambria Math" panose="02040503050406030204" pitchFamily="18" charset="0"/>
-                            </a:rPr>
-                            <m:t>obtained</m:t>
-                          </m:r>
-                          <m:r>
-                            <m:rPr>
-                              <m:nor/>
-                            </m:rPr>
-                            <a:rPr lang="en-US" sz="1800" i="1" dirty="0">
-                              <a:solidFill>
-                                <a:srgbClr val="FFFF00"/>
-                              </a:solidFill>
-                              <a:latin typeface="Cambria Math" panose="02040503050406030204" pitchFamily="18" charset="0"/>
-                              <a:ea typeface="Cambria Math" panose="02040503050406030204" pitchFamily="18" charset="0"/>
-                            </a:rPr>
-                            <m:t> </m:t>
-                          </m:r>
-                        </m:num>
-                        <m:den>
-                          <m:r>
-                            <a:rPr lang="en-US" sz="1800" b="0" i="1" smtClean="0">
-                              <a:solidFill>
-                                <a:srgbClr val="FFFF00"/>
-                              </a:solidFill>
-                              <a:latin typeface="Cambria Math" panose="02040503050406030204" pitchFamily="18" charset="0"/>
-                            </a:rPr>
-                            <m:t>𝑡h𝑒𝑜𝑟𝑒𝑡𝑖𝑐𝑎𝑙</m:t>
-                          </m:r>
-                          <m:r>
-                            <a:rPr lang="en-US" sz="1800" b="0" i="1" smtClean="0">
-                              <a:solidFill>
-                                <a:srgbClr val="FFFF00"/>
-                              </a:solidFill>
-                              <a:latin typeface="Cambria Math" panose="02040503050406030204" pitchFamily="18" charset="0"/>
-                            </a:rPr>
-                            <m:t> </m:t>
-                          </m:r>
-                          <m:r>
-                            <a:rPr lang="en-US" sz="1800" b="0" i="1" smtClean="0">
-                              <a:solidFill>
-                                <a:srgbClr val="FFFF00"/>
-                              </a:solidFill>
-                              <a:latin typeface="Cambria Math" panose="02040503050406030204" pitchFamily="18" charset="0"/>
-                            </a:rPr>
-                            <m:t>𝑚𝑎𝑠𝑠</m:t>
-                          </m:r>
-                          <m:r>
-                            <a:rPr lang="en-US" sz="1800" b="0" i="1" smtClean="0">
-                              <a:solidFill>
-                                <a:srgbClr val="FFFF00"/>
-                              </a:solidFill>
-                              <a:latin typeface="Cambria Math" panose="02040503050406030204" pitchFamily="18" charset="0"/>
-                            </a:rPr>
-                            <m:t> </m:t>
-                          </m:r>
-                          <m:r>
-                            <a:rPr lang="en-US" sz="1800" b="0" i="1" smtClean="0">
-                              <a:solidFill>
-                                <a:srgbClr val="FFFF00"/>
-                              </a:solidFill>
-                              <a:latin typeface="Cambria Math" panose="02040503050406030204" pitchFamily="18" charset="0"/>
-                            </a:rPr>
-                            <m:t>𝑜𝑓</m:t>
-                          </m:r>
-                          <m:r>
-                            <a:rPr lang="en-US" sz="1800" b="0" i="1" smtClean="0">
-                              <a:solidFill>
-                                <a:srgbClr val="FFFF00"/>
-                              </a:solidFill>
-                              <a:latin typeface="Cambria Math" panose="02040503050406030204" pitchFamily="18" charset="0"/>
-                            </a:rPr>
-                            <m:t> </m:t>
-                          </m:r>
-                          <m:r>
-                            <a:rPr lang="en-US" sz="1800" b="0" i="1" smtClean="0">
-                              <a:solidFill>
-                                <a:srgbClr val="FFFF00"/>
-                              </a:solidFill>
-                              <a:latin typeface="Cambria Math" panose="02040503050406030204" pitchFamily="18" charset="0"/>
-                            </a:rPr>
-                            <m:t>𝑝𝑟𝑜𝑑𝑢𝑐𝑡</m:t>
-                          </m:r>
-                          <m:r>
-                            <a:rPr lang="en-US" sz="1800" b="0" i="1" smtClean="0">
-                              <a:solidFill>
-                                <a:srgbClr val="FFFF00"/>
-                              </a:solidFill>
-                              <a:latin typeface="Cambria Math" panose="02040503050406030204" pitchFamily="18" charset="0"/>
-                            </a:rPr>
-                            <m:t> </m:t>
-                          </m:r>
-                          <m:r>
-                            <a:rPr lang="en-US" sz="1800" b="0" i="1" smtClean="0">
-                              <a:solidFill>
-                                <a:srgbClr val="FFFF00"/>
-                              </a:solidFill>
-                              <a:latin typeface="Cambria Math" panose="02040503050406030204" pitchFamily="18" charset="0"/>
-                            </a:rPr>
-                            <m:t>𝑡𝑜</m:t>
-                          </m:r>
-                          <m:r>
-                            <a:rPr lang="en-US" sz="1800" b="0" i="1" smtClean="0">
-                              <a:solidFill>
-                                <a:srgbClr val="FFFF00"/>
-                              </a:solidFill>
-                              <a:latin typeface="Cambria Math" panose="02040503050406030204" pitchFamily="18" charset="0"/>
-                            </a:rPr>
-                            <m:t> </m:t>
-                          </m:r>
-                          <m:r>
-                            <a:rPr lang="en-US" sz="1800" b="0" i="1" smtClean="0">
-                              <a:solidFill>
-                                <a:srgbClr val="FFFF00"/>
-                              </a:solidFill>
-                              <a:latin typeface="Cambria Math" panose="02040503050406030204" pitchFamily="18" charset="0"/>
-                            </a:rPr>
-                            <m:t>𝑏𝑒</m:t>
-                          </m:r>
-                          <m:r>
-                            <a:rPr lang="en-US" sz="1800" b="0" i="1" smtClean="0">
-                              <a:solidFill>
-                                <a:srgbClr val="FFFF00"/>
-                              </a:solidFill>
-                              <a:latin typeface="Cambria Math" panose="02040503050406030204" pitchFamily="18" charset="0"/>
-                            </a:rPr>
-                            <m:t> </m:t>
-                          </m:r>
-                          <m:r>
-                            <a:rPr lang="en-US" sz="1800" b="0" i="1" smtClean="0">
-                              <a:solidFill>
-                                <a:srgbClr val="FFFF00"/>
-                              </a:solidFill>
-                              <a:latin typeface="Cambria Math" panose="02040503050406030204" pitchFamily="18" charset="0"/>
-                            </a:rPr>
-                            <m:t>𝑜𝑏𝑡𝑎𝑖𝑛𝑒𝑑</m:t>
-                          </m:r>
-                          <m:r>
-                            <a:rPr lang="en-US" sz="1800" b="0" i="1" smtClean="0">
-                              <a:solidFill>
-                                <a:srgbClr val="FFFF00"/>
-                              </a:solidFill>
-                              <a:latin typeface="Cambria Math" panose="02040503050406030204" pitchFamily="18" charset="0"/>
-                            </a:rPr>
-                            <m:t> </m:t>
-                          </m:r>
-                          <m:r>
-                            <a:rPr lang="en-US" sz="1800" b="0" i="1" smtClean="0">
-                              <a:solidFill>
-                                <a:srgbClr val="FFFF00"/>
-                              </a:solidFill>
-                              <a:latin typeface="Cambria Math" panose="02040503050406030204" pitchFamily="18" charset="0"/>
-                            </a:rPr>
-                            <m:t>𝑏𝑎𝑠𝑒𝑑</m:t>
-                          </m:r>
-                          <m:r>
-                            <a:rPr lang="en-US" sz="1800" b="0" i="1" smtClean="0">
-                              <a:solidFill>
-                                <a:srgbClr val="FFFF00"/>
-                              </a:solidFill>
-                              <a:latin typeface="Cambria Math" panose="02040503050406030204" pitchFamily="18" charset="0"/>
-                            </a:rPr>
-                            <m:t> </m:t>
-                          </m:r>
-                          <m:r>
-                            <a:rPr lang="en-US" sz="1800" b="0" i="1" smtClean="0">
-                              <a:solidFill>
-                                <a:srgbClr val="FFFF00"/>
-                              </a:solidFill>
-                              <a:latin typeface="Cambria Math" panose="02040503050406030204" pitchFamily="18" charset="0"/>
-                            </a:rPr>
-                            <m:t>𝑜𝑛</m:t>
-                          </m:r>
-                          <m:r>
-                            <a:rPr lang="en-US" sz="1800" b="0" i="1" smtClean="0">
-                              <a:solidFill>
-                                <a:srgbClr val="FFFF00"/>
-                              </a:solidFill>
-                              <a:latin typeface="Cambria Math" panose="02040503050406030204" pitchFamily="18" charset="0"/>
-                            </a:rPr>
-                            <m:t> </m:t>
-                          </m:r>
-                          <m:r>
-                            <a:rPr lang="en-US" sz="1800" b="0" i="1" smtClean="0">
-                              <a:solidFill>
-                                <a:srgbClr val="FFFF00"/>
-                              </a:solidFill>
-                              <a:latin typeface="Cambria Math" panose="02040503050406030204" pitchFamily="18" charset="0"/>
-                            </a:rPr>
-                            <m:t>𝑚𝑎𝑠𝑠</m:t>
-                          </m:r>
-                          <m:r>
-                            <a:rPr lang="en-US" sz="1800" b="0" i="1" smtClean="0">
-                              <a:solidFill>
-                                <a:srgbClr val="FFFF00"/>
-                              </a:solidFill>
-                              <a:latin typeface="Cambria Math" panose="02040503050406030204" pitchFamily="18" charset="0"/>
-                            </a:rPr>
-                            <m:t> </m:t>
-                          </m:r>
-                          <m:r>
-                            <a:rPr lang="en-US" sz="1800" b="0" i="1" smtClean="0">
-                              <a:solidFill>
-                                <a:srgbClr val="FFFF00"/>
-                              </a:solidFill>
-                              <a:latin typeface="Cambria Math" panose="02040503050406030204" pitchFamily="18" charset="0"/>
-                            </a:rPr>
-                            <m:t>𝑜𝑓</m:t>
-                          </m:r>
-                          <m:r>
-                            <a:rPr lang="en-US" sz="1800" b="0" i="1" smtClean="0">
-                              <a:solidFill>
-                                <a:srgbClr val="FFFF00"/>
-                              </a:solidFill>
-                              <a:latin typeface="Cambria Math" panose="02040503050406030204" pitchFamily="18" charset="0"/>
-                            </a:rPr>
-                            <m:t> </m:t>
-                          </m:r>
-                          <m:r>
-                            <a:rPr lang="en-US" sz="1800" b="0" i="1" smtClean="0">
-                              <a:solidFill>
-                                <a:srgbClr val="FFFF00"/>
-                              </a:solidFill>
-                              <a:latin typeface="Cambria Math" panose="02040503050406030204" pitchFamily="18" charset="0"/>
-                            </a:rPr>
-                            <m:t>𝑟𝑒𝑎𝑐𝑡𝑎𝑛𝑡</m:t>
-                          </m:r>
-                        </m:den>
-                      </m:f>
-                    </m:oMath>
-                  </m:oMathPara>
-                </a14:m>
-                <a:endParaRPr lang="en-US" dirty="0"/>
-              </a:p>
-            </p:txBody>
-          </p:sp>
-        </mc:Choice>
-        <mc:Fallback>
-          <p:sp>
-            <p:nvSpPr>
-              <p:cNvPr id="3" name="Content Placeholder 2">
-                <a:extLst>
-                  <a:ext uri="{FF2B5EF4-FFF2-40B4-BE49-F238E27FC236}">
-                    <a16:creationId xmlns:a16="http://schemas.microsoft.com/office/drawing/2014/main" id="{A2BC5B2E-5542-F5D6-CEA6-30C230FF4E97}"/>
-                  </a:ext>
-                </a:extLst>
-              </p:cNvPr>
-              <p:cNvSpPr>
-                <a:spLocks noGrp="1" noRot="1" noChangeAspect="1" noMove="1" noResize="1" noEditPoints="1" noAdjustHandles="1" noChangeArrowheads="1" noChangeShapeType="1" noTextEdit="1"/>
-              </p:cNvSpPr>
-              <p:nvPr>
-                <p:ph idx="1"/>
-              </p:nvPr>
-            </p:nvSpPr>
-            <p:spPr>
-              <a:xfrm>
-                <a:off x="372532" y="1065312"/>
-                <a:ext cx="8387645" cy="5215465"/>
-              </a:xfrm>
-              <a:blipFill>
-                <a:blip r:embed="rId2"/>
-                <a:stretch>
-                  <a:fillRect l="-1090" t="-936"/>
-                </a:stretch>
-              </a:blipFill>
-            </p:spPr>
-            <p:txBody>
-              <a:bodyPr/>
-              <a:lstStyle/>
-              <a:p>
-                <a:r>
-                  <a:rPr lang="en-US">
-                    <a:noFill/>
-                  </a:rPr>
-                  <a:t> </a:t>
-                </a:r>
-              </a:p>
-            </p:txBody>
-          </p:sp>
-        </mc:Fallback>
-      </mc:AlternateContent>
+      <p:sp>
+        <p:nvSpPr>
+          <p:cNvPr id="3" name="Content Placeholder 2">
+            <a:extLst>
+              <a:ext uri="{FF2B5EF4-FFF2-40B4-BE49-F238E27FC236}">
+                <a16:creationId xmlns:a16="http://schemas.microsoft.com/office/drawing/2014/main" id="{A2BC5B2E-5542-F5D6-CEA6-30C230FF4E97}"/>
+              </a:ext>
+            </a:extLst>
+          </p:cNvPr>
+          <p:cNvSpPr>
+            <a:spLocks noGrp="1"/>
+          </p:cNvSpPr>
+          <p:nvPr>
+            <p:ph idx="1"/>
+          </p:nvPr>
+        </p:nvSpPr>
+        <p:spPr>
+          <a:xfrm>
+            <a:off x="372532" y="1065312"/>
+            <a:ext cx="8387645" cy="5215465"/>
+          </a:xfrm>
+        </p:spPr>
+        <p:txBody>
+          <a:bodyPr/>
+          <a:lstStyle/>
+          <a:p>
+            <a:r>
+              <a:rPr lang="en-US" dirty="0"/>
+              <a:t>This experiment will produce </a:t>
+            </a:r>
+            <a:r>
+              <a:rPr lang="en-US" dirty="0">
+                <a:solidFill>
+                  <a:schemeClr val="accent1">
+                    <a:lumMod val="60000"/>
+                    <a:lumOff val="40000"/>
+                  </a:schemeClr>
+                </a:solidFill>
+              </a:rPr>
+              <a:t>potassium aluminum sulfate dodecahydrate</a:t>
+            </a:r>
+            <a:r>
+              <a:rPr lang="en-US" dirty="0"/>
+              <a:t> [</a:t>
+            </a:r>
+            <a:r>
+              <a:rPr lang="en-US" dirty="0" err="1">
+                <a:solidFill>
+                  <a:srgbClr val="FFC000"/>
+                </a:solidFill>
+              </a:rPr>
+              <a:t>KAl</a:t>
+            </a:r>
+            <a:r>
+              <a:rPr lang="en-US" dirty="0">
+                <a:solidFill>
+                  <a:srgbClr val="FFC000"/>
+                </a:solidFill>
+              </a:rPr>
+              <a:t>(SO</a:t>
+            </a:r>
+            <a:r>
+              <a:rPr lang="en-US" baseline="-25000" dirty="0">
+                <a:solidFill>
+                  <a:srgbClr val="FFC000"/>
+                </a:solidFill>
+              </a:rPr>
+              <a:t>4</a:t>
+            </a:r>
+            <a:r>
+              <a:rPr lang="en-US" dirty="0">
+                <a:solidFill>
+                  <a:srgbClr val="FFC000"/>
+                </a:solidFill>
+              </a:rPr>
+              <a:t>)</a:t>
+            </a:r>
+            <a:r>
+              <a:rPr lang="en-US" baseline="-25000" dirty="0">
+                <a:solidFill>
+                  <a:srgbClr val="FFC000"/>
+                </a:solidFill>
+              </a:rPr>
+              <a:t>2</a:t>
+            </a:r>
+            <a:r>
+              <a:rPr lang="en-US" dirty="0">
+                <a:solidFill>
+                  <a:srgbClr val="FFC000"/>
+                </a:solidFill>
+              </a:rPr>
+              <a:t> • 12 H</a:t>
+            </a:r>
+            <a:r>
+              <a:rPr lang="en-US" baseline="-25000" dirty="0">
+                <a:solidFill>
+                  <a:srgbClr val="FFC000"/>
+                </a:solidFill>
+              </a:rPr>
+              <a:t>2</a:t>
+            </a:r>
+            <a:r>
+              <a:rPr lang="en-US" dirty="0">
+                <a:solidFill>
+                  <a:srgbClr val="FFC000"/>
+                </a:solidFill>
+              </a:rPr>
+              <a:t>O</a:t>
+            </a:r>
+            <a:r>
+              <a:rPr lang="en-US" dirty="0"/>
+              <a:t>]—called </a:t>
+            </a:r>
+            <a:r>
+              <a:rPr lang="en-US" dirty="0">
+                <a:solidFill>
+                  <a:srgbClr val="00FF00"/>
+                </a:solidFill>
+              </a:rPr>
+              <a:t>alum</a:t>
+            </a:r>
+            <a:r>
+              <a:rPr lang="en-US" dirty="0"/>
+              <a:t> from </a:t>
+            </a:r>
+            <a:r>
+              <a:rPr lang="en-US" dirty="0">
+                <a:solidFill>
+                  <a:schemeClr val="accent1">
+                    <a:lumMod val="60000"/>
+                    <a:lumOff val="40000"/>
+                  </a:schemeClr>
+                </a:solidFill>
+              </a:rPr>
+              <a:t>aluminum</a:t>
+            </a:r>
+            <a:r>
+              <a:rPr lang="en-US" dirty="0"/>
+              <a:t> </a:t>
+            </a:r>
+            <a:r>
+              <a:rPr lang="en-US" dirty="0">
+                <a:solidFill>
+                  <a:srgbClr val="FFFF00"/>
+                </a:solidFill>
+              </a:rPr>
+              <a:t>metal</a:t>
+            </a:r>
+          </a:p>
+          <a:p>
+            <a:r>
+              <a:rPr lang="en-US" dirty="0"/>
+              <a:t>Alum uses and purposes are numerous</a:t>
+            </a:r>
+          </a:p>
+        </p:txBody>
+      </p:sp>
+      <p:pic>
+        <p:nvPicPr>
+          <p:cNvPr id="7" name="Picture 6">
+            <a:extLst>
+              <a:ext uri="{FF2B5EF4-FFF2-40B4-BE49-F238E27FC236}">
+                <a16:creationId xmlns:a16="http://schemas.microsoft.com/office/drawing/2014/main" id="{527C4479-4C57-065A-3A30-0F2FDB2B127F}"/>
+              </a:ext>
+            </a:extLst>
+          </p:cNvPr>
+          <p:cNvPicPr>
+            <a:picLocks noChangeAspect="1"/>
+          </p:cNvPicPr>
+          <p:nvPr/>
+        </p:nvPicPr>
+        <p:blipFill>
+          <a:blip r:embed="rId2"/>
+          <a:stretch>
+            <a:fillRect/>
+          </a:stretch>
+        </p:blipFill>
+        <p:spPr>
+          <a:xfrm>
+            <a:off x="-5646" y="2896447"/>
+            <a:ext cx="9144000" cy="3489807"/>
+          </a:xfrm>
+          <a:prstGeom prst="rect">
+            <a:avLst/>
+          </a:prstGeom>
+        </p:spPr>
+      </p:pic>
     </p:spTree>
     <p:extLst>
       <p:ext uri="{BB962C8B-B14F-4D97-AF65-F5344CB8AC3E}">
@@ -12031,7 +11665,12 @@
             <p:ph type="title"/>
           </p:nvPr>
         </p:nvSpPr>
-        <p:spPr/>
+        <p:spPr>
+          <a:xfrm>
+            <a:off x="361244" y="187156"/>
+            <a:ext cx="8421512" cy="830997"/>
+          </a:xfrm>
+        </p:spPr>
         <p:txBody>
           <a:bodyPr/>
           <a:lstStyle/>
@@ -12059,7 +11698,12 @@
             <p:ph idx="1"/>
           </p:nvPr>
         </p:nvSpPr>
-        <p:spPr/>
+        <p:spPr>
+          <a:xfrm>
+            <a:off x="362259" y="1109610"/>
+            <a:ext cx="8387645" cy="5437946"/>
+          </a:xfrm>
+        </p:spPr>
         <p:txBody>
           <a:bodyPr/>
           <a:lstStyle/>
@@ -12069,23 +11713,1409 @@
             </a:pPr>
             <a:r>
               <a:rPr lang="en-US" sz="2000" dirty="0"/>
-              <a:t>Joseph Proust (1797) stated any sample of a particular compound would be made of same elements in same proportion by mass. This is the Law of Constant Composition.</a:t>
-            </a:r>
+              <a:t>The reactions involved in alum synthesis are shown:</a:t>
+            </a:r>
+          </a:p>
+          <a:p>
+            <a:pPr marL="514350" indent="0">
+              <a:spcBef>
+                <a:spcPts val="2400"/>
+              </a:spcBef>
+              <a:buNone/>
+              <a:tabLst>
+                <a:tab pos="3832225" algn="l"/>
+              </a:tabLst>
+            </a:pPr>
+            <a:r>
+              <a:rPr lang="en-US" sz="2000" dirty="0">
+                <a:solidFill>
+                  <a:srgbClr val="FFC000"/>
+                </a:solidFill>
+              </a:rPr>
+              <a:t>2 Al (</a:t>
+            </a:r>
+            <a:r>
+              <a:rPr lang="en-US" sz="2000" i="1" dirty="0">
+                <a:solidFill>
+                  <a:srgbClr val="FFC000"/>
+                </a:solidFill>
+              </a:rPr>
+              <a:t>s</a:t>
+            </a:r>
+            <a:r>
+              <a:rPr lang="en-US" sz="2000" dirty="0">
+                <a:solidFill>
+                  <a:srgbClr val="FFC000"/>
+                </a:solidFill>
+              </a:rPr>
+              <a:t>) + 2 KOH (</a:t>
+            </a:r>
+            <a:r>
+              <a:rPr lang="en-US" sz="2000" i="1" dirty="0" err="1">
+                <a:solidFill>
+                  <a:srgbClr val="FFC000"/>
+                </a:solidFill>
+              </a:rPr>
+              <a:t>aq</a:t>
+            </a:r>
+            <a:r>
+              <a:rPr lang="en-US" sz="2000" dirty="0">
+                <a:solidFill>
+                  <a:srgbClr val="FFC000"/>
+                </a:solidFill>
+              </a:rPr>
+              <a:t>) + 6 H</a:t>
+            </a:r>
+            <a:r>
+              <a:rPr lang="en-US" sz="2000" baseline="-25000" dirty="0">
+                <a:solidFill>
+                  <a:srgbClr val="FFC000"/>
+                </a:solidFill>
+              </a:rPr>
+              <a:t>2</a:t>
+            </a:r>
+            <a:r>
+              <a:rPr lang="en-US" sz="2000" dirty="0">
+                <a:solidFill>
+                  <a:srgbClr val="FFC000"/>
+                </a:solidFill>
+              </a:rPr>
+              <a:t>O (</a:t>
+            </a:r>
+            <a:r>
+              <a:rPr lang="en-US" sz="2000" i="1" dirty="0">
+                <a:solidFill>
+                  <a:srgbClr val="FFC000"/>
+                </a:solidFill>
+              </a:rPr>
+              <a:t>l</a:t>
+            </a:r>
+            <a:r>
+              <a:rPr lang="en-US" sz="2000" dirty="0">
+                <a:solidFill>
+                  <a:srgbClr val="FFC000"/>
+                </a:solidFill>
+              </a:rPr>
+              <a:t>) </a:t>
+            </a:r>
+            <a:r>
+              <a:rPr lang="en-US" sz="2000" dirty="0">
+                <a:solidFill>
+                  <a:srgbClr val="FFC000"/>
+                </a:solidFill>
+                <a:sym typeface="Wingdings" panose="05000000000000000000" pitchFamily="2" charset="2"/>
+              </a:rPr>
+              <a:t></a:t>
+            </a:r>
+            <a:br>
+              <a:rPr lang="en-US" sz="2000" dirty="0">
+                <a:solidFill>
+                  <a:srgbClr val="FFC000"/>
+                </a:solidFill>
+                <a:sym typeface="Wingdings" panose="05000000000000000000" pitchFamily="2" charset="2"/>
+              </a:rPr>
+            </a:br>
+            <a:r>
+              <a:rPr lang="en-US" sz="2000" dirty="0">
+                <a:solidFill>
+                  <a:srgbClr val="FFC000"/>
+                </a:solidFill>
+                <a:sym typeface="Wingdings" panose="05000000000000000000" pitchFamily="2" charset="2"/>
+              </a:rPr>
+              <a:t>	2 </a:t>
+            </a:r>
+            <a:r>
+              <a:rPr lang="en-US" sz="2000" b="1" dirty="0" err="1">
+                <a:solidFill>
+                  <a:srgbClr val="FFC000"/>
+                </a:solidFill>
+                <a:sym typeface="Wingdings" panose="05000000000000000000" pitchFamily="2" charset="2"/>
+              </a:rPr>
+              <a:t>KAl</a:t>
+            </a:r>
+            <a:r>
+              <a:rPr lang="en-US" sz="2000" b="1" dirty="0">
+                <a:solidFill>
+                  <a:srgbClr val="FFC000"/>
+                </a:solidFill>
+                <a:sym typeface="Wingdings" panose="05000000000000000000" pitchFamily="2" charset="2"/>
+              </a:rPr>
+              <a:t>(OH)</a:t>
+            </a:r>
+            <a:r>
+              <a:rPr lang="en-US" sz="2000" b="1" baseline="-25000" dirty="0">
+                <a:solidFill>
+                  <a:srgbClr val="FFC000"/>
+                </a:solidFill>
+                <a:sym typeface="Wingdings" panose="05000000000000000000" pitchFamily="2" charset="2"/>
+              </a:rPr>
+              <a:t>4</a:t>
+            </a:r>
+            <a:r>
+              <a:rPr lang="en-US" sz="2000" b="1" dirty="0">
+                <a:solidFill>
+                  <a:srgbClr val="FFC000"/>
+                </a:solidFill>
+                <a:sym typeface="Wingdings" panose="05000000000000000000" pitchFamily="2" charset="2"/>
+              </a:rPr>
+              <a:t> </a:t>
+            </a:r>
+            <a:r>
+              <a:rPr lang="en-US" sz="2000" dirty="0">
+                <a:solidFill>
+                  <a:srgbClr val="FFC000"/>
+                </a:solidFill>
+                <a:sym typeface="Wingdings" panose="05000000000000000000" pitchFamily="2" charset="2"/>
+              </a:rPr>
+              <a:t>(</a:t>
+            </a:r>
+            <a:r>
+              <a:rPr lang="en-US" sz="2000" i="1" dirty="0" err="1">
+                <a:solidFill>
+                  <a:srgbClr val="FFC000"/>
+                </a:solidFill>
+                <a:sym typeface="Wingdings" panose="05000000000000000000" pitchFamily="2" charset="2"/>
+              </a:rPr>
+              <a:t>aq</a:t>
+            </a:r>
+            <a:r>
+              <a:rPr lang="en-US" sz="2000" dirty="0">
+                <a:solidFill>
+                  <a:srgbClr val="FFC000"/>
+                </a:solidFill>
+                <a:sym typeface="Wingdings" panose="05000000000000000000" pitchFamily="2" charset="2"/>
+              </a:rPr>
+              <a:t>) + 3 H</a:t>
+            </a:r>
+            <a:r>
+              <a:rPr lang="en-US" sz="2000" baseline="-25000" dirty="0">
+                <a:solidFill>
+                  <a:srgbClr val="FFC000"/>
+                </a:solidFill>
+                <a:sym typeface="Wingdings" panose="05000000000000000000" pitchFamily="2" charset="2"/>
+              </a:rPr>
+              <a:t>2</a:t>
+            </a:r>
+            <a:r>
+              <a:rPr lang="en-US" sz="2000" dirty="0">
+                <a:solidFill>
+                  <a:srgbClr val="FFC000"/>
+                </a:solidFill>
+                <a:sym typeface="Wingdings" panose="05000000000000000000" pitchFamily="2" charset="2"/>
+              </a:rPr>
+              <a:t> (</a:t>
+            </a:r>
+            <a:r>
+              <a:rPr lang="en-US" sz="2000" i="1" dirty="0">
+                <a:solidFill>
+                  <a:srgbClr val="FFC000"/>
+                </a:solidFill>
+                <a:sym typeface="Wingdings" panose="05000000000000000000" pitchFamily="2" charset="2"/>
+              </a:rPr>
+              <a:t>g</a:t>
+            </a:r>
+            <a:r>
+              <a:rPr lang="en-US" sz="2000" dirty="0">
+                <a:solidFill>
+                  <a:srgbClr val="FFC000"/>
+                </a:solidFill>
+                <a:sym typeface="Wingdings" panose="05000000000000000000" pitchFamily="2" charset="2"/>
+              </a:rPr>
+              <a:t>)</a:t>
+            </a:r>
+          </a:p>
+          <a:p>
+            <a:pPr marL="0" indent="0" algn="ctr">
+              <a:spcBef>
+                <a:spcPts val="0"/>
+              </a:spcBef>
+              <a:buNone/>
+              <a:tabLst>
+                <a:tab pos="3832225" algn="l"/>
+              </a:tabLst>
+            </a:pPr>
+            <a:r>
+              <a:rPr lang="en-US" sz="1600" i="1" dirty="0">
+                <a:sym typeface="Wingdings" panose="05000000000000000000" pitchFamily="2" charset="2"/>
+              </a:rPr>
+              <a:t>This reaction evolves a gas</a:t>
+            </a:r>
+            <a:endParaRPr lang="en-US" sz="1600" i="1" dirty="0"/>
+          </a:p>
+          <a:p>
+            <a:pPr marL="514350" indent="0">
+              <a:spcBef>
+                <a:spcPts val="1200"/>
+              </a:spcBef>
+              <a:buNone/>
+              <a:tabLst>
+                <a:tab pos="2116138" algn="l"/>
+              </a:tabLst>
+            </a:pPr>
+            <a:r>
+              <a:rPr lang="en-US" sz="2000" dirty="0">
+                <a:solidFill>
+                  <a:srgbClr val="CC99FF"/>
+                </a:solidFill>
+              </a:rPr>
+              <a:t>2 </a:t>
+            </a:r>
+            <a:r>
+              <a:rPr lang="en-US" sz="2000" b="1" dirty="0" err="1">
+                <a:solidFill>
+                  <a:srgbClr val="FFC000"/>
+                </a:solidFill>
+              </a:rPr>
+              <a:t>KAl</a:t>
+            </a:r>
+            <a:r>
+              <a:rPr lang="en-US" sz="2000" b="1" dirty="0">
+                <a:solidFill>
+                  <a:srgbClr val="FFC000"/>
+                </a:solidFill>
+              </a:rPr>
+              <a:t>(OH)</a:t>
+            </a:r>
+            <a:r>
+              <a:rPr lang="en-US" sz="2000" b="1" baseline="-25000" dirty="0">
+                <a:solidFill>
+                  <a:srgbClr val="FFC000"/>
+                </a:solidFill>
+              </a:rPr>
+              <a:t>4</a:t>
+            </a:r>
+            <a:r>
+              <a:rPr lang="en-US" sz="2000" dirty="0">
+                <a:solidFill>
+                  <a:srgbClr val="CC99FF"/>
+                </a:solidFill>
+              </a:rPr>
+              <a:t> (</a:t>
+            </a:r>
+            <a:r>
+              <a:rPr lang="en-US" sz="2000" i="1" dirty="0" err="1">
+                <a:solidFill>
+                  <a:srgbClr val="CC99FF"/>
+                </a:solidFill>
+              </a:rPr>
+              <a:t>aq</a:t>
+            </a:r>
+            <a:r>
+              <a:rPr lang="en-US" sz="2000" dirty="0">
+                <a:solidFill>
+                  <a:srgbClr val="CC99FF"/>
+                </a:solidFill>
+              </a:rPr>
+              <a:t>) + H</a:t>
+            </a:r>
+            <a:r>
+              <a:rPr lang="en-US" sz="2000" baseline="-25000" dirty="0">
+                <a:solidFill>
+                  <a:srgbClr val="CC99FF"/>
+                </a:solidFill>
+              </a:rPr>
+              <a:t>2</a:t>
+            </a:r>
+            <a:r>
+              <a:rPr lang="en-US" sz="2000" dirty="0">
+                <a:solidFill>
+                  <a:srgbClr val="CC99FF"/>
+                </a:solidFill>
+              </a:rPr>
+              <a:t>SO</a:t>
+            </a:r>
+            <a:r>
+              <a:rPr lang="en-US" sz="2000" baseline="-25000" dirty="0">
+                <a:solidFill>
+                  <a:srgbClr val="CC99FF"/>
+                </a:solidFill>
+              </a:rPr>
+              <a:t>4</a:t>
+            </a:r>
+            <a:r>
+              <a:rPr lang="en-US" sz="2000" dirty="0">
+                <a:solidFill>
+                  <a:srgbClr val="CC99FF"/>
+                </a:solidFill>
+              </a:rPr>
+              <a:t> (</a:t>
+            </a:r>
+            <a:r>
+              <a:rPr lang="en-US" sz="2000" i="1" dirty="0" err="1">
+                <a:solidFill>
+                  <a:srgbClr val="CC99FF"/>
+                </a:solidFill>
+              </a:rPr>
+              <a:t>aq</a:t>
+            </a:r>
+            <a:r>
+              <a:rPr lang="en-US" sz="2000" dirty="0">
+                <a:solidFill>
+                  <a:srgbClr val="CC99FF"/>
+                </a:solidFill>
+              </a:rPr>
+              <a:t>) </a:t>
+            </a:r>
+            <a:r>
+              <a:rPr lang="en-US" sz="2000" dirty="0">
+                <a:solidFill>
+                  <a:srgbClr val="CC99FF"/>
+                </a:solidFill>
+                <a:sym typeface="Wingdings" panose="05000000000000000000" pitchFamily="2" charset="2"/>
+              </a:rPr>
+              <a:t></a:t>
+            </a:r>
+            <a:br>
+              <a:rPr lang="en-US" sz="2000" dirty="0">
+                <a:solidFill>
+                  <a:srgbClr val="CC99FF"/>
+                </a:solidFill>
+                <a:sym typeface="Wingdings" panose="05000000000000000000" pitchFamily="2" charset="2"/>
+              </a:rPr>
+            </a:br>
+            <a:r>
+              <a:rPr lang="en-US" sz="2000" dirty="0">
+                <a:solidFill>
+                  <a:srgbClr val="CC99FF"/>
+                </a:solidFill>
+                <a:sym typeface="Wingdings" panose="05000000000000000000" pitchFamily="2" charset="2"/>
+              </a:rPr>
+              <a:t>	2 </a:t>
+            </a:r>
+            <a:r>
+              <a:rPr lang="en-US" sz="2000" b="1" dirty="0">
+                <a:solidFill>
+                  <a:srgbClr val="CC99FF"/>
+                </a:solidFill>
+                <a:sym typeface="Wingdings" panose="05000000000000000000" pitchFamily="2" charset="2"/>
+              </a:rPr>
+              <a:t>Al(OH)</a:t>
+            </a:r>
+            <a:r>
+              <a:rPr lang="en-US" sz="2000" b="1" baseline="-25000" dirty="0">
+                <a:solidFill>
+                  <a:srgbClr val="CC99FF"/>
+                </a:solidFill>
+                <a:sym typeface="Wingdings" panose="05000000000000000000" pitchFamily="2" charset="2"/>
+              </a:rPr>
+              <a:t>3</a:t>
+            </a:r>
+            <a:r>
+              <a:rPr lang="en-US" sz="2000" b="1" dirty="0">
+                <a:solidFill>
+                  <a:srgbClr val="CC99FF"/>
+                </a:solidFill>
+                <a:sym typeface="Wingdings" panose="05000000000000000000" pitchFamily="2" charset="2"/>
+              </a:rPr>
+              <a:t> </a:t>
+            </a:r>
+            <a:r>
+              <a:rPr lang="en-US" sz="2000" dirty="0">
+                <a:solidFill>
+                  <a:srgbClr val="CC99FF"/>
+                </a:solidFill>
+                <a:sym typeface="Wingdings" panose="05000000000000000000" pitchFamily="2" charset="2"/>
+              </a:rPr>
+              <a:t>(</a:t>
+            </a:r>
+            <a:r>
+              <a:rPr lang="en-US" sz="2000" i="1" dirty="0">
+                <a:solidFill>
+                  <a:srgbClr val="CC99FF"/>
+                </a:solidFill>
+                <a:sym typeface="Wingdings" panose="05000000000000000000" pitchFamily="2" charset="2"/>
+              </a:rPr>
+              <a:t>s</a:t>
+            </a:r>
+            <a:r>
+              <a:rPr lang="en-US" sz="2000" dirty="0">
+                <a:solidFill>
+                  <a:srgbClr val="CC99FF"/>
+                </a:solidFill>
+                <a:sym typeface="Wingdings" panose="05000000000000000000" pitchFamily="2" charset="2"/>
+              </a:rPr>
+              <a:t>) + K</a:t>
+            </a:r>
+            <a:r>
+              <a:rPr lang="en-US" sz="2000" baseline="-25000" dirty="0">
+                <a:solidFill>
+                  <a:srgbClr val="CC99FF"/>
+                </a:solidFill>
+                <a:sym typeface="Wingdings" panose="05000000000000000000" pitchFamily="2" charset="2"/>
+              </a:rPr>
+              <a:t>2</a:t>
+            </a:r>
+            <a:r>
+              <a:rPr lang="en-US" sz="2000" dirty="0">
+                <a:solidFill>
+                  <a:srgbClr val="CC99FF"/>
+                </a:solidFill>
+                <a:sym typeface="Wingdings" panose="05000000000000000000" pitchFamily="2" charset="2"/>
+              </a:rPr>
+              <a:t>SO</a:t>
+            </a:r>
+            <a:r>
+              <a:rPr lang="en-US" sz="2000" baseline="-25000" dirty="0">
+                <a:solidFill>
+                  <a:srgbClr val="CC99FF"/>
+                </a:solidFill>
+                <a:sym typeface="Wingdings" panose="05000000000000000000" pitchFamily="2" charset="2"/>
+              </a:rPr>
+              <a:t>4</a:t>
+            </a:r>
+            <a:r>
+              <a:rPr lang="en-US" sz="2000" dirty="0">
+                <a:solidFill>
+                  <a:srgbClr val="CC99FF"/>
+                </a:solidFill>
+                <a:sym typeface="Wingdings" panose="05000000000000000000" pitchFamily="2" charset="2"/>
+              </a:rPr>
+              <a:t> (</a:t>
+            </a:r>
+            <a:r>
+              <a:rPr lang="en-US" sz="2000" dirty="0" err="1">
+                <a:solidFill>
+                  <a:srgbClr val="CC99FF"/>
+                </a:solidFill>
+                <a:sym typeface="Wingdings" panose="05000000000000000000" pitchFamily="2" charset="2"/>
+              </a:rPr>
+              <a:t>aq</a:t>
+            </a:r>
+            <a:r>
+              <a:rPr lang="en-US" sz="2000" dirty="0">
+                <a:solidFill>
+                  <a:srgbClr val="CC99FF"/>
+                </a:solidFill>
+                <a:sym typeface="Wingdings" panose="05000000000000000000" pitchFamily="2" charset="2"/>
+              </a:rPr>
+              <a:t>) + 2 H</a:t>
+            </a:r>
+            <a:r>
+              <a:rPr lang="en-US" sz="2000" baseline="-25000" dirty="0">
+                <a:solidFill>
+                  <a:srgbClr val="CC99FF"/>
+                </a:solidFill>
+                <a:sym typeface="Wingdings" panose="05000000000000000000" pitchFamily="2" charset="2"/>
+              </a:rPr>
+              <a:t>2</a:t>
+            </a:r>
+            <a:r>
+              <a:rPr lang="en-US" sz="2000" dirty="0">
+                <a:solidFill>
+                  <a:srgbClr val="CC99FF"/>
+                </a:solidFill>
+                <a:sym typeface="Wingdings" panose="05000000000000000000" pitchFamily="2" charset="2"/>
+              </a:rPr>
+              <a:t>O (</a:t>
+            </a:r>
+            <a:r>
+              <a:rPr lang="en-US" sz="2000" i="1" dirty="0">
+                <a:solidFill>
+                  <a:srgbClr val="CC99FF"/>
+                </a:solidFill>
+                <a:sym typeface="Wingdings" panose="05000000000000000000" pitchFamily="2" charset="2"/>
+              </a:rPr>
+              <a:t>l</a:t>
+            </a:r>
+            <a:r>
+              <a:rPr lang="en-US" sz="2000" dirty="0">
+                <a:solidFill>
+                  <a:srgbClr val="CC99FF"/>
+                </a:solidFill>
+                <a:sym typeface="Wingdings" panose="05000000000000000000" pitchFamily="2" charset="2"/>
+              </a:rPr>
+              <a:t>)</a:t>
+            </a:r>
+          </a:p>
+          <a:p>
+            <a:pPr marL="0" indent="0" algn="ctr">
+              <a:spcBef>
+                <a:spcPts val="0"/>
+              </a:spcBef>
+              <a:buNone/>
+            </a:pPr>
+            <a:r>
+              <a:rPr lang="en-US" sz="1800" i="1" dirty="0">
+                <a:sym typeface="Wingdings" panose="05000000000000000000" pitchFamily="2" charset="2"/>
+              </a:rPr>
+              <a:t>This is a precipitation</a:t>
+            </a:r>
+            <a:endParaRPr lang="en-US" sz="1800" i="1" dirty="0"/>
+          </a:p>
+          <a:p>
+            <a:pPr marL="0" indent="0" algn="ctr">
+              <a:spcBef>
+                <a:spcPts val="1200"/>
+              </a:spcBef>
+              <a:buNone/>
+            </a:pPr>
+            <a:r>
+              <a:rPr lang="en-US" sz="2000" dirty="0">
+                <a:solidFill>
+                  <a:srgbClr val="FFFF00"/>
+                </a:solidFill>
+              </a:rPr>
+              <a:t>2 </a:t>
+            </a:r>
+            <a:r>
+              <a:rPr lang="en-US" sz="2000" b="1" dirty="0">
+                <a:solidFill>
+                  <a:srgbClr val="CC99FF"/>
+                </a:solidFill>
+              </a:rPr>
+              <a:t>Al(OH)</a:t>
+            </a:r>
+            <a:r>
+              <a:rPr lang="en-US" sz="2000" b="1" baseline="-25000" dirty="0">
+                <a:solidFill>
+                  <a:srgbClr val="CC99FF"/>
+                </a:solidFill>
+              </a:rPr>
+              <a:t>3</a:t>
+            </a:r>
+            <a:r>
+              <a:rPr lang="en-US" sz="2000" dirty="0">
+                <a:solidFill>
+                  <a:srgbClr val="FFFF00"/>
+                </a:solidFill>
+              </a:rPr>
+              <a:t> (</a:t>
+            </a:r>
+            <a:r>
+              <a:rPr lang="en-US" sz="2000" i="1" dirty="0">
+                <a:solidFill>
+                  <a:srgbClr val="FFFF00"/>
+                </a:solidFill>
+              </a:rPr>
+              <a:t>s</a:t>
+            </a:r>
+            <a:r>
+              <a:rPr lang="en-US" sz="2000" dirty="0">
+                <a:solidFill>
+                  <a:srgbClr val="FFFF00"/>
+                </a:solidFill>
+              </a:rPr>
+              <a:t>) + 3 H</a:t>
+            </a:r>
+            <a:r>
+              <a:rPr lang="en-US" sz="2000" baseline="-25000" dirty="0">
+                <a:solidFill>
+                  <a:srgbClr val="FFFF00"/>
+                </a:solidFill>
+              </a:rPr>
+              <a:t>2</a:t>
+            </a:r>
+            <a:r>
+              <a:rPr lang="en-US" sz="2000" dirty="0">
+                <a:solidFill>
+                  <a:srgbClr val="FFFF00"/>
+                </a:solidFill>
+              </a:rPr>
+              <a:t>SO</a:t>
+            </a:r>
+            <a:r>
+              <a:rPr lang="en-US" sz="2000" baseline="-25000" dirty="0">
+                <a:solidFill>
+                  <a:srgbClr val="FFFF00"/>
+                </a:solidFill>
+              </a:rPr>
+              <a:t>4</a:t>
+            </a:r>
+            <a:r>
+              <a:rPr lang="en-US" sz="2000" dirty="0">
+                <a:solidFill>
+                  <a:srgbClr val="FFFF00"/>
+                </a:solidFill>
+              </a:rPr>
+              <a:t> (</a:t>
+            </a:r>
+            <a:r>
+              <a:rPr lang="en-US" sz="2000" i="1" dirty="0" err="1">
+                <a:solidFill>
+                  <a:srgbClr val="FFFF00"/>
+                </a:solidFill>
+              </a:rPr>
+              <a:t>aq</a:t>
+            </a:r>
+            <a:r>
+              <a:rPr lang="en-US" sz="2000" dirty="0">
+                <a:solidFill>
+                  <a:srgbClr val="FFFF00"/>
+                </a:solidFill>
+              </a:rPr>
+              <a:t>) </a:t>
+            </a:r>
+            <a:r>
+              <a:rPr lang="en-US" sz="2000" dirty="0">
+                <a:solidFill>
+                  <a:srgbClr val="FFFF00"/>
+                </a:solidFill>
+                <a:sym typeface="Wingdings" panose="05000000000000000000" pitchFamily="2" charset="2"/>
+              </a:rPr>
+              <a:t> </a:t>
+            </a:r>
+            <a:r>
+              <a:rPr lang="en-US" sz="2000" b="1" dirty="0">
+                <a:solidFill>
+                  <a:srgbClr val="FFFF00"/>
+                </a:solidFill>
+                <a:sym typeface="Wingdings" panose="05000000000000000000" pitchFamily="2" charset="2"/>
+              </a:rPr>
+              <a:t>Al</a:t>
+            </a:r>
+            <a:r>
+              <a:rPr lang="en-US" sz="2000" b="1" baseline="-25000" dirty="0">
+                <a:solidFill>
+                  <a:srgbClr val="FFFF00"/>
+                </a:solidFill>
+                <a:sym typeface="Wingdings" panose="05000000000000000000" pitchFamily="2" charset="2"/>
+              </a:rPr>
+              <a:t>2</a:t>
+            </a:r>
+            <a:r>
+              <a:rPr lang="en-US" sz="2000" b="1" dirty="0">
+                <a:solidFill>
+                  <a:srgbClr val="FFFF00"/>
+                </a:solidFill>
+                <a:sym typeface="Wingdings" panose="05000000000000000000" pitchFamily="2" charset="2"/>
+              </a:rPr>
+              <a:t>(SO</a:t>
+            </a:r>
+            <a:r>
+              <a:rPr lang="en-US" sz="2000" b="1" baseline="-25000" dirty="0">
+                <a:solidFill>
+                  <a:srgbClr val="FFFF00"/>
+                </a:solidFill>
+                <a:sym typeface="Wingdings" panose="05000000000000000000" pitchFamily="2" charset="2"/>
+              </a:rPr>
+              <a:t>4</a:t>
+            </a:r>
+            <a:r>
+              <a:rPr lang="en-US" sz="2000" b="1" dirty="0">
+                <a:solidFill>
+                  <a:srgbClr val="FFFF00"/>
+                </a:solidFill>
+                <a:sym typeface="Wingdings" panose="05000000000000000000" pitchFamily="2" charset="2"/>
+              </a:rPr>
+              <a:t>)</a:t>
+            </a:r>
+            <a:r>
+              <a:rPr lang="en-US" sz="2000" b="1" baseline="-25000" dirty="0">
+                <a:solidFill>
+                  <a:srgbClr val="FFFF00"/>
+                </a:solidFill>
+                <a:sym typeface="Wingdings" panose="05000000000000000000" pitchFamily="2" charset="2"/>
+              </a:rPr>
+              <a:t>3</a:t>
+            </a:r>
+            <a:r>
+              <a:rPr lang="en-US" sz="2000" b="1" dirty="0">
+                <a:solidFill>
+                  <a:srgbClr val="FFFF00"/>
+                </a:solidFill>
+                <a:sym typeface="Wingdings" panose="05000000000000000000" pitchFamily="2" charset="2"/>
+              </a:rPr>
+              <a:t> </a:t>
+            </a:r>
+            <a:r>
+              <a:rPr lang="en-US" sz="2000" dirty="0">
+                <a:solidFill>
+                  <a:srgbClr val="FFFF00"/>
+                </a:solidFill>
+                <a:sym typeface="Wingdings" panose="05000000000000000000" pitchFamily="2" charset="2"/>
+              </a:rPr>
+              <a:t>(</a:t>
+            </a:r>
+            <a:r>
+              <a:rPr lang="en-US" sz="2000" i="1" dirty="0" err="1">
+                <a:solidFill>
+                  <a:srgbClr val="FFFF00"/>
+                </a:solidFill>
+                <a:sym typeface="Wingdings" panose="05000000000000000000" pitchFamily="2" charset="2"/>
+              </a:rPr>
+              <a:t>aq</a:t>
+            </a:r>
+            <a:r>
+              <a:rPr lang="en-US" sz="2000" dirty="0">
+                <a:solidFill>
+                  <a:srgbClr val="FFFF00"/>
+                </a:solidFill>
+                <a:sym typeface="Wingdings" panose="05000000000000000000" pitchFamily="2" charset="2"/>
+              </a:rPr>
+              <a:t>) + 6 H</a:t>
+            </a:r>
+            <a:r>
+              <a:rPr lang="en-US" sz="2000" baseline="-25000" dirty="0">
+                <a:solidFill>
+                  <a:srgbClr val="FFFF00"/>
+                </a:solidFill>
+                <a:sym typeface="Wingdings" panose="05000000000000000000" pitchFamily="2" charset="2"/>
+              </a:rPr>
+              <a:t>2</a:t>
+            </a:r>
+            <a:r>
+              <a:rPr lang="en-US" sz="2000" dirty="0">
+                <a:solidFill>
+                  <a:srgbClr val="FFFF00"/>
+                </a:solidFill>
+                <a:sym typeface="Wingdings" panose="05000000000000000000" pitchFamily="2" charset="2"/>
+              </a:rPr>
+              <a:t>O (</a:t>
+            </a:r>
+            <a:r>
+              <a:rPr lang="en-US" sz="2000" i="1" dirty="0">
+                <a:solidFill>
+                  <a:srgbClr val="FFFF00"/>
+                </a:solidFill>
+                <a:sym typeface="Wingdings" panose="05000000000000000000" pitchFamily="2" charset="2"/>
+              </a:rPr>
+              <a:t>l</a:t>
+            </a:r>
+            <a:r>
+              <a:rPr lang="en-US" sz="2000" dirty="0">
+                <a:solidFill>
+                  <a:srgbClr val="FFFF00"/>
+                </a:solidFill>
+                <a:sym typeface="Wingdings" panose="05000000000000000000" pitchFamily="2" charset="2"/>
+              </a:rPr>
+              <a:t>)</a:t>
+            </a:r>
+          </a:p>
+          <a:p>
+            <a:pPr marL="0" indent="0" algn="ctr">
+              <a:spcBef>
+                <a:spcPts val="0"/>
+              </a:spcBef>
+              <a:buNone/>
+            </a:pPr>
+            <a:r>
+              <a:rPr lang="en-US" sz="1800" i="1" dirty="0">
+                <a:sym typeface="Wingdings" panose="05000000000000000000" pitchFamily="2" charset="2"/>
+              </a:rPr>
+              <a:t>This is an acid-base neutralization of an alkaline precipitate</a:t>
+            </a:r>
+            <a:endParaRPr lang="en-US" sz="1800" i="1" dirty="0"/>
+          </a:p>
+          <a:p>
+            <a:pPr marL="514350" indent="174625">
+              <a:spcBef>
+                <a:spcPts val="1200"/>
+              </a:spcBef>
+              <a:buNone/>
+              <a:tabLst>
+                <a:tab pos="4057650" algn="l"/>
+              </a:tabLst>
+            </a:pPr>
+            <a:r>
+              <a:rPr lang="en-US" sz="2000" b="1" dirty="0">
+                <a:solidFill>
+                  <a:srgbClr val="FFFF00"/>
+                </a:solidFill>
+              </a:rPr>
+              <a:t>Al</a:t>
+            </a:r>
+            <a:r>
+              <a:rPr lang="en-US" sz="2000" b="1" baseline="-25000" dirty="0">
+                <a:solidFill>
+                  <a:srgbClr val="FFFF00"/>
+                </a:solidFill>
+              </a:rPr>
+              <a:t>2</a:t>
+            </a:r>
+            <a:r>
+              <a:rPr lang="en-US" sz="2000" b="1" dirty="0">
+                <a:solidFill>
+                  <a:srgbClr val="FFFF00"/>
+                </a:solidFill>
+              </a:rPr>
+              <a:t>(SO</a:t>
+            </a:r>
+            <a:r>
+              <a:rPr lang="en-US" sz="2000" b="1" baseline="-25000" dirty="0">
+                <a:solidFill>
+                  <a:srgbClr val="FFFF00"/>
+                </a:solidFill>
+              </a:rPr>
+              <a:t>4</a:t>
+            </a:r>
+            <a:r>
+              <a:rPr lang="en-US" sz="2000" b="1" dirty="0">
+                <a:solidFill>
+                  <a:srgbClr val="FFFF00"/>
+                </a:solidFill>
+              </a:rPr>
+              <a:t>)</a:t>
+            </a:r>
+            <a:r>
+              <a:rPr lang="en-US" sz="2000" b="1" baseline="-25000" dirty="0">
+                <a:solidFill>
+                  <a:srgbClr val="FFFF00"/>
+                </a:solidFill>
+              </a:rPr>
+              <a:t>3</a:t>
+            </a:r>
+            <a:r>
+              <a:rPr lang="en-US" sz="2000" b="1" dirty="0">
+                <a:solidFill>
+                  <a:srgbClr val="FFFF00"/>
+                </a:solidFill>
+              </a:rPr>
+              <a:t> </a:t>
+            </a:r>
+            <a:r>
+              <a:rPr lang="en-US" sz="2000" dirty="0">
+                <a:solidFill>
+                  <a:srgbClr val="66FFFF"/>
+                </a:solidFill>
+              </a:rPr>
+              <a:t>(</a:t>
+            </a:r>
+            <a:r>
+              <a:rPr lang="en-US" sz="2000" i="1" dirty="0" err="1">
+                <a:solidFill>
+                  <a:srgbClr val="66FFFF"/>
+                </a:solidFill>
+              </a:rPr>
+              <a:t>aq</a:t>
+            </a:r>
+            <a:r>
+              <a:rPr lang="en-US" sz="2000" dirty="0">
+                <a:solidFill>
+                  <a:srgbClr val="66FFFF"/>
+                </a:solidFill>
+              </a:rPr>
+              <a:t>) + K</a:t>
+            </a:r>
+            <a:r>
+              <a:rPr lang="en-US" sz="2000" baseline="-25000" dirty="0">
+                <a:solidFill>
+                  <a:srgbClr val="66FFFF"/>
+                </a:solidFill>
+              </a:rPr>
+              <a:t>2</a:t>
+            </a:r>
+            <a:r>
+              <a:rPr lang="en-US" sz="2000" dirty="0">
+                <a:solidFill>
+                  <a:srgbClr val="66FFFF"/>
+                </a:solidFill>
+              </a:rPr>
+              <a:t>SO</a:t>
+            </a:r>
+            <a:r>
+              <a:rPr lang="en-US" sz="2000" baseline="-25000" dirty="0">
+                <a:solidFill>
+                  <a:srgbClr val="66FFFF"/>
+                </a:solidFill>
+              </a:rPr>
+              <a:t>4</a:t>
+            </a:r>
+            <a:r>
+              <a:rPr lang="en-US" sz="2000" dirty="0">
+                <a:solidFill>
+                  <a:srgbClr val="66FFFF"/>
+                </a:solidFill>
+              </a:rPr>
+              <a:t> (</a:t>
+            </a:r>
+            <a:r>
+              <a:rPr lang="en-US" sz="2000" i="1" dirty="0" err="1">
+                <a:solidFill>
+                  <a:srgbClr val="66FFFF"/>
+                </a:solidFill>
+              </a:rPr>
+              <a:t>aq</a:t>
+            </a:r>
+            <a:r>
+              <a:rPr lang="en-US" sz="2000" dirty="0">
+                <a:solidFill>
+                  <a:srgbClr val="66FFFF"/>
+                </a:solidFill>
+              </a:rPr>
+              <a:t>) + 24 H</a:t>
+            </a:r>
+            <a:r>
+              <a:rPr lang="en-US" sz="2000" baseline="-25000" dirty="0">
+                <a:solidFill>
+                  <a:srgbClr val="66FFFF"/>
+                </a:solidFill>
+              </a:rPr>
+              <a:t>2</a:t>
+            </a:r>
+            <a:r>
+              <a:rPr lang="en-US" sz="2000" dirty="0">
+                <a:solidFill>
+                  <a:srgbClr val="66FFFF"/>
+                </a:solidFill>
+              </a:rPr>
+              <a:t>O (</a:t>
+            </a:r>
+            <a:r>
+              <a:rPr lang="en-US" sz="2000" i="1" dirty="0">
+                <a:solidFill>
+                  <a:srgbClr val="66FFFF"/>
+                </a:solidFill>
+              </a:rPr>
+              <a:t>l</a:t>
+            </a:r>
+            <a:r>
+              <a:rPr lang="en-US" sz="2000" dirty="0">
+                <a:solidFill>
+                  <a:srgbClr val="66FFFF"/>
+                </a:solidFill>
+              </a:rPr>
+              <a:t>) </a:t>
+            </a:r>
+            <a:r>
+              <a:rPr lang="en-US" sz="2000" dirty="0">
+                <a:solidFill>
+                  <a:srgbClr val="66FFFF"/>
+                </a:solidFill>
+                <a:sym typeface="Wingdings" panose="05000000000000000000" pitchFamily="2" charset="2"/>
+              </a:rPr>
+              <a:t></a:t>
+            </a:r>
+            <a:br>
+              <a:rPr lang="en-US" sz="2000" dirty="0">
+                <a:solidFill>
+                  <a:srgbClr val="66FFFF"/>
+                </a:solidFill>
+                <a:sym typeface="Wingdings" panose="05000000000000000000" pitchFamily="2" charset="2"/>
+              </a:rPr>
+            </a:br>
+            <a:r>
+              <a:rPr lang="en-US" sz="2000" dirty="0">
+                <a:solidFill>
+                  <a:srgbClr val="66FFFF"/>
+                </a:solidFill>
+                <a:sym typeface="Wingdings" panose="05000000000000000000" pitchFamily="2" charset="2"/>
+              </a:rPr>
+              <a:t>	2 </a:t>
+            </a:r>
+            <a:r>
+              <a:rPr lang="en-US" sz="2000" b="1" dirty="0" err="1">
+                <a:solidFill>
+                  <a:srgbClr val="66FFFF"/>
+                </a:solidFill>
+                <a:sym typeface="Wingdings" panose="05000000000000000000" pitchFamily="2" charset="2"/>
+              </a:rPr>
+              <a:t>KAl</a:t>
+            </a:r>
+            <a:r>
+              <a:rPr lang="en-US" sz="2000" b="1" dirty="0">
+                <a:solidFill>
+                  <a:srgbClr val="66FFFF"/>
+                </a:solidFill>
+                <a:sym typeface="Wingdings" panose="05000000000000000000" pitchFamily="2" charset="2"/>
+              </a:rPr>
+              <a:t>(SO</a:t>
+            </a:r>
+            <a:r>
+              <a:rPr lang="en-US" sz="2000" b="1" baseline="-25000" dirty="0">
+                <a:solidFill>
+                  <a:srgbClr val="66FFFF"/>
+                </a:solidFill>
+                <a:sym typeface="Wingdings" panose="05000000000000000000" pitchFamily="2" charset="2"/>
+              </a:rPr>
+              <a:t>4</a:t>
+            </a:r>
+            <a:r>
+              <a:rPr lang="en-US" sz="2000" b="1" dirty="0">
+                <a:solidFill>
+                  <a:srgbClr val="66FFFF"/>
+                </a:solidFill>
+                <a:sym typeface="Wingdings" panose="05000000000000000000" pitchFamily="2" charset="2"/>
+              </a:rPr>
+              <a:t>)</a:t>
+            </a:r>
+            <a:r>
+              <a:rPr lang="en-US" sz="2000" b="1" baseline="-25000" dirty="0">
+                <a:solidFill>
+                  <a:srgbClr val="66FFFF"/>
+                </a:solidFill>
+                <a:sym typeface="Wingdings" panose="05000000000000000000" pitchFamily="2" charset="2"/>
+              </a:rPr>
+              <a:t>2</a:t>
+            </a:r>
+            <a:r>
+              <a:rPr lang="en-US" sz="2000" b="1" dirty="0">
+                <a:solidFill>
+                  <a:srgbClr val="66FFFF"/>
+                </a:solidFill>
+                <a:sym typeface="Wingdings" panose="05000000000000000000" pitchFamily="2" charset="2"/>
+              </a:rPr>
+              <a:t> • 12 H</a:t>
+            </a:r>
+            <a:r>
+              <a:rPr lang="en-US" sz="2000" b="1" baseline="-25000" dirty="0">
+                <a:solidFill>
+                  <a:srgbClr val="66FFFF"/>
+                </a:solidFill>
+                <a:sym typeface="Wingdings" panose="05000000000000000000" pitchFamily="2" charset="2"/>
+              </a:rPr>
+              <a:t>2</a:t>
+            </a:r>
+            <a:r>
+              <a:rPr lang="en-US" sz="2000" b="1" dirty="0">
+                <a:solidFill>
+                  <a:srgbClr val="66FFFF"/>
+                </a:solidFill>
+                <a:sym typeface="Wingdings" panose="05000000000000000000" pitchFamily="2" charset="2"/>
+              </a:rPr>
+              <a:t>O </a:t>
+            </a:r>
+            <a:r>
+              <a:rPr lang="en-US" sz="2000" dirty="0">
+                <a:solidFill>
+                  <a:srgbClr val="66FFFF"/>
+                </a:solidFill>
+                <a:sym typeface="Wingdings" panose="05000000000000000000" pitchFamily="2" charset="2"/>
+              </a:rPr>
+              <a:t>(</a:t>
+            </a:r>
+            <a:r>
+              <a:rPr lang="en-US" sz="2000" i="1" dirty="0">
+                <a:solidFill>
+                  <a:srgbClr val="66FFFF"/>
+                </a:solidFill>
+                <a:sym typeface="Wingdings" panose="05000000000000000000" pitchFamily="2" charset="2"/>
+              </a:rPr>
+              <a:t>s</a:t>
+            </a:r>
+            <a:r>
+              <a:rPr lang="en-US" sz="2000" dirty="0">
+                <a:solidFill>
+                  <a:srgbClr val="66FFFF"/>
+                </a:solidFill>
+                <a:sym typeface="Wingdings" panose="05000000000000000000" pitchFamily="2" charset="2"/>
+              </a:rPr>
+              <a:t>)</a:t>
+            </a:r>
+            <a:endParaRPr lang="en-US" sz="2000" dirty="0">
+              <a:solidFill>
+                <a:srgbClr val="66FFFF"/>
+              </a:solidFill>
+            </a:endParaRPr>
+          </a:p>
+          <a:p>
+            <a:pPr marL="0" indent="0" algn="ctr">
+              <a:buNone/>
+            </a:pPr>
+            <a:r>
+              <a:rPr lang="en-US" sz="1800" i="1" dirty="0">
+                <a:sym typeface="Wingdings" panose="05000000000000000000" pitchFamily="2" charset="2"/>
+              </a:rPr>
+              <a:t>This is a crystallization of a double salt</a:t>
+            </a:r>
+            <a:endParaRPr lang="en-US" sz="1800" i="1" dirty="0"/>
           </a:p>
           <a:p>
             <a:pPr marL="0" indent="0">
               <a:buNone/>
+              <a:tabLst>
+                <a:tab pos="3432175" algn="l"/>
+              </a:tabLst>
             </a:pPr>
-            <a:endParaRPr lang="en-US" sz="2000" dirty="0"/>
+            <a:r>
+              <a:rPr lang="en-US" sz="2000" dirty="0">
+                <a:solidFill>
+                  <a:srgbClr val="00FF00"/>
+                </a:solidFill>
+              </a:rPr>
+              <a:t>2 Al (</a:t>
+            </a:r>
+            <a:r>
+              <a:rPr lang="en-US" sz="2000" i="1" dirty="0">
+                <a:solidFill>
+                  <a:srgbClr val="00FF00"/>
+                </a:solidFill>
+              </a:rPr>
+              <a:t>s</a:t>
+            </a:r>
+            <a:r>
+              <a:rPr lang="en-US" sz="2000" dirty="0">
+                <a:solidFill>
+                  <a:srgbClr val="00FF00"/>
+                </a:solidFill>
+              </a:rPr>
+              <a:t>) + 2 KOH (</a:t>
+            </a:r>
+            <a:r>
+              <a:rPr lang="en-US" sz="2000" i="1" dirty="0" err="1">
+                <a:solidFill>
+                  <a:srgbClr val="00FF00"/>
+                </a:solidFill>
+              </a:rPr>
+              <a:t>aq</a:t>
+            </a:r>
+            <a:r>
+              <a:rPr lang="en-US" sz="2000" dirty="0">
+                <a:solidFill>
+                  <a:srgbClr val="00FF00"/>
+                </a:solidFill>
+              </a:rPr>
+              <a:t>) + 4 H</a:t>
+            </a:r>
+            <a:r>
+              <a:rPr lang="en-US" sz="2000" baseline="-25000" dirty="0">
+                <a:solidFill>
+                  <a:srgbClr val="00FF00"/>
+                </a:solidFill>
+              </a:rPr>
+              <a:t>2</a:t>
+            </a:r>
+            <a:r>
+              <a:rPr lang="en-US" sz="2000" dirty="0">
+                <a:solidFill>
+                  <a:srgbClr val="00FF00"/>
+                </a:solidFill>
+              </a:rPr>
+              <a:t>SO</a:t>
+            </a:r>
+            <a:r>
+              <a:rPr lang="en-US" sz="2000" baseline="-25000" dirty="0">
+                <a:solidFill>
+                  <a:srgbClr val="00FF00"/>
+                </a:solidFill>
+              </a:rPr>
+              <a:t>4</a:t>
+            </a:r>
+            <a:r>
+              <a:rPr lang="en-US" sz="2000" dirty="0">
+                <a:solidFill>
+                  <a:srgbClr val="00FF00"/>
+                </a:solidFill>
+              </a:rPr>
+              <a:t> (</a:t>
+            </a:r>
+            <a:r>
+              <a:rPr lang="en-US" sz="2000" i="1" dirty="0" err="1">
+                <a:solidFill>
+                  <a:srgbClr val="00FF00"/>
+                </a:solidFill>
+              </a:rPr>
+              <a:t>aq</a:t>
+            </a:r>
+            <a:r>
+              <a:rPr lang="en-US" sz="2000" dirty="0">
+                <a:solidFill>
+                  <a:srgbClr val="00FF00"/>
+                </a:solidFill>
+              </a:rPr>
+              <a:t>) + 22 H</a:t>
+            </a:r>
+            <a:r>
+              <a:rPr lang="en-US" sz="2000" baseline="-25000" dirty="0">
+                <a:solidFill>
+                  <a:srgbClr val="00FF00"/>
+                </a:solidFill>
+              </a:rPr>
+              <a:t>2</a:t>
+            </a:r>
+            <a:r>
+              <a:rPr lang="en-US" sz="2000" dirty="0">
+                <a:solidFill>
+                  <a:srgbClr val="00FF00"/>
+                </a:solidFill>
+              </a:rPr>
+              <a:t>O (</a:t>
+            </a:r>
+            <a:r>
+              <a:rPr lang="en-US" sz="2000" i="1" dirty="0">
+                <a:solidFill>
+                  <a:srgbClr val="00FF00"/>
+                </a:solidFill>
+              </a:rPr>
+              <a:t>l</a:t>
+            </a:r>
+            <a:r>
+              <a:rPr lang="en-US" sz="2000" dirty="0">
+                <a:solidFill>
+                  <a:srgbClr val="00FF00"/>
+                </a:solidFill>
+              </a:rPr>
+              <a:t>) </a:t>
+            </a:r>
+            <a:r>
+              <a:rPr lang="en-US" sz="2000" dirty="0">
+                <a:solidFill>
+                  <a:srgbClr val="00FF00"/>
+                </a:solidFill>
+                <a:sym typeface="Wingdings" panose="05000000000000000000" pitchFamily="2" charset="2"/>
+              </a:rPr>
+              <a:t></a:t>
+            </a:r>
+            <a:br>
+              <a:rPr lang="en-US" sz="2000" dirty="0">
+                <a:solidFill>
+                  <a:srgbClr val="00FF00"/>
+                </a:solidFill>
+                <a:sym typeface="Wingdings" panose="05000000000000000000" pitchFamily="2" charset="2"/>
+              </a:rPr>
+            </a:br>
+            <a:r>
+              <a:rPr lang="en-US" sz="2000" dirty="0">
+                <a:solidFill>
+                  <a:srgbClr val="00FF00"/>
+                </a:solidFill>
+                <a:sym typeface="Wingdings" panose="05000000000000000000" pitchFamily="2" charset="2"/>
+              </a:rPr>
+              <a:t>	2 </a:t>
+            </a:r>
+            <a:r>
+              <a:rPr lang="en-US" sz="2000" dirty="0" err="1">
+                <a:solidFill>
+                  <a:srgbClr val="00FF00"/>
+                </a:solidFill>
+                <a:sym typeface="Wingdings" panose="05000000000000000000" pitchFamily="2" charset="2"/>
+              </a:rPr>
+              <a:t>KAl</a:t>
+            </a:r>
+            <a:r>
+              <a:rPr lang="en-US" sz="2000" dirty="0">
+                <a:solidFill>
+                  <a:srgbClr val="00FF00"/>
+                </a:solidFill>
+                <a:sym typeface="Wingdings" panose="05000000000000000000" pitchFamily="2" charset="2"/>
+              </a:rPr>
+              <a:t>(SO</a:t>
+            </a:r>
+            <a:r>
+              <a:rPr lang="en-US" sz="2000" baseline="-25000" dirty="0">
+                <a:solidFill>
+                  <a:srgbClr val="00FF00"/>
+                </a:solidFill>
+                <a:sym typeface="Wingdings" panose="05000000000000000000" pitchFamily="2" charset="2"/>
+              </a:rPr>
+              <a:t>4</a:t>
+            </a:r>
+            <a:r>
+              <a:rPr lang="en-US" sz="2000" dirty="0">
+                <a:solidFill>
+                  <a:srgbClr val="00FF00"/>
+                </a:solidFill>
+                <a:sym typeface="Wingdings" panose="05000000000000000000" pitchFamily="2" charset="2"/>
+              </a:rPr>
+              <a:t>)</a:t>
+            </a:r>
+            <a:r>
+              <a:rPr lang="en-US" sz="2000" baseline="-25000" dirty="0">
+                <a:solidFill>
+                  <a:srgbClr val="00FF00"/>
+                </a:solidFill>
+                <a:sym typeface="Wingdings" panose="05000000000000000000" pitchFamily="2" charset="2"/>
+              </a:rPr>
+              <a:t>2</a:t>
+            </a:r>
+            <a:r>
+              <a:rPr lang="en-US" sz="2000" dirty="0">
+                <a:solidFill>
+                  <a:srgbClr val="00FF00"/>
+                </a:solidFill>
+                <a:sym typeface="Wingdings" panose="05000000000000000000" pitchFamily="2" charset="2"/>
+              </a:rPr>
+              <a:t> • 12 H</a:t>
+            </a:r>
+            <a:r>
+              <a:rPr lang="en-US" sz="2000" baseline="-25000" dirty="0">
+                <a:solidFill>
+                  <a:srgbClr val="00FF00"/>
+                </a:solidFill>
+                <a:sym typeface="Wingdings" panose="05000000000000000000" pitchFamily="2" charset="2"/>
+              </a:rPr>
+              <a:t>2</a:t>
+            </a:r>
+            <a:r>
+              <a:rPr lang="en-US" sz="2000" dirty="0">
+                <a:solidFill>
+                  <a:srgbClr val="00FF00"/>
+                </a:solidFill>
+                <a:sym typeface="Wingdings" panose="05000000000000000000" pitchFamily="2" charset="2"/>
+              </a:rPr>
+              <a:t>O (</a:t>
+            </a:r>
+            <a:r>
+              <a:rPr lang="en-US" sz="2000" i="1" dirty="0">
+                <a:solidFill>
+                  <a:srgbClr val="00FF00"/>
+                </a:solidFill>
+                <a:sym typeface="Wingdings" panose="05000000000000000000" pitchFamily="2" charset="2"/>
+              </a:rPr>
+              <a:t>s</a:t>
+            </a:r>
+            <a:r>
+              <a:rPr lang="en-US" sz="2000" dirty="0">
+                <a:solidFill>
+                  <a:srgbClr val="00FF00"/>
+                </a:solidFill>
+                <a:sym typeface="Wingdings" panose="05000000000000000000" pitchFamily="2" charset="2"/>
+              </a:rPr>
+              <a:t>) + 3 H</a:t>
+            </a:r>
+            <a:r>
+              <a:rPr lang="en-US" sz="2000" baseline="-25000" dirty="0">
+                <a:solidFill>
+                  <a:srgbClr val="00FF00"/>
+                </a:solidFill>
+                <a:sym typeface="Wingdings" panose="05000000000000000000" pitchFamily="2" charset="2"/>
+              </a:rPr>
+              <a:t>2</a:t>
+            </a:r>
+            <a:r>
+              <a:rPr lang="en-US" sz="2000" dirty="0">
+                <a:solidFill>
+                  <a:srgbClr val="00FF00"/>
+                </a:solidFill>
+                <a:sym typeface="Wingdings" panose="05000000000000000000" pitchFamily="2" charset="2"/>
+              </a:rPr>
+              <a:t> (</a:t>
+            </a:r>
+            <a:r>
+              <a:rPr lang="en-US" sz="2000" i="1" dirty="0">
+                <a:solidFill>
+                  <a:srgbClr val="00FF00"/>
+                </a:solidFill>
+                <a:sym typeface="Wingdings" panose="05000000000000000000" pitchFamily="2" charset="2"/>
+              </a:rPr>
+              <a:t>g</a:t>
+            </a:r>
+            <a:r>
+              <a:rPr lang="en-US" sz="2000" dirty="0">
+                <a:solidFill>
+                  <a:srgbClr val="00FF00"/>
+                </a:solidFill>
+                <a:sym typeface="Wingdings" panose="05000000000000000000" pitchFamily="2" charset="2"/>
+              </a:rPr>
+              <a:t>)</a:t>
+            </a:r>
+          </a:p>
+          <a:p>
+            <a:pPr marL="0" indent="0" algn="ctr">
+              <a:buNone/>
+              <a:tabLst>
+                <a:tab pos="3432175" algn="l"/>
+              </a:tabLst>
+            </a:pPr>
+            <a:r>
+              <a:rPr lang="en-US" sz="1800" i="1" dirty="0">
+                <a:sym typeface="Wingdings" panose="05000000000000000000" pitchFamily="2" charset="2"/>
+              </a:rPr>
+              <a:t>This is the net reaction by combining all steps</a:t>
+            </a:r>
+            <a:endParaRPr lang="en-US" sz="1800" i="1" dirty="0"/>
           </a:p>
           <a:p>
             <a:pPr marL="0" indent="0">
               <a:buNone/>
+              <a:tabLst>
+                <a:tab pos="3432175" algn="l"/>
+              </a:tabLst>
             </a:pPr>
-            <a:r>
-              <a:rPr lang="en-US" sz="2000" dirty="0"/>
-              <a:t>This principle is connected with the Law of the Conservation of Mass and also Dalton’s Atomic Theory concerning how the atoms of elements are never destroyed or created, but just rearranged in chemical reactions forming new compounds.</a:t>
-            </a:r>
+            <a:endParaRPr lang="en-US" sz="2000" dirty="0">
+              <a:solidFill>
+                <a:srgbClr val="00FF00"/>
+              </a:solidFill>
+            </a:endParaRPr>
           </a:p>
         </p:txBody>
       </p:sp>
@@ -12110,7 +13140,7 @@
         <p:cNvPr id="1" name="">
           <a:extLst>
             <a:ext uri="{FF2B5EF4-FFF2-40B4-BE49-F238E27FC236}">
-              <a16:creationId xmlns:a16="http://schemas.microsoft.com/office/drawing/2014/main" id="{3DAB1E55-1723-E0EE-7EFD-D02607EA16A9}"/>
+              <a16:creationId xmlns:a16="http://schemas.microsoft.com/office/drawing/2014/main" id="{1BA30495-D935-FC4B-298C-778679B96E35}"/>
             </a:ext>
           </a:extLst>
         </p:cNvPr>
@@ -12130,7 +13160,7 @@
           <p:cNvPr id="2" name="Title 1">
             <a:extLst>
               <a:ext uri="{FF2B5EF4-FFF2-40B4-BE49-F238E27FC236}">
-                <a16:creationId xmlns:a16="http://schemas.microsoft.com/office/drawing/2014/main" id="{D903C2D8-8186-46AC-8E06-7D4D7AEDE47B}"/>
+                <a16:creationId xmlns:a16="http://schemas.microsoft.com/office/drawing/2014/main" id="{57598413-3661-1176-CB1E-96C71252940D}"/>
               </a:ext>
             </a:extLst>
           </p:cNvPr>
@@ -12141,14 +13171,19 @@
             <p:ph type="title"/>
           </p:nvPr>
         </p:nvSpPr>
-        <p:spPr/>
+        <p:spPr>
+          <a:xfrm>
+            <a:off x="361244" y="187156"/>
+            <a:ext cx="8421512" cy="830997"/>
+          </a:xfrm>
+        </p:spPr>
         <p:txBody>
           <a:bodyPr/>
           <a:lstStyle/>
           <a:p>
             <a:r>
               <a:rPr lang="en-US" dirty="0"/>
-              <a:t>Limiting &amp; Excess Reagents</a:t>
+              <a:t>Background</a:t>
             </a:r>
           </a:p>
         </p:txBody>
@@ -12158,7 +13193,7 @@
           <p:cNvPr id="3" name="Content Placeholder 2">
             <a:extLst>
               <a:ext uri="{FF2B5EF4-FFF2-40B4-BE49-F238E27FC236}">
-                <a16:creationId xmlns:a16="http://schemas.microsoft.com/office/drawing/2014/main" id="{CFC3C184-A6E1-15DB-1130-302523D67542}"/>
+                <a16:creationId xmlns:a16="http://schemas.microsoft.com/office/drawing/2014/main" id="{97B04F6C-99DD-3F76-E40F-99EAB118314B}"/>
               </a:ext>
             </a:extLst>
           </p:cNvPr>
@@ -12169,75 +13204,45 @@
             <p:ph idx="1"/>
           </p:nvPr>
         </p:nvSpPr>
-        <p:spPr/>
+        <p:spPr>
+          <a:xfrm>
+            <a:off x="362259" y="1109610"/>
+            <a:ext cx="8387645" cy="5437946"/>
+          </a:xfrm>
+        </p:spPr>
         <p:txBody>
           <a:bodyPr/>
           <a:lstStyle/>
           <a:p>
             <a:r>
               <a:rPr lang="en-US" dirty="0"/>
-              <a:t>You will learn a very useful concept in chemistry, which is that of the </a:t>
-            </a:r>
-            <a:r>
-              <a:rPr lang="en-US" dirty="0">
-                <a:solidFill>
-                  <a:srgbClr val="00FF00"/>
-                </a:solidFill>
-              </a:rPr>
-              <a:t>limiting</a:t>
-            </a:r>
+              <a:t>In these reactions, the product of one step is carried over as a reactant in the succeeding step</a:t>
+            </a:r>
+          </a:p>
+          <a:p>
             <a:r>
               <a:rPr lang="en-US" dirty="0"/>
-              <a:t> and </a:t>
-            </a:r>
-            <a:r>
-              <a:rPr lang="en-US" dirty="0">
-                <a:solidFill>
-                  <a:srgbClr val="00FF00"/>
-                </a:solidFill>
-              </a:rPr>
-              <a:t>excess</a:t>
-            </a:r>
+              <a:t>Many reaction types are involved, from a gas-evolving step to a precipitation to an acid-base neutralization and then to a crystallization of a double salt</a:t>
+            </a:r>
+          </a:p>
+          <a:p>
             <a:r>
               <a:rPr lang="en-US" dirty="0"/>
-              <a:t> </a:t>
-            </a:r>
-            <a:r>
-              <a:rPr lang="en-US" dirty="0">
-                <a:solidFill>
-                  <a:srgbClr val="00FF00"/>
-                </a:solidFill>
-              </a:rPr>
-              <a:t>reagents</a:t>
+              <a:t>A double salt is where a compound involves a combination or mixture of two metal cations, in this case potassium (K) and aluminum (Al) both countered with a sulfate anion (SO</a:t>
+            </a:r>
+            <a:r>
+              <a:rPr lang="en-US" baseline="-25000" dirty="0"/>
+              <a:t>4</a:t>
             </a:r>
             <a:r>
               <a:rPr lang="en-US" dirty="0"/>
-              <a:t>.</a:t>
+              <a:t>)</a:t>
             </a:r>
           </a:p>
           <a:p>
             <a:r>
               <a:rPr lang="en-US" dirty="0"/>
-              <a:t>In this experiment, the copper solid mass will be the limiting reagent, and sulfur will be the excess reagent.</a:t>
-            </a:r>
-          </a:p>
-          <a:p>
-            <a:r>
-              <a:rPr lang="en-US" dirty="0"/>
-              <a:t>This means we want ALL the copper mass to completely react with an excess amount of sulfur</a:t>
-            </a:r>
-          </a:p>
-          <a:p>
-            <a:pPr marL="0" indent="0">
-              <a:buNone/>
-            </a:pPr>
-            <a:r>
-              <a:rPr lang="en-US" i="1" dirty="0">
-                <a:solidFill>
-                  <a:srgbClr val="FFC000"/>
-                </a:solidFill>
-              </a:rPr>
-              <a:t>So how do we know if all the copper will react?</a:t>
+              <a:t>There are many steps to pay careful attention to their execution</a:t>
             </a:r>
           </a:p>
           <a:p>
@@ -12248,7 +13253,7 @@
     </p:spTree>
     <p:extLst>
       <p:ext uri="{BB962C8B-B14F-4D97-AF65-F5344CB8AC3E}">
-        <p14:creationId xmlns:p14="http://schemas.microsoft.com/office/powerpoint/2010/main" val="3100576228"/>
+        <p14:creationId xmlns:p14="http://schemas.microsoft.com/office/powerpoint/2010/main" val="2091819324"/>
       </p:ext>
     </p:extLst>
   </p:cSld>
@@ -12266,7 +13271,7 @@
         <p:cNvPr id="1" name="">
           <a:extLst>
             <a:ext uri="{FF2B5EF4-FFF2-40B4-BE49-F238E27FC236}">
-              <a16:creationId xmlns:a16="http://schemas.microsoft.com/office/drawing/2014/main" id="{89602FE4-97AA-B2E9-42B8-03DB9375250E}"/>
+              <a16:creationId xmlns:a16="http://schemas.microsoft.com/office/drawing/2014/main" id="{7F3E249D-996C-45BB-DEB5-FC203DFE663A}"/>
             </a:ext>
           </a:extLst>
         </p:cNvPr>
@@ -12286,7 +13291,7 @@
           <p:cNvPr id="2" name="Title 1">
             <a:extLst>
               <a:ext uri="{FF2B5EF4-FFF2-40B4-BE49-F238E27FC236}">
-                <a16:creationId xmlns:a16="http://schemas.microsoft.com/office/drawing/2014/main" id="{35B0DC03-7F7A-43A0-5F01-C7DF8C705AF5}"/>
+                <a16:creationId xmlns:a16="http://schemas.microsoft.com/office/drawing/2014/main" id="{8742FEC5-0BFA-0157-5F44-C47987652594}"/>
               </a:ext>
             </a:extLst>
           </p:cNvPr>
@@ -12297,14 +13302,19 @@
             <p:ph type="title"/>
           </p:nvPr>
         </p:nvSpPr>
-        <p:spPr/>
+        <p:spPr>
+          <a:xfrm>
+            <a:off x="361244" y="187156"/>
+            <a:ext cx="8421512" cy="830997"/>
+          </a:xfrm>
+        </p:spPr>
         <p:txBody>
           <a:bodyPr/>
           <a:lstStyle/>
           <a:p>
             <a:r>
               <a:rPr lang="en-US" dirty="0"/>
-              <a:t>Experiment Planning</a:t>
+              <a:t>Reproducibility</a:t>
             </a:r>
           </a:p>
         </p:txBody>
@@ -12314,7 +13324,7 @@
           <p:cNvPr id="3" name="Content Placeholder 2">
             <a:extLst>
               <a:ext uri="{FF2B5EF4-FFF2-40B4-BE49-F238E27FC236}">
-                <a16:creationId xmlns:a16="http://schemas.microsoft.com/office/drawing/2014/main" id="{9B5A638F-692D-18DA-EAD0-6DAF5A23002A}"/>
+                <a16:creationId xmlns:a16="http://schemas.microsoft.com/office/drawing/2014/main" id="{90A9DFBB-4022-85EB-4492-BA54519DECCE}"/>
               </a:ext>
             </a:extLst>
           </p:cNvPr>
@@ -12325,94 +13335,42 @@
             <p:ph idx="1"/>
           </p:nvPr>
         </p:nvSpPr>
-        <p:spPr/>
+        <p:spPr>
+          <a:xfrm>
+            <a:off x="362259" y="1109610"/>
+            <a:ext cx="8387645" cy="5437946"/>
+          </a:xfrm>
+        </p:spPr>
         <p:txBody>
           <a:bodyPr/>
           <a:lstStyle/>
           <a:p>
             <a:r>
               <a:rPr lang="en-US" dirty="0"/>
-              <a:t>Our lab manual says we should have from 2-4 g sulfur used in the reaction. Let’s assume we are at 2 g sulfur: what is the maximum amount of copper mass we should have for it to completely react with the sulfur we use?</a:t>
+              <a:t>Instruments of all kinds do not always give a true reading just one time in use</a:t>
             </a:r>
           </a:p>
           <a:p>
             <a:r>
               <a:rPr lang="en-US" dirty="0"/>
-              <a:t>First we to see the chemical reaction that is happening</a:t>
-            </a:r>
-          </a:p>
-          <a:p>
-            <a:pPr marL="0" indent="0" algn="ctr">
-              <a:buNone/>
-            </a:pPr>
-            <a:r>
-              <a:rPr lang="en-US" dirty="0">
-                <a:solidFill>
-                  <a:schemeClr val="accent1">
-                    <a:lumMod val="60000"/>
-                    <a:lumOff val="40000"/>
-                  </a:schemeClr>
-                </a:solidFill>
-              </a:rPr>
-              <a:t>2 Cu (s) + S (s) </a:t>
-            </a:r>
-            <a:r>
-              <a:rPr lang="en-US" dirty="0">
-                <a:solidFill>
-                  <a:schemeClr val="accent1">
-                    <a:lumMod val="60000"/>
-                    <a:lumOff val="40000"/>
-                  </a:schemeClr>
-                </a:solidFill>
-                <a:sym typeface="Wingdings" panose="05000000000000000000" pitchFamily="2" charset="2"/>
-              </a:rPr>
-              <a:t> Cu</a:t>
-            </a:r>
-            <a:r>
-              <a:rPr lang="en-US" baseline="-25000" dirty="0">
-                <a:solidFill>
-                  <a:schemeClr val="accent1">
-                    <a:lumMod val="60000"/>
-                    <a:lumOff val="40000"/>
-                  </a:schemeClr>
-                </a:solidFill>
-                <a:sym typeface="Wingdings" panose="05000000000000000000" pitchFamily="2" charset="2"/>
-              </a:rPr>
-              <a:t>2</a:t>
-            </a:r>
-            <a:r>
-              <a:rPr lang="en-US" dirty="0">
-                <a:solidFill>
-                  <a:schemeClr val="accent1">
-                    <a:lumMod val="60000"/>
-                    <a:lumOff val="40000"/>
-                  </a:schemeClr>
-                </a:solidFill>
-                <a:sym typeface="Wingdings" panose="05000000000000000000" pitchFamily="2" charset="2"/>
-              </a:rPr>
-              <a:t>S (s)</a:t>
-            </a:r>
-            <a:endParaRPr lang="en-US" dirty="0">
-              <a:solidFill>
-                <a:schemeClr val="accent1">
-                  <a:lumMod val="60000"/>
-                  <a:lumOff val="40000"/>
-                </a:schemeClr>
-              </a:solidFill>
-            </a:endParaRPr>
+              <a:t>Careful scientists will often want to get a mass on a balance not just once, but even THREE times to ensure reproducibility</a:t>
+            </a:r>
           </a:p>
           <a:p>
             <a:r>
               <a:rPr lang="en-US" dirty="0"/>
-              <a:t>You should know how to write &amp; BALANCE this reaction because you should know that copper sulfide is copper (I) sulfide. Note how mass is balanced</a:t>
-            </a:r>
+              <a:t>I show on the </a:t>
+            </a:r>
+          </a:p>
+          <a:p>
+            <a:endParaRPr lang="en-US" dirty="0"/>
           </a:p>
         </p:txBody>
       </p:sp>
     </p:spTree>
     <p:extLst>
       <p:ext uri="{BB962C8B-B14F-4D97-AF65-F5344CB8AC3E}">
-        <p14:creationId xmlns:p14="http://schemas.microsoft.com/office/powerpoint/2010/main" val="1309167304"/>
+        <p14:creationId xmlns:p14="http://schemas.microsoft.com/office/powerpoint/2010/main" val="2233815563"/>
       </p:ext>
     </p:extLst>
   </p:cSld>
@@ -12423,671 +13381,6 @@
 </file>
 
 <file path=ppt/slides/slide6.xml><?xml version="1.0" encoding="utf-8"?>
-<p:sld xmlns:a="http://schemas.openxmlformats.org/drawingml/2006/main" xmlns:r="http://schemas.openxmlformats.org/officeDocument/2006/relationships" xmlns:p="http://schemas.openxmlformats.org/presentationml/2006/main">
-  <p:cSld>
-    <p:spTree>
-      <p:nvGrpSpPr>
-        <p:cNvPr id="1" name="">
-          <a:extLst>
-            <a:ext uri="{FF2B5EF4-FFF2-40B4-BE49-F238E27FC236}">
-              <a16:creationId xmlns:a16="http://schemas.microsoft.com/office/drawing/2014/main" id="{A0B314F5-A532-75E0-4452-699E381E2923}"/>
-            </a:ext>
-          </a:extLst>
-        </p:cNvPr>
-        <p:cNvGrpSpPr/>
-        <p:nvPr/>
-      </p:nvGrpSpPr>
-      <p:grpSpPr>
-        <a:xfrm>
-          <a:off x="0" y="0"/>
-          <a:ext cx="0" cy="0"/>
-          <a:chOff x="0" y="0"/>
-          <a:chExt cx="0" cy="0"/>
-        </a:xfrm>
-      </p:grpSpPr>
-      <p:sp>
-        <p:nvSpPr>
-          <p:cNvPr id="2" name="Title 1">
-            <a:extLst>
-              <a:ext uri="{FF2B5EF4-FFF2-40B4-BE49-F238E27FC236}">
-                <a16:creationId xmlns:a16="http://schemas.microsoft.com/office/drawing/2014/main" id="{7B67D3B4-D5D4-23E8-8C4C-0BC5FF420E12}"/>
-              </a:ext>
-            </a:extLst>
-          </p:cNvPr>
-          <p:cNvSpPr>
-            <a:spLocks noGrp="1"/>
-          </p:cNvSpPr>
-          <p:nvPr>
-            <p:ph type="title"/>
-          </p:nvPr>
-        </p:nvSpPr>
-        <p:spPr/>
-        <p:txBody>
-          <a:bodyPr/>
-          <a:lstStyle/>
-          <a:p>
-            <a:r>
-              <a:rPr lang="en-US" dirty="0"/>
-              <a:t>Experiment Planning</a:t>
-            </a:r>
-          </a:p>
-        </p:txBody>
-      </p:sp>
-      <mc:AlternateContent xmlns:mc="http://schemas.openxmlformats.org/markup-compatibility/2006" xmlns:a14="http://schemas.microsoft.com/office/drawing/2010/main">
-        <mc:Choice Requires="a14">
-          <p:sp>
-            <p:nvSpPr>
-              <p:cNvPr id="3" name="Content Placeholder 2">
-                <a:extLst>
-                  <a:ext uri="{FF2B5EF4-FFF2-40B4-BE49-F238E27FC236}">
-                    <a16:creationId xmlns:a16="http://schemas.microsoft.com/office/drawing/2014/main" id="{10F096D7-7F9F-3A76-824B-79A56486284F}"/>
-                  </a:ext>
-                </a:extLst>
-              </p:cNvPr>
-              <p:cNvSpPr>
-                <a:spLocks noGrp="1"/>
-              </p:cNvSpPr>
-              <p:nvPr>
-                <p:ph idx="1"/>
-              </p:nvPr>
-            </p:nvSpPr>
-            <p:spPr/>
-            <p:txBody>
-              <a:bodyPr/>
-              <a:lstStyle/>
-              <a:p>
-                <a:r>
-                  <a:rPr lang="en-US" dirty="0"/>
-                  <a:t>The next step is to know the molar mass of the reactants and the product</a:t>
-                </a:r>
-              </a:p>
-              <a:p>
-                <a:pPr lvl="1"/>
-                <a:r>
-                  <a:rPr lang="en-US" sz="2200" dirty="0">
-                    <a:solidFill>
-                      <a:srgbClr val="FFC000"/>
-                    </a:solidFill>
-                  </a:rPr>
-                  <a:t>Copper</a:t>
-                </a:r>
-                <a:r>
-                  <a:rPr lang="en-US" sz="2200" dirty="0"/>
-                  <a:t>: </a:t>
-                </a:r>
-                <a:r>
-                  <a:rPr lang="en-US" sz="2200" dirty="0">
-                    <a:solidFill>
-                      <a:schemeClr val="accent1">
-                        <a:lumMod val="60000"/>
-                        <a:lumOff val="40000"/>
-                      </a:schemeClr>
-                    </a:solidFill>
-                  </a:rPr>
-                  <a:t>63.546 g/mol</a:t>
-                </a:r>
-              </a:p>
-              <a:p>
-                <a:pPr lvl="1"/>
-                <a:r>
-                  <a:rPr lang="en-US" sz="2200" dirty="0">
-                    <a:solidFill>
-                      <a:srgbClr val="FFC000"/>
-                    </a:solidFill>
-                  </a:rPr>
-                  <a:t>Sulfur</a:t>
-                </a:r>
-                <a:r>
-                  <a:rPr lang="en-US" sz="2200" dirty="0"/>
-                  <a:t>: </a:t>
-                </a:r>
-                <a:r>
-                  <a:rPr lang="en-US" sz="2200" dirty="0">
-                    <a:solidFill>
-                      <a:schemeClr val="accent1">
-                        <a:lumMod val="60000"/>
-                        <a:lumOff val="40000"/>
-                      </a:schemeClr>
-                    </a:solidFill>
-                  </a:rPr>
-                  <a:t>32.065 g/mol</a:t>
-                </a:r>
-              </a:p>
-              <a:p>
-                <a:pPr lvl="1"/>
-                <a:r>
-                  <a:rPr lang="en-US" sz="2200" dirty="0">
-                    <a:solidFill>
-                      <a:srgbClr val="FFC000"/>
-                    </a:solidFill>
-                  </a:rPr>
-                  <a:t>Copper</a:t>
-                </a:r>
-                <a:r>
-                  <a:rPr lang="en-US" sz="2200" dirty="0"/>
-                  <a:t> </a:t>
-                </a:r>
-                <a:r>
-                  <a:rPr lang="en-US" sz="2200" dirty="0">
-                    <a:solidFill>
-                      <a:srgbClr val="FFC000"/>
-                    </a:solidFill>
-                  </a:rPr>
-                  <a:t>(I) sulfide</a:t>
-                </a:r>
-                <a:r>
-                  <a:rPr lang="en-US" sz="2200" dirty="0"/>
-                  <a:t>: 2 × </a:t>
-                </a:r>
-                <a:r>
-                  <a:rPr lang="en-US" sz="2200" dirty="0">
-                    <a:solidFill>
-                      <a:srgbClr val="FFFF00"/>
-                    </a:solidFill>
-                  </a:rPr>
-                  <a:t>Cu</a:t>
-                </a:r>
-                <a:r>
-                  <a:rPr lang="en-US" sz="2200" dirty="0"/>
-                  <a:t> + </a:t>
-                </a:r>
-                <a:r>
-                  <a:rPr lang="en-US" sz="2200" dirty="0">
-                    <a:solidFill>
-                      <a:srgbClr val="FFFF00"/>
-                    </a:solidFill>
-                  </a:rPr>
-                  <a:t>S</a:t>
-                </a:r>
-                <a:r>
-                  <a:rPr lang="en-US" sz="2200" dirty="0"/>
-                  <a:t> = </a:t>
-                </a:r>
-                <a:r>
-                  <a:rPr lang="en-US" sz="2200" dirty="0">
-                    <a:solidFill>
-                      <a:schemeClr val="accent1">
-                        <a:lumMod val="60000"/>
-                        <a:lumOff val="40000"/>
-                      </a:schemeClr>
-                    </a:solidFill>
-                  </a:rPr>
-                  <a:t>159.16 g/mol</a:t>
-                </a:r>
-              </a:p>
-              <a:p>
-                <a:r>
-                  <a:rPr lang="en-US" sz="2200" dirty="0"/>
-                  <a:t>Two atoms of Cu will be used for every one atom of S</a:t>
-                </a:r>
-              </a:p>
-              <a:p>
-                <a:r>
-                  <a:rPr lang="en-US" sz="2200" dirty="0"/>
-                  <a:t>Two MOLES (mol) of Cu will be used for every one MOLE (mol) of S</a:t>
-                </a:r>
-              </a:p>
-              <a:p>
-                <a:r>
-                  <a:rPr lang="en-US" sz="2200" dirty="0"/>
-                  <a:t>You have 2.00 g S: how many g of Cu will it change?</a:t>
-                </a:r>
-              </a:p>
-              <a:p>
-                <a14:m>
-                  <m:oMath xmlns:m="http://schemas.openxmlformats.org/officeDocument/2006/math">
-                    <m:r>
-                      <a:rPr lang="en-US" sz="2200" b="0" i="1" smtClean="0">
-                        <a:latin typeface="Cambria Math" panose="02040503050406030204" pitchFamily="18" charset="0"/>
-                      </a:rPr>
-                      <m:t>2.00 </m:t>
-                    </m:r>
-                    <m:r>
-                      <m:rPr>
-                        <m:nor/>
-                      </m:rPr>
-                      <a:rPr lang="en-US" sz="2200" b="0" i="0" smtClean="0">
-                        <a:latin typeface="Cambria Math" panose="02040503050406030204" pitchFamily="18" charset="0"/>
-                      </a:rPr>
-                      <m:t>g</m:t>
-                    </m:r>
-                    <m:r>
-                      <m:rPr>
-                        <m:nor/>
-                      </m:rPr>
-                      <a:rPr lang="en-US" sz="2200" b="0" i="0" smtClean="0">
-                        <a:latin typeface="Cambria Math" panose="02040503050406030204" pitchFamily="18" charset="0"/>
-                      </a:rPr>
-                      <m:t> </m:t>
-                    </m:r>
-                    <m:r>
-                      <m:rPr>
-                        <m:nor/>
-                      </m:rPr>
-                      <a:rPr lang="en-US" sz="2200" b="0" i="0" smtClean="0">
-                        <a:latin typeface="Cambria Math" panose="02040503050406030204" pitchFamily="18" charset="0"/>
-                      </a:rPr>
-                      <m:t>S</m:t>
-                    </m:r>
-                    <m:r>
-                      <a:rPr lang="en-US" sz="2200" b="0" i="1" smtClean="0">
-                        <a:latin typeface="Cambria Math" panose="02040503050406030204" pitchFamily="18" charset="0"/>
-                        <a:ea typeface="Cambria Math" panose="02040503050406030204" pitchFamily="18" charset="0"/>
-                      </a:rPr>
-                      <m:t>×</m:t>
-                    </m:r>
-                    <m:f>
-                      <m:fPr>
-                        <m:ctrlPr>
-                          <a:rPr lang="en-US" sz="2200" b="0" i="1" smtClean="0">
-                            <a:latin typeface="Cambria Math" panose="02040503050406030204" pitchFamily="18" charset="0"/>
-                            <a:ea typeface="Cambria Math" panose="02040503050406030204" pitchFamily="18" charset="0"/>
-                          </a:rPr>
-                        </m:ctrlPr>
-                      </m:fPr>
-                      <m:num>
-                        <m:r>
-                          <m:rPr>
-                            <m:nor/>
-                          </m:rPr>
-                          <a:rPr lang="en-US" sz="2200" b="0" i="0" smtClean="0">
-                            <a:latin typeface="Cambria Math" panose="02040503050406030204" pitchFamily="18" charset="0"/>
-                            <a:ea typeface="Cambria Math" panose="02040503050406030204" pitchFamily="18" charset="0"/>
-                          </a:rPr>
-                          <m:t>1 </m:t>
-                        </m:r>
-                        <m:r>
-                          <m:rPr>
-                            <m:nor/>
-                          </m:rPr>
-                          <a:rPr lang="en-US" sz="2200" b="0" i="0" smtClean="0">
-                            <a:latin typeface="Cambria Math" panose="02040503050406030204" pitchFamily="18" charset="0"/>
-                            <a:ea typeface="Cambria Math" panose="02040503050406030204" pitchFamily="18" charset="0"/>
-                          </a:rPr>
-                          <m:t>mol</m:t>
-                        </m:r>
-                        <m:r>
-                          <m:rPr>
-                            <m:nor/>
-                          </m:rPr>
-                          <a:rPr lang="en-US" sz="2200" b="0" i="0" smtClean="0">
-                            <a:latin typeface="Cambria Math" panose="02040503050406030204" pitchFamily="18" charset="0"/>
-                            <a:ea typeface="Cambria Math" panose="02040503050406030204" pitchFamily="18" charset="0"/>
-                          </a:rPr>
-                          <m:t> </m:t>
-                        </m:r>
-                        <m:r>
-                          <m:rPr>
-                            <m:nor/>
-                          </m:rPr>
-                          <a:rPr lang="en-US" sz="2200" b="0" i="0" smtClean="0">
-                            <a:latin typeface="Cambria Math" panose="02040503050406030204" pitchFamily="18" charset="0"/>
-                            <a:ea typeface="Cambria Math" panose="02040503050406030204" pitchFamily="18" charset="0"/>
-                          </a:rPr>
-                          <m:t>S</m:t>
-                        </m:r>
-                      </m:num>
-                      <m:den>
-                        <m:r>
-                          <m:rPr>
-                            <m:nor/>
-                          </m:rPr>
-                          <a:rPr lang="en-US" sz="2200" b="0" i="0" smtClean="0">
-                            <a:latin typeface="Cambria Math" panose="02040503050406030204" pitchFamily="18" charset="0"/>
-                            <a:ea typeface="Cambria Math" panose="02040503050406030204" pitchFamily="18" charset="0"/>
-                          </a:rPr>
-                          <m:t>32.065 </m:t>
-                        </m:r>
-                        <m:r>
-                          <m:rPr>
-                            <m:nor/>
-                          </m:rPr>
-                          <a:rPr lang="en-US" sz="2200" b="0" i="0" smtClean="0">
-                            <a:latin typeface="Cambria Math" panose="02040503050406030204" pitchFamily="18" charset="0"/>
-                            <a:ea typeface="Cambria Math" panose="02040503050406030204" pitchFamily="18" charset="0"/>
-                          </a:rPr>
-                          <m:t>g</m:t>
-                        </m:r>
-                        <m:r>
-                          <m:rPr>
-                            <m:nor/>
-                          </m:rPr>
-                          <a:rPr lang="en-US" sz="2200" b="0" i="0" smtClean="0">
-                            <a:latin typeface="Cambria Math" panose="02040503050406030204" pitchFamily="18" charset="0"/>
-                            <a:ea typeface="Cambria Math" panose="02040503050406030204" pitchFamily="18" charset="0"/>
-                          </a:rPr>
-                          <m:t> </m:t>
-                        </m:r>
-                        <m:r>
-                          <m:rPr>
-                            <m:nor/>
-                          </m:rPr>
-                          <a:rPr lang="en-US" sz="2200" b="0" i="0" smtClean="0">
-                            <a:latin typeface="Cambria Math" panose="02040503050406030204" pitchFamily="18" charset="0"/>
-                            <a:ea typeface="Cambria Math" panose="02040503050406030204" pitchFamily="18" charset="0"/>
-                          </a:rPr>
-                          <m:t>S</m:t>
-                        </m:r>
-                      </m:den>
-                    </m:f>
-                    <m:r>
-                      <a:rPr lang="en-US" sz="2200" b="0" i="1" smtClean="0">
-                        <a:latin typeface="Cambria Math" panose="02040503050406030204" pitchFamily="18" charset="0"/>
-                        <a:ea typeface="Cambria Math" panose="02040503050406030204" pitchFamily="18" charset="0"/>
-                      </a:rPr>
-                      <m:t>×</m:t>
-                    </m:r>
-                    <m:f>
-                      <m:fPr>
-                        <m:ctrlPr>
-                          <a:rPr lang="en-US" sz="2200" b="0" i="1" smtClean="0">
-                            <a:latin typeface="Cambria Math" panose="02040503050406030204" pitchFamily="18" charset="0"/>
-                            <a:ea typeface="Cambria Math" panose="02040503050406030204" pitchFamily="18" charset="0"/>
-                          </a:rPr>
-                        </m:ctrlPr>
-                      </m:fPr>
-                      <m:num>
-                        <m:r>
-                          <m:rPr>
-                            <m:nor/>
-                          </m:rPr>
-                          <a:rPr lang="en-US" sz="2200" b="0" i="0" smtClean="0">
-                            <a:latin typeface="Cambria Math" panose="02040503050406030204" pitchFamily="18" charset="0"/>
-                            <a:ea typeface="Cambria Math" panose="02040503050406030204" pitchFamily="18" charset="0"/>
-                          </a:rPr>
-                          <m:t>2 </m:t>
-                        </m:r>
-                        <m:r>
-                          <m:rPr>
-                            <m:nor/>
-                          </m:rPr>
-                          <a:rPr lang="en-US" sz="2200" b="0" i="0" smtClean="0">
-                            <a:latin typeface="Cambria Math" panose="02040503050406030204" pitchFamily="18" charset="0"/>
-                            <a:ea typeface="Cambria Math" panose="02040503050406030204" pitchFamily="18" charset="0"/>
-                          </a:rPr>
-                          <m:t>mol</m:t>
-                        </m:r>
-                        <m:r>
-                          <m:rPr>
-                            <m:nor/>
-                          </m:rPr>
-                          <a:rPr lang="en-US" sz="2200" b="0" i="0" smtClean="0">
-                            <a:latin typeface="Cambria Math" panose="02040503050406030204" pitchFamily="18" charset="0"/>
-                            <a:ea typeface="Cambria Math" panose="02040503050406030204" pitchFamily="18" charset="0"/>
-                          </a:rPr>
-                          <m:t> </m:t>
-                        </m:r>
-                        <m:r>
-                          <m:rPr>
-                            <m:nor/>
-                          </m:rPr>
-                          <a:rPr lang="en-US" sz="2200" b="0" i="0" smtClean="0">
-                            <a:latin typeface="Cambria Math" panose="02040503050406030204" pitchFamily="18" charset="0"/>
-                            <a:ea typeface="Cambria Math" panose="02040503050406030204" pitchFamily="18" charset="0"/>
-                          </a:rPr>
-                          <m:t>Cu</m:t>
-                        </m:r>
-                      </m:num>
-                      <m:den>
-                        <m:r>
-                          <m:rPr>
-                            <m:nor/>
-                          </m:rPr>
-                          <a:rPr lang="en-US" sz="2200" b="0" i="0" smtClean="0">
-                            <a:latin typeface="Cambria Math" panose="02040503050406030204" pitchFamily="18" charset="0"/>
-                            <a:ea typeface="Cambria Math" panose="02040503050406030204" pitchFamily="18" charset="0"/>
-                          </a:rPr>
-                          <m:t>1 </m:t>
-                        </m:r>
-                        <m:r>
-                          <m:rPr>
-                            <m:nor/>
-                          </m:rPr>
-                          <a:rPr lang="en-US" sz="2200" b="0" i="0" smtClean="0">
-                            <a:latin typeface="Cambria Math" panose="02040503050406030204" pitchFamily="18" charset="0"/>
-                            <a:ea typeface="Cambria Math" panose="02040503050406030204" pitchFamily="18" charset="0"/>
-                          </a:rPr>
-                          <m:t>mol</m:t>
-                        </m:r>
-                        <m:r>
-                          <m:rPr>
-                            <m:nor/>
-                          </m:rPr>
-                          <a:rPr lang="en-US" sz="2200" b="0" i="0" smtClean="0">
-                            <a:latin typeface="Cambria Math" panose="02040503050406030204" pitchFamily="18" charset="0"/>
-                            <a:ea typeface="Cambria Math" panose="02040503050406030204" pitchFamily="18" charset="0"/>
-                          </a:rPr>
-                          <m:t> </m:t>
-                        </m:r>
-                        <m:r>
-                          <m:rPr>
-                            <m:nor/>
-                          </m:rPr>
-                          <a:rPr lang="en-US" sz="2200" b="0" i="0" smtClean="0">
-                            <a:latin typeface="Cambria Math" panose="02040503050406030204" pitchFamily="18" charset="0"/>
-                            <a:ea typeface="Cambria Math" panose="02040503050406030204" pitchFamily="18" charset="0"/>
-                          </a:rPr>
-                          <m:t>S</m:t>
-                        </m:r>
-                      </m:den>
-                    </m:f>
-                    <m:r>
-                      <m:rPr>
-                        <m:nor/>
-                      </m:rPr>
-                      <a:rPr lang="en-US" sz="2200" b="0" i="0" smtClean="0">
-                        <a:latin typeface="Cambria Math" panose="02040503050406030204" pitchFamily="18" charset="0"/>
-                        <a:ea typeface="Cambria Math" panose="02040503050406030204" pitchFamily="18" charset="0"/>
-                      </a:rPr>
-                      <m:t>×</m:t>
-                    </m:r>
-                    <m:f>
-                      <m:fPr>
-                        <m:ctrlPr>
-                          <a:rPr lang="en-US" sz="2200" b="0" i="1" smtClean="0">
-                            <a:latin typeface="Cambria Math" panose="02040503050406030204" pitchFamily="18" charset="0"/>
-                            <a:ea typeface="Cambria Math" panose="02040503050406030204" pitchFamily="18" charset="0"/>
-                          </a:rPr>
-                        </m:ctrlPr>
-                      </m:fPr>
-                      <m:num>
-                        <m:r>
-                          <m:rPr>
-                            <m:nor/>
-                          </m:rPr>
-                          <a:rPr lang="en-US" sz="2200" b="0" i="0" smtClean="0">
-                            <a:latin typeface="Cambria Math" panose="02040503050406030204" pitchFamily="18" charset="0"/>
-                            <a:ea typeface="Cambria Math" panose="02040503050406030204" pitchFamily="18" charset="0"/>
-                          </a:rPr>
-                          <m:t>63.546 </m:t>
-                        </m:r>
-                        <m:r>
-                          <m:rPr>
-                            <m:nor/>
-                          </m:rPr>
-                          <a:rPr lang="en-US" sz="2200" b="0" i="0" smtClean="0">
-                            <a:latin typeface="Cambria Math" panose="02040503050406030204" pitchFamily="18" charset="0"/>
-                            <a:ea typeface="Cambria Math" panose="02040503050406030204" pitchFamily="18" charset="0"/>
-                          </a:rPr>
-                          <m:t>g</m:t>
-                        </m:r>
-                        <m:r>
-                          <m:rPr>
-                            <m:nor/>
-                          </m:rPr>
-                          <a:rPr lang="en-US" sz="2200" b="0" i="0" smtClean="0">
-                            <a:latin typeface="Cambria Math" panose="02040503050406030204" pitchFamily="18" charset="0"/>
-                            <a:ea typeface="Cambria Math" panose="02040503050406030204" pitchFamily="18" charset="0"/>
-                          </a:rPr>
-                          <m:t> </m:t>
-                        </m:r>
-                        <m:r>
-                          <m:rPr>
-                            <m:nor/>
-                          </m:rPr>
-                          <a:rPr lang="en-US" sz="2200" b="0" i="0" smtClean="0">
-                            <a:latin typeface="Cambria Math" panose="02040503050406030204" pitchFamily="18" charset="0"/>
-                            <a:ea typeface="Cambria Math" panose="02040503050406030204" pitchFamily="18" charset="0"/>
-                          </a:rPr>
-                          <m:t>Cu</m:t>
-                        </m:r>
-                      </m:num>
-                      <m:den>
-                        <m:r>
-                          <m:rPr>
-                            <m:nor/>
-                          </m:rPr>
-                          <a:rPr lang="en-US" sz="2200" b="0" i="0" smtClean="0">
-                            <a:latin typeface="Cambria Math" panose="02040503050406030204" pitchFamily="18" charset="0"/>
-                            <a:ea typeface="Cambria Math" panose="02040503050406030204" pitchFamily="18" charset="0"/>
-                          </a:rPr>
-                          <m:t>1 </m:t>
-                        </m:r>
-                        <m:r>
-                          <m:rPr>
-                            <m:nor/>
-                          </m:rPr>
-                          <a:rPr lang="en-US" sz="2200" b="0" i="0" smtClean="0">
-                            <a:latin typeface="Cambria Math" panose="02040503050406030204" pitchFamily="18" charset="0"/>
-                            <a:ea typeface="Cambria Math" panose="02040503050406030204" pitchFamily="18" charset="0"/>
-                          </a:rPr>
-                          <m:t>mol</m:t>
-                        </m:r>
-                        <m:r>
-                          <m:rPr>
-                            <m:nor/>
-                          </m:rPr>
-                          <a:rPr lang="en-US" sz="2200" b="0" i="0" smtClean="0">
-                            <a:latin typeface="Cambria Math" panose="02040503050406030204" pitchFamily="18" charset="0"/>
-                            <a:ea typeface="Cambria Math" panose="02040503050406030204" pitchFamily="18" charset="0"/>
-                          </a:rPr>
-                          <m:t> </m:t>
-                        </m:r>
-                        <m:r>
-                          <m:rPr>
-                            <m:nor/>
-                          </m:rPr>
-                          <a:rPr lang="en-US" sz="2200" b="0" i="0" smtClean="0">
-                            <a:latin typeface="Cambria Math" panose="02040503050406030204" pitchFamily="18" charset="0"/>
-                            <a:ea typeface="Cambria Math" panose="02040503050406030204" pitchFamily="18" charset="0"/>
-                          </a:rPr>
-                          <m:t>Cu</m:t>
-                        </m:r>
-                      </m:den>
-                    </m:f>
-                    <m:r>
-                      <m:rPr>
-                        <m:nor/>
-                      </m:rPr>
-                      <a:rPr lang="en-US" sz="2200" b="0" i="0" smtClean="0">
-                        <a:latin typeface="Cambria Math" panose="02040503050406030204" pitchFamily="18" charset="0"/>
-                        <a:ea typeface="Cambria Math" panose="02040503050406030204" pitchFamily="18" charset="0"/>
-                      </a:rPr>
-                      <m:t>=</m:t>
-                    </m:r>
-                    <m:r>
-                      <m:rPr>
-                        <m:nor/>
-                      </m:rPr>
-                      <a:rPr lang="en-US" sz="2200" b="0" i="0" smtClean="0">
-                        <a:latin typeface="Cambria Math" panose="02040503050406030204" pitchFamily="18" charset="0"/>
-                      </a:rPr>
-                      <m:t> 7.93 </m:t>
-                    </m:r>
-                    <m:r>
-                      <m:rPr>
-                        <m:nor/>
-                      </m:rPr>
-                      <a:rPr lang="en-US" sz="2200" b="0" i="0" smtClean="0">
-                        <a:latin typeface="Cambria Math" panose="02040503050406030204" pitchFamily="18" charset="0"/>
-                      </a:rPr>
-                      <m:t>g</m:t>
-                    </m:r>
-                    <m:r>
-                      <m:rPr>
-                        <m:nor/>
-                      </m:rPr>
-                      <a:rPr lang="en-US" sz="2200" b="0" i="0" smtClean="0">
-                        <a:latin typeface="Cambria Math" panose="02040503050406030204" pitchFamily="18" charset="0"/>
-                      </a:rPr>
-                      <m:t> </m:t>
-                    </m:r>
-                    <m:r>
-                      <m:rPr>
-                        <m:nor/>
-                      </m:rPr>
-                      <a:rPr lang="en-US" sz="2200" b="0" i="0" smtClean="0">
-                        <a:latin typeface="Cambria Math" panose="02040503050406030204" pitchFamily="18" charset="0"/>
-                      </a:rPr>
-                      <m:t>Cu</m:t>
-                    </m:r>
-                  </m:oMath>
-                </a14:m>
-                <a:endParaRPr lang="en-US" sz="2200" dirty="0"/>
-              </a:p>
-              <a:p>
-                <a:r>
-                  <a:rPr lang="en-US" sz="2200" dirty="0"/>
-                  <a:t>If you consider you can weigh out up to 4.00 g S, then you could consume as much as ~16 g Cu</a:t>
-                </a:r>
-              </a:p>
-            </p:txBody>
-          </p:sp>
-        </mc:Choice>
-        <mc:Fallback xmlns="">
-          <p:sp>
-            <p:nvSpPr>
-              <p:cNvPr id="3" name="Content Placeholder 2">
-                <a:extLst>
-                  <a:ext uri="{FF2B5EF4-FFF2-40B4-BE49-F238E27FC236}">
-                    <a16:creationId xmlns:a16="http://schemas.microsoft.com/office/drawing/2014/main" id="{10F096D7-7F9F-3A76-824B-79A56486284F}"/>
-                  </a:ext>
-                </a:extLst>
-              </p:cNvPr>
-              <p:cNvSpPr>
-                <a:spLocks noGrp="1" noRot="1" noChangeAspect="1" noMove="1" noResize="1" noEditPoints="1" noAdjustHandles="1" noChangeArrowheads="1" noChangeShapeType="1" noTextEdit="1"/>
-              </p:cNvSpPr>
-              <p:nvPr>
-                <p:ph idx="1"/>
-              </p:nvPr>
-            </p:nvSpPr>
-            <p:spPr>
-              <a:blipFill>
-                <a:blip r:embed="rId2"/>
-                <a:stretch>
-                  <a:fillRect l="-1090" t="-936"/>
-                </a:stretch>
-              </a:blipFill>
-            </p:spPr>
-            <p:txBody>
-              <a:bodyPr/>
-              <a:lstStyle/>
-              <a:p>
-                <a:r>
-                  <a:rPr lang="en-US">
-                    <a:noFill/>
-                  </a:rPr>
-                  <a:t> </a:t>
-                </a:r>
-              </a:p>
-            </p:txBody>
-          </p:sp>
-        </mc:Fallback>
-      </mc:AlternateContent>
-    </p:spTree>
-    <p:extLst>
-      <p:ext uri="{BB962C8B-B14F-4D97-AF65-F5344CB8AC3E}">
-        <p14:creationId xmlns:p14="http://schemas.microsoft.com/office/powerpoint/2010/main" val="1120309110"/>
-      </p:ext>
-    </p:extLst>
-  </p:cSld>
-  <p:clrMapOvr>
-    <a:masterClrMapping/>
-  </p:clrMapOvr>
-</p:sld>
-</file>
-
-<file path=ppt/slides/slide7.xml><?xml version="1.0" encoding="utf-8"?>
 <p:sld xmlns:a="http://schemas.openxmlformats.org/drawingml/2006/main" xmlns:r="http://schemas.openxmlformats.org/officeDocument/2006/relationships" xmlns:p="http://schemas.openxmlformats.org/presentationml/2006/main">
   <p:cSld>
     <p:spTree>
@@ -13211,7 +13504,7 @@
 </p:sld>
 </file>
 
-<file path=ppt/slides/slide8.xml><?xml version="1.0" encoding="utf-8"?>
+<file path=ppt/slides/slide7.xml><?xml version="1.0" encoding="utf-8"?>
 <p:sld xmlns:a="http://schemas.openxmlformats.org/drawingml/2006/main" xmlns:r="http://schemas.openxmlformats.org/officeDocument/2006/relationships" xmlns:p="http://schemas.openxmlformats.org/presentationml/2006/main">
   <p:cSld>
     <p:spTree>
@@ -13293,26 +13586,13 @@
           <a:bodyPr/>
           <a:lstStyle/>
           <a:p>
-            <a:pPr marL="0" indent="0">
-              <a:buNone/>
-            </a:pPr>
-            <a:r>
-              <a:rPr lang="en-US" sz="2800" i="1" dirty="0">
-                <a:solidFill>
-                  <a:srgbClr val="00FF00"/>
-                </a:solidFill>
-              </a:rPr>
-              <a:t>Cleaning the Crucible</a:t>
-            </a:r>
-          </a:p>
-          <a:p>
             <a:pPr marL="457200" indent="-457200">
               <a:buFont typeface="+mj-lt"/>
               <a:buAutoNum type="arabicPeriod"/>
             </a:pPr>
             <a:r>
-              <a:rPr lang="en-US" sz="2800" dirty="0"/>
-              <a:t>If crucible dirty, use small steel wool piece to scrape out solids. Wipe with dry paper towel</a:t>
+              <a:rPr lang="en-US" dirty="0"/>
+              <a:t>Select a 150, 200, or 250 mL beaker and record its mass</a:t>
             </a:r>
           </a:p>
           <a:p>
@@ -13321,8 +13601,8 @@
               <a:buAutoNum type="arabicPeriod"/>
             </a:pPr>
             <a:r>
-              <a:rPr lang="en-US" sz="2800" dirty="0"/>
-              <a:t>Put crucible on stand and heat with blue-coned flame until slightly red hot</a:t>
+              <a:rPr lang="en-US" dirty="0"/>
+              <a:t>Tear about 0.4 g aluminum foil into small pieces and place in beaker</a:t>
             </a:r>
           </a:p>
           <a:p>
@@ -13331,8 +13611,18 @@
               <a:buAutoNum type="arabicPeriod"/>
             </a:pPr>
             <a:r>
-              <a:rPr lang="en-US" sz="2800" dirty="0"/>
-              <a:t>Use tongs to set crucible on wire mesh and let cool to room temperature (~5 minutes)</a:t>
+              <a:rPr lang="en-US" dirty="0"/>
+              <a:t>Record the mass of beaker with foil pieces</a:t>
+            </a:r>
+          </a:p>
+          <a:p>
+            <a:pPr marL="457200" indent="-457200">
+              <a:buFont typeface="+mj-lt"/>
+              <a:buAutoNum type="arabicPeriod"/>
+            </a:pPr>
+            <a:r>
+              <a:rPr lang="en-US" dirty="0"/>
+              <a:t>Put name on the beaker with Sharpie</a:t>
             </a:r>
           </a:p>
           <a:p>
@@ -13340,21 +13630,97 @@
               <a:buNone/>
             </a:pPr>
             <a:r>
-              <a:rPr lang="en-US" sz="2800" dirty="0"/>
-              <a:t>DO NOT SET ANY </a:t>
-            </a:r>
-            <a:r>
-              <a:rPr lang="en-US" sz="3200" b="1" dirty="0">
-                <a:solidFill>
-                  <a:srgbClr val="FF0066"/>
-                </a:solidFill>
-              </a:rPr>
-              <a:t>HOT</a:t>
-            </a:r>
-            <a:r>
-              <a:rPr lang="en-US" sz="2800" dirty="0"/>
-              <a:t> CRUCIBLE ON COUNTERTOP OR ON PAPER OR THEY CAN BURN!</a:t>
-            </a:r>
+              <a:rPr lang="en-US" b="1" i="1" dirty="0">
+                <a:solidFill>
+                  <a:srgbClr val="FFFF00"/>
+                </a:solidFill>
+              </a:rPr>
+              <a:t>Reaction 1 (H</a:t>
+            </a:r>
+            <a:r>
+              <a:rPr lang="en-US" b="1" i="1" baseline="-25000" dirty="0">
+                <a:solidFill>
+                  <a:srgbClr val="FFFF00"/>
+                </a:solidFill>
+              </a:rPr>
+              <a:t>2</a:t>
+            </a:r>
+            <a:r>
+              <a:rPr lang="en-US" b="1" i="1" dirty="0">
+                <a:solidFill>
+                  <a:srgbClr val="FFFF00"/>
+                </a:solidFill>
+              </a:rPr>
+              <a:t> Gas Evolution) </a:t>
+            </a:r>
+            <a:r>
+              <a:rPr lang="en-US" dirty="0"/>
+              <a:t>(Step 5)</a:t>
+            </a:r>
+          </a:p>
+          <a:p>
+            <a:pPr marL="693738" lvl="1" indent="-457200">
+              <a:buFont typeface="+mj-lt"/>
+              <a:buAutoNum type="alphaLcPeriod"/>
+            </a:pPr>
+            <a:r>
+              <a:rPr lang="en-US" dirty="0"/>
+              <a:t>In the fume hood, add 20 mL of 1.5 M KOH to the beaker</a:t>
+            </a:r>
+          </a:p>
+          <a:p>
+            <a:pPr marL="693738" lvl="1" indent="-457200">
+              <a:buFont typeface="+mj-lt"/>
+              <a:buAutoNum type="alphaLcPeriod"/>
+            </a:pPr>
+            <a:r>
+              <a:rPr lang="en-US" dirty="0"/>
+              <a:t>The foil pieces should dissolve and the solution becomes black. It takes about 20 min for reaction to be complete</a:t>
+            </a:r>
+          </a:p>
+          <a:p>
+            <a:pPr marL="693738" lvl="1" indent="-457200">
+              <a:buFont typeface="+mj-lt"/>
+              <a:buAutoNum type="alphaLcPeriod"/>
+            </a:pPr>
+            <a:r>
+              <a:rPr lang="en-US" dirty="0"/>
+              <a:t>While reaction occurs, start calculating theoretical yield</a:t>
+            </a:r>
+          </a:p>
+          <a:p>
+            <a:pPr marL="693738" lvl="1" indent="-457200">
+              <a:buFont typeface="+mj-lt"/>
+              <a:buAutoNum type="alphaLcPeriod"/>
+            </a:pPr>
+            <a:r>
+              <a:rPr lang="en-US" dirty="0"/>
+              <a:t>If reaction slows, put beaker on a hot plate but be prepared to take beaker off the hot plate so it does not boil!</a:t>
+            </a:r>
+          </a:p>
+          <a:p>
+            <a:pPr marL="693738" lvl="1" indent="-457200">
+              <a:buFont typeface="+mj-lt"/>
+              <a:buAutoNum type="alphaLcPeriod"/>
+            </a:pPr>
+            <a:r>
+              <a:rPr lang="en-US" dirty="0"/>
+              <a:t>Is there a gas produced? What is it?</a:t>
+            </a:r>
+          </a:p>
+          <a:p>
+            <a:pPr marL="457200" indent="-457200">
+              <a:buFont typeface="+mj-lt"/>
+              <a:buAutoNum type="arabicPeriod" startAt="5"/>
+            </a:pPr>
+            <a:endParaRPr lang="en-US" dirty="0"/>
+          </a:p>
+          <a:p>
+            <a:pPr marL="457200" indent="-457200">
+              <a:buFont typeface="+mj-lt"/>
+              <a:buAutoNum type="arabicPeriod" startAt="5"/>
+            </a:pPr>
+            <a:endParaRPr lang="en-US" dirty="0"/>
           </a:p>
         </p:txBody>
       </p:sp>
@@ -13371,7 +13737,7 @@
 </p:sld>
 </file>
 
-<file path=ppt/slides/slide9.xml><?xml version="1.0" encoding="utf-8"?>
+<file path=ppt/slides/slide8.xml><?xml version="1.0" encoding="utf-8"?>
 <p:sld xmlns:a="http://schemas.openxmlformats.org/drawingml/2006/main" xmlns:r="http://schemas.openxmlformats.org/officeDocument/2006/relationships" xmlns:p="http://schemas.openxmlformats.org/presentationml/2006/main">
   <p:cSld>
     <p:spTree>
@@ -13379,7 +13745,7 @@
         <p:cNvPr id="1" name="">
           <a:extLst>
             <a:ext uri="{FF2B5EF4-FFF2-40B4-BE49-F238E27FC236}">
-              <a16:creationId xmlns:a16="http://schemas.microsoft.com/office/drawing/2014/main" id="{4EB46B47-6540-F52F-1F64-854396E70E55}"/>
+              <a16:creationId xmlns:a16="http://schemas.microsoft.com/office/drawing/2014/main" id="{A1A54BB9-1B98-8D3C-0FC3-90E597E9A027}"/>
             </a:ext>
           </a:extLst>
         </p:cNvPr>
@@ -13399,7 +13765,185 @@
           <p:cNvPr id="2" name="Title 1">
             <a:extLst>
               <a:ext uri="{FF2B5EF4-FFF2-40B4-BE49-F238E27FC236}">
-                <a16:creationId xmlns:a16="http://schemas.microsoft.com/office/drawing/2014/main" id="{F6F2263F-7C9A-1678-6FE0-453CEF2400AF}"/>
+                <a16:creationId xmlns:a16="http://schemas.microsoft.com/office/drawing/2014/main" id="{30F9971A-9F8C-2075-2D91-36C912CCEE93}"/>
+              </a:ext>
+            </a:extLst>
+          </p:cNvPr>
+          <p:cNvSpPr>
+            <a:spLocks noGrp="1"/>
+          </p:cNvSpPr>
+          <p:nvPr>
+            <p:ph type="title"/>
+          </p:nvPr>
+        </p:nvSpPr>
+        <p:spPr>
+          <a:xfrm>
+            <a:off x="338666" y="100831"/>
+            <a:ext cx="8421512" cy="769441"/>
+          </a:xfrm>
+        </p:spPr>
+        <p:txBody>
+          <a:bodyPr/>
+          <a:lstStyle/>
+          <a:p>
+            <a:r>
+              <a:rPr lang="en-US" sz="4400" dirty="0"/>
+              <a:t>Procedure</a:t>
+            </a:r>
+          </a:p>
+        </p:txBody>
+      </p:sp>
+      <p:sp>
+        <p:nvSpPr>
+          <p:cNvPr id="6" name="Content Placeholder 5">
+            <a:extLst>
+              <a:ext uri="{FF2B5EF4-FFF2-40B4-BE49-F238E27FC236}">
+                <a16:creationId xmlns:a16="http://schemas.microsoft.com/office/drawing/2014/main" id="{4008BB5F-3E5C-030D-C9EB-E73F2E031B7E}"/>
+              </a:ext>
+            </a:extLst>
+          </p:cNvPr>
+          <p:cNvSpPr>
+            <a:spLocks noGrp="1"/>
+          </p:cNvSpPr>
+          <p:nvPr>
+            <p:ph idx="1"/>
+          </p:nvPr>
+        </p:nvSpPr>
+        <p:spPr>
+          <a:xfrm>
+            <a:off x="383822" y="777805"/>
+            <a:ext cx="8387645" cy="5595089"/>
+          </a:xfrm>
+        </p:spPr>
+        <p:txBody>
+          <a:bodyPr/>
+          <a:lstStyle/>
+          <a:p>
+            <a:pPr marL="0" indent="0">
+              <a:buNone/>
+            </a:pPr>
+            <a:r>
+              <a:rPr lang="en-US" b="1" i="1" dirty="0">
+                <a:solidFill>
+                  <a:srgbClr val="FFFF00"/>
+                </a:solidFill>
+              </a:rPr>
+              <a:t>Reaction 2 (Precipitation)</a:t>
+            </a:r>
+          </a:p>
+          <a:p>
+            <a:pPr marL="457200" indent="-457200">
+              <a:buFont typeface="+mj-lt"/>
+              <a:buAutoNum type="arabicPeriod" startAt="6"/>
+            </a:pPr>
+            <a:r>
+              <a:rPr lang="en-US" dirty="0"/>
+              <a:t>Into a 50 mL beaker, pour 7.5 mL of 6.0 M H</a:t>
+            </a:r>
+            <a:r>
+              <a:rPr lang="en-US" baseline="-25000" dirty="0"/>
+              <a:t>2</a:t>
+            </a:r>
+            <a:r>
+              <a:rPr lang="en-US" dirty="0"/>
+              <a:t>SO</a:t>
+            </a:r>
+            <a:r>
+              <a:rPr lang="en-US" baseline="-25000" dirty="0"/>
+              <a:t>4</a:t>
+            </a:r>
+            <a:r>
+              <a:rPr lang="en-US" dirty="0"/>
+              <a:t> from a 10 mL graduated cylinder</a:t>
+            </a:r>
+          </a:p>
+          <a:p>
+            <a:pPr marL="457200" indent="-457200">
+              <a:buFont typeface="+mj-lt"/>
+              <a:buAutoNum type="arabicPeriod" startAt="6"/>
+            </a:pPr>
+            <a:r>
+              <a:rPr lang="en-US" dirty="0"/>
+              <a:t>While stirring the dissolved aluminum solution with a glass rod in the larger beaker, use a transfer pipet to transfer the acid solution to the aluminum solution DROPWISE. Make sure you stir well after each drop. Look for a greyish white precipitate</a:t>
+            </a:r>
+          </a:p>
+          <a:p>
+            <a:pPr marL="0" indent="0">
+              <a:buNone/>
+            </a:pPr>
+            <a:r>
+              <a:rPr lang="en-US" b="1" i="1" dirty="0">
+                <a:solidFill>
+                  <a:srgbClr val="FFFF00"/>
+                </a:solidFill>
+              </a:rPr>
+              <a:t>Reaction 3 (Acid-Base Neutralization)</a:t>
+            </a:r>
+          </a:p>
+          <a:p>
+            <a:pPr marL="457200" indent="-457200">
+              <a:buFont typeface="+mj-lt"/>
+              <a:buAutoNum type="arabicPeriod" startAt="8"/>
+            </a:pPr>
+            <a:r>
+              <a:rPr lang="en-US" dirty="0"/>
+              <a:t>Cover beaker with watch glass and warm solution on hot plate until the precipitate has dissolved. Be careful NOT to get it to hot and boil the solution!!</a:t>
+            </a:r>
+          </a:p>
+          <a:p>
+            <a:pPr marL="457200" indent="-457200">
+              <a:buFont typeface="+mj-lt"/>
+              <a:buAutoNum type="arabicPeriod" startAt="8"/>
+            </a:pPr>
+            <a:r>
+              <a:rPr lang="en-US" sz="2000" dirty="0"/>
+              <a:t>After full dissolution, let beaker cool for few minutes</a:t>
+            </a:r>
+          </a:p>
+        </p:txBody>
+      </p:sp>
+    </p:spTree>
+    <p:extLst>
+      <p:ext uri="{BB962C8B-B14F-4D97-AF65-F5344CB8AC3E}">
+        <p14:creationId xmlns:p14="http://schemas.microsoft.com/office/powerpoint/2010/main" val="3067616161"/>
+      </p:ext>
+    </p:extLst>
+  </p:cSld>
+  <p:clrMapOvr>
+    <a:masterClrMapping/>
+  </p:clrMapOvr>
+</p:sld>
+</file>
+
+<file path=ppt/slides/slide9.xml><?xml version="1.0" encoding="utf-8"?>
+<p:sld xmlns:a="http://schemas.openxmlformats.org/drawingml/2006/main" xmlns:r="http://schemas.openxmlformats.org/officeDocument/2006/relationships" xmlns:p="http://schemas.openxmlformats.org/presentationml/2006/main">
+  <p:cSld>
+    <p:spTree>
+      <p:nvGrpSpPr>
+        <p:cNvPr id="1" name="">
+          <a:extLst>
+            <a:ext uri="{FF2B5EF4-FFF2-40B4-BE49-F238E27FC236}">
+              <a16:creationId xmlns:a16="http://schemas.microsoft.com/office/drawing/2014/main" id="{75C32D0C-7402-3426-6596-0ABEFAEB79C9}"/>
+            </a:ext>
+          </a:extLst>
+        </p:cNvPr>
+        <p:cNvGrpSpPr/>
+        <p:nvPr/>
+      </p:nvGrpSpPr>
+      <p:grpSpPr>
+        <a:xfrm>
+          <a:off x="0" y="0"/>
+          <a:ext cx="0" cy="0"/>
+          <a:chOff x="0" y="0"/>
+          <a:chExt cx="0" cy="0"/>
+        </a:xfrm>
+      </p:grpSpPr>
+      <p:sp>
+        <p:nvSpPr>
+          <p:cNvPr id="2" name="Title 1">
+            <a:extLst>
+              <a:ext uri="{FF2B5EF4-FFF2-40B4-BE49-F238E27FC236}">
+                <a16:creationId xmlns:a16="http://schemas.microsoft.com/office/drawing/2014/main" id="{3BE3AF15-2468-9EFB-9A16-2872CA216D77}"/>
               </a:ext>
             </a:extLst>
           </p:cNvPr>
@@ -13432,7 +13976,7 @@
           <p:cNvPr id="6" name="Content Placeholder 5">
             <a:extLst>
               <a:ext uri="{FF2B5EF4-FFF2-40B4-BE49-F238E27FC236}">
-                <a16:creationId xmlns:a16="http://schemas.microsoft.com/office/drawing/2014/main" id="{003BDB66-1E78-B72D-677D-D6B5050E2008}"/>
+                <a16:creationId xmlns:a16="http://schemas.microsoft.com/office/drawing/2014/main" id="{3BB07D76-840A-D542-614E-54E61F41DA85}"/>
               </a:ext>
             </a:extLst>
           </p:cNvPr>
@@ -13453,170 +13997,64 @@
           <a:bodyPr/>
           <a:lstStyle/>
           <a:p>
+            <a:pPr marL="457200" indent="-457200">
+              <a:buFont typeface="+mj-lt"/>
+              <a:buAutoNum type="arabicPeriod" startAt="10"/>
+            </a:pPr>
+            <a:r>
+              <a:rPr lang="en-US" dirty="0"/>
+              <a:t> Into a larger beaker set up an ice-water bath</a:t>
+            </a:r>
+          </a:p>
+          <a:p>
+            <a:pPr marL="457200" indent="-457200">
+              <a:buFont typeface="+mj-lt"/>
+              <a:buAutoNum type="arabicPeriod" startAt="10"/>
+            </a:pPr>
+            <a:r>
+              <a:rPr lang="en-US" dirty="0"/>
+              <a:t> Place the reaction beaker in the ice-water bath and let it sit for 15 min</a:t>
+            </a:r>
+          </a:p>
+          <a:p>
             <a:pPr marL="0" indent="0">
               <a:buNone/>
             </a:pPr>
             <a:r>
-              <a:rPr lang="en-US" sz="2800" i="1" dirty="0">
-                <a:solidFill>
-                  <a:srgbClr val="00FF00"/>
-                </a:solidFill>
-              </a:rPr>
-              <a:t>Before Reaction</a:t>
+              <a:rPr lang="en-US" b="1" i="1" dirty="0">
+                <a:solidFill>
+                  <a:srgbClr val="FFFF00"/>
+                </a:solidFill>
+              </a:rPr>
+              <a:t>Reaction 4 (Crystallization)</a:t>
             </a:r>
           </a:p>
           <a:p>
             <a:pPr marL="457200" indent="-457200">
               <a:buFont typeface="+mj-lt"/>
-              <a:buAutoNum type="arabicPeriod"/>
+              <a:buAutoNum type="arabicPeriod" startAt="12"/>
             </a:pPr>
             <a:r>
               <a:rPr lang="en-US" dirty="0"/>
-              <a:t>Determine mass of empty </a:t>
-            </a:r>
-            <a:r>
-              <a:rPr lang="en-US" dirty="0">
-                <a:solidFill>
-                  <a:schemeClr val="accent1">
-                    <a:lumMod val="60000"/>
-                    <a:lumOff val="40000"/>
-                  </a:schemeClr>
-                </a:solidFill>
-              </a:rPr>
-              <a:t>crucible</a:t>
-            </a:r>
-            <a:r>
-              <a:rPr lang="en-US" dirty="0"/>
-              <a:t> (A)</a:t>
+              <a:t> Swirl beaker when crystal formation is noticed. If after 5 min crystals are not seen, scratch inside of beaker with glass rod to induce nucleation</a:t>
             </a:r>
           </a:p>
           <a:p>
             <a:pPr marL="457200" indent="-457200">
               <a:buFont typeface="+mj-lt"/>
-              <a:buAutoNum type="arabicPeriod"/>
+              <a:buAutoNum type="arabicPeriod" startAt="12"/>
             </a:pPr>
             <a:r>
               <a:rPr lang="en-US" dirty="0"/>
-              <a:t>Get </a:t>
-            </a:r>
-            <a:r>
-              <a:rPr lang="en-US" dirty="0">
-                <a:solidFill>
-                  <a:srgbClr val="FF9933"/>
-                </a:solidFill>
-              </a:rPr>
-              <a:t>copper wire</a:t>
-            </a:r>
-            <a:r>
-              <a:rPr lang="en-US" dirty="0"/>
-              <a:t>, </a:t>
-            </a:r>
-            <a:r>
-              <a:rPr lang="en-US" dirty="0">
-                <a:solidFill>
-                  <a:srgbClr val="FFFF00"/>
-                </a:solidFill>
-              </a:rPr>
-              <a:t>coil</a:t>
-            </a:r>
-            <a:r>
-              <a:rPr lang="en-US" dirty="0"/>
-              <a:t> it to fit in </a:t>
-            </a:r>
-            <a:r>
-              <a:rPr lang="en-US" dirty="0">
-                <a:solidFill>
-                  <a:schemeClr val="accent1">
-                    <a:lumMod val="60000"/>
-                    <a:lumOff val="40000"/>
-                  </a:schemeClr>
-                </a:solidFill>
-              </a:rPr>
-              <a:t>crucible</a:t>
-            </a:r>
-            <a:r>
-              <a:rPr lang="en-US" dirty="0"/>
-              <a:t>. Record the physical properties, and then the mass of the wire in crucible (B)</a:t>
-            </a:r>
-          </a:p>
-          <a:p>
-            <a:pPr marL="457200" indent="-457200">
-              <a:buFont typeface="+mj-lt"/>
-              <a:buAutoNum type="arabicPeriod"/>
-            </a:pPr>
-            <a:r>
-              <a:rPr lang="en-US" dirty="0"/>
-              <a:t>On </a:t>
-            </a:r>
-            <a:r>
-              <a:rPr lang="en-US" dirty="0">
-                <a:solidFill>
-                  <a:schemeClr val="accent1">
-                    <a:lumMod val="60000"/>
-                    <a:lumOff val="40000"/>
-                  </a:schemeClr>
-                </a:solidFill>
-              </a:rPr>
-              <a:t>glassine paper</a:t>
-            </a:r>
-            <a:r>
-              <a:rPr lang="en-US" dirty="0"/>
-              <a:t>, use </a:t>
-            </a:r>
-            <a:r>
-              <a:rPr lang="en-US" dirty="0">
-                <a:solidFill>
-                  <a:schemeClr val="accent1">
-                    <a:lumMod val="60000"/>
-                    <a:lumOff val="40000"/>
-                  </a:schemeClr>
-                </a:solidFill>
-              </a:rPr>
-              <a:t>scoopula</a:t>
-            </a:r>
-            <a:r>
-              <a:rPr lang="en-US" dirty="0"/>
-              <a:t> to get 2-4 g </a:t>
-            </a:r>
-            <a:r>
-              <a:rPr lang="en-US" dirty="0">
-                <a:solidFill>
-                  <a:srgbClr val="FF9933"/>
-                </a:solidFill>
-              </a:rPr>
-              <a:t>sulfur</a:t>
-            </a:r>
-            <a:r>
-              <a:rPr lang="en-US" dirty="0"/>
-              <a:t>. Add to the crucible to cover the coiled wire. Record total mass in crucible (C)</a:t>
-            </a:r>
-          </a:p>
-          <a:p>
-            <a:pPr marL="0" indent="0">
-              <a:buNone/>
-            </a:pPr>
-            <a:endParaRPr lang="en-US" dirty="0"/>
-          </a:p>
-          <a:p>
-            <a:pPr marL="457200" indent="-457200">
-              <a:buFont typeface="+mj-lt"/>
-              <a:buAutoNum type="arabicPeriod"/>
-            </a:pPr>
-            <a:endParaRPr lang="en-US" dirty="0"/>
-          </a:p>
-          <a:p>
-            <a:pPr marL="457200" indent="-457200">
-              <a:buFont typeface="+mj-lt"/>
-              <a:buAutoNum type="arabicPeriod"/>
-            </a:pPr>
-            <a:endParaRPr lang="en-US" sz="2800" dirty="0"/>
+              <a:t> Into a separate small beaker, pour 30 mL of 50% ethanol and place in ice-water bath</a:t>
+            </a:r>
           </a:p>
         </p:txBody>
       </p:sp>
     </p:spTree>
     <p:extLst>
       <p:ext uri="{BB962C8B-B14F-4D97-AF65-F5344CB8AC3E}">
-        <p14:creationId xmlns:p14="http://schemas.microsoft.com/office/powerpoint/2010/main" val="3789276793"/>
+        <p14:creationId xmlns:p14="http://schemas.microsoft.com/office/powerpoint/2010/main" val="3568630862"/>
       </p:ext>
     </p:extLst>
   </p:cSld>

--- a/Teaching/Chemistry/Labs/FCC Chem 3A Expt 11a Synthesis of Alum.pptx
+++ b/Teaching/Chemistry/Labs/FCC Chem 3A Expt 11a Synthesis of Alum.pptx
@@ -5,7 +5,7 @@
     <p:sldMasterId id="2147483803" r:id="rId1"/>
   </p:sldMasterIdLst>
   <p:notesMasterIdLst>
-    <p:notesMasterId r:id="rId18"/>
+    <p:notesMasterId r:id="rId19"/>
   </p:notesMasterIdLst>
   <p:sldIdLst>
     <p:sldId id="608" r:id="rId2"/>
@@ -13,17 +13,18 @@
     <p:sldId id="616" r:id="rId4"/>
     <p:sldId id="624" r:id="rId5"/>
     <p:sldId id="632" r:id="rId6"/>
-    <p:sldId id="613" r:id="rId7"/>
-    <p:sldId id="610" r:id="rId8"/>
-    <p:sldId id="626" r:id="rId9"/>
-    <p:sldId id="627" r:id="rId10"/>
-    <p:sldId id="628" r:id="rId11"/>
-    <p:sldId id="629" r:id="rId12"/>
-    <p:sldId id="612" r:id="rId13"/>
-    <p:sldId id="621" r:id="rId14"/>
-    <p:sldId id="623" r:id="rId15"/>
-    <p:sldId id="630" r:id="rId16"/>
-    <p:sldId id="631" r:id="rId17"/>
+    <p:sldId id="635" r:id="rId7"/>
+    <p:sldId id="613" r:id="rId8"/>
+    <p:sldId id="633" r:id="rId9"/>
+    <p:sldId id="610" r:id="rId10"/>
+    <p:sldId id="626" r:id="rId11"/>
+    <p:sldId id="627" r:id="rId12"/>
+    <p:sldId id="628" r:id="rId13"/>
+    <p:sldId id="629" r:id="rId14"/>
+    <p:sldId id="612" r:id="rId15"/>
+    <p:sldId id="623" r:id="rId16"/>
+    <p:sldId id="634" r:id="rId17"/>
+    <p:sldId id="631" r:id="rId18"/>
   </p:sldIdLst>
   <p:sldSz cx="9144000" cy="6858000" type="screen4x3"/>
   <p:notesSz cx="7315200" cy="9601200"/>
@@ -1947,6 +1948,40 @@
           </a:p>
         </p:txBody>
       </p:sp>
+      <p:sp>
+        <p:nvSpPr>
+          <p:cNvPr id="4" name="Slide Number Placeholder 3">
+            <a:extLst>
+              <a:ext uri="{FF2B5EF4-FFF2-40B4-BE49-F238E27FC236}">
+                <a16:creationId xmlns:a16="http://schemas.microsoft.com/office/drawing/2014/main" id="{1BD3313D-7EAB-A6FF-5CDB-5966FAB9776E}"/>
+              </a:ext>
+            </a:extLst>
+          </p:cNvPr>
+          <p:cNvSpPr>
+            <a:spLocks noGrp="1"/>
+          </p:cNvSpPr>
+          <p:nvPr>
+            <p:ph type="sldNum" sz="quarter" idx="10"/>
+          </p:nvPr>
+        </p:nvSpPr>
+        <p:spPr/>
+        <p:txBody>
+          <a:bodyPr/>
+          <a:lstStyle/>
+          <a:p>
+            <a:fld id="{A0CF78A4-19A0-4EF5-A4D9-597660847FB4}" type="slidenum">
+              <a:rPr lang="en-US" smtClean="0"/>
+              <a:pPr/>
+              <a:t>‹#›</a:t>
+            </a:fld>
+            <a:endParaRPr lang="en-US" b="1" dirty="0">
+              <a:solidFill>
+                <a:schemeClr val="bg1"/>
+              </a:solidFill>
+            </a:endParaRPr>
+          </a:p>
+        </p:txBody>
+      </p:sp>
     </p:spTree>
     <p:extLst>
       <p:ext uri="{BB962C8B-B14F-4D97-AF65-F5344CB8AC3E}">
@@ -3243,38 +3278,87 @@
           <a:p>
             <a:pPr lvl="0"/>
             <a:r>
-              <a:rPr lang="en-US"/>
+              <a:rPr lang="en-US" dirty="0"/>
               <a:t>Click to edit Master text styles</a:t>
             </a:r>
           </a:p>
           <a:p>
             <a:pPr lvl="1"/>
             <a:r>
-              <a:rPr lang="en-US"/>
+              <a:rPr lang="en-US" dirty="0"/>
               <a:t>Second level</a:t>
             </a:r>
           </a:p>
           <a:p>
             <a:pPr lvl="2"/>
             <a:r>
-              <a:rPr lang="en-US"/>
+              <a:rPr lang="en-US" dirty="0"/>
               <a:t>Third level</a:t>
             </a:r>
           </a:p>
           <a:p>
             <a:pPr lvl="3"/>
             <a:r>
-              <a:rPr lang="en-US"/>
+              <a:rPr lang="en-US" dirty="0"/>
               <a:t>Fourth level</a:t>
             </a:r>
           </a:p>
           <a:p>
             <a:pPr lvl="4"/>
             <a:r>
-              <a:rPr lang="en-US"/>
+              <a:rPr lang="en-US" dirty="0"/>
               <a:t>Fifth level</a:t>
             </a:r>
-            <a:endParaRPr lang="en-US" dirty="0"/>
+          </a:p>
+        </p:txBody>
+      </p:sp>
+      <p:sp>
+        <p:nvSpPr>
+          <p:cNvPr id="2" name="Slide Number Placeholder 1">
+            <a:extLst>
+              <a:ext uri="{FF2B5EF4-FFF2-40B4-BE49-F238E27FC236}">
+                <a16:creationId xmlns:a16="http://schemas.microsoft.com/office/drawing/2014/main" id="{9D4E9695-C8F5-0DC9-568D-0CA2B50DE100}"/>
+              </a:ext>
+            </a:extLst>
+          </p:cNvPr>
+          <p:cNvSpPr>
+            <a:spLocks noGrp="1"/>
+          </p:cNvSpPr>
+          <p:nvPr>
+            <p:ph type="sldNum" sz="quarter" idx="4"/>
+          </p:nvPr>
+        </p:nvSpPr>
+        <p:spPr>
+          <a:xfrm>
+            <a:off x="7022727" y="6364992"/>
+            <a:ext cx="2057400" cy="365125"/>
+          </a:xfrm>
+          <a:prstGeom prst="rect">
+            <a:avLst/>
+          </a:prstGeom>
+        </p:spPr>
+        <p:txBody>
+          <a:bodyPr vert="horz" lIns="91440" tIns="45720" rIns="91440" bIns="45720" rtlCol="0" anchor="ctr"/>
+          <a:lstStyle>
+            <a:lvl1pPr algn="r">
+              <a:defRPr sz="1200" b="1" i="0" baseline="0">
+                <a:solidFill>
+                  <a:schemeClr val="bg1"/>
+                </a:solidFill>
+              </a:defRPr>
+            </a:lvl1pPr>
+          </a:lstStyle>
+          <a:p>
+            <a:fld id="{A0CF78A4-19A0-4EF5-A4D9-597660847FB4}" type="slidenum">
+              <a:rPr lang="en-US" smtClean="0"/>
+              <a:pPr/>
+              <a:t>‹#›</a:t>
+            </a:fld>
+            <a:endParaRPr lang="en-US" b="1" dirty="0">
+              <a:solidFill>
+                <a:schemeClr val="bg1"/>
+              </a:solidFill>
+            </a:endParaRPr>
           </a:p>
         </p:txBody>
       </p:sp>
@@ -3304,7 +3388,7 @@
     <p:sldLayoutId id="2147483818" r:id="rId15"/>
     <p:sldLayoutId id="2147483802" r:id="rId16"/>
   </p:sldLayoutIdLst>
-  <p:hf sldNum="0" hdr="0" ftr="0" dt="0"/>
+  <p:hf hdr="0" ftr="0" dt="0"/>
   <p:txStyles>
     <p:titleStyle>
       <a:lvl1pPr algn="l" rtl="0" eaLnBrk="1" fontAlgn="base" hangingPunct="1">
@@ -10306,6 +10390,401 @@
         <p:cNvPr id="1" name="">
           <a:extLst>
             <a:ext uri="{FF2B5EF4-FFF2-40B4-BE49-F238E27FC236}">
+              <a16:creationId xmlns:a16="http://schemas.microsoft.com/office/drawing/2014/main" id="{A1A54BB9-1B98-8D3C-0FC3-90E597E9A027}"/>
+            </a:ext>
+          </a:extLst>
+        </p:cNvPr>
+        <p:cNvGrpSpPr/>
+        <p:nvPr/>
+      </p:nvGrpSpPr>
+      <p:grpSpPr>
+        <a:xfrm>
+          <a:off x="0" y="0"/>
+          <a:ext cx="0" cy="0"/>
+          <a:chOff x="0" y="0"/>
+          <a:chExt cx="0" cy="0"/>
+        </a:xfrm>
+      </p:grpSpPr>
+      <p:sp>
+        <p:nvSpPr>
+          <p:cNvPr id="2" name="Title 1">
+            <a:extLst>
+              <a:ext uri="{FF2B5EF4-FFF2-40B4-BE49-F238E27FC236}">
+                <a16:creationId xmlns:a16="http://schemas.microsoft.com/office/drawing/2014/main" id="{30F9971A-9F8C-2075-2D91-36C912CCEE93}"/>
+              </a:ext>
+            </a:extLst>
+          </p:cNvPr>
+          <p:cNvSpPr>
+            <a:spLocks noGrp="1"/>
+          </p:cNvSpPr>
+          <p:nvPr>
+            <p:ph type="title"/>
+          </p:nvPr>
+        </p:nvSpPr>
+        <p:spPr>
+          <a:xfrm>
+            <a:off x="338666" y="100831"/>
+            <a:ext cx="8421512" cy="769441"/>
+          </a:xfrm>
+        </p:spPr>
+        <p:txBody>
+          <a:bodyPr/>
+          <a:lstStyle/>
+          <a:p>
+            <a:r>
+              <a:rPr lang="en-US" sz="4400" dirty="0"/>
+              <a:t>Procedure</a:t>
+            </a:r>
+          </a:p>
+        </p:txBody>
+      </p:sp>
+      <p:sp>
+        <p:nvSpPr>
+          <p:cNvPr id="6" name="Content Placeholder 5">
+            <a:extLst>
+              <a:ext uri="{FF2B5EF4-FFF2-40B4-BE49-F238E27FC236}">
+                <a16:creationId xmlns:a16="http://schemas.microsoft.com/office/drawing/2014/main" id="{4008BB5F-3E5C-030D-C9EB-E73F2E031B7E}"/>
+              </a:ext>
+            </a:extLst>
+          </p:cNvPr>
+          <p:cNvSpPr>
+            <a:spLocks noGrp="1"/>
+          </p:cNvSpPr>
+          <p:nvPr>
+            <p:ph idx="1"/>
+          </p:nvPr>
+        </p:nvSpPr>
+        <p:spPr>
+          <a:xfrm>
+            <a:off x="383822" y="777805"/>
+            <a:ext cx="8387645" cy="5595089"/>
+          </a:xfrm>
+        </p:spPr>
+        <p:txBody>
+          <a:bodyPr/>
+          <a:lstStyle/>
+          <a:p>
+            <a:pPr marL="0" indent="0">
+              <a:buNone/>
+            </a:pPr>
+            <a:r>
+              <a:rPr lang="en-US" b="1" i="1" dirty="0">
+                <a:solidFill>
+                  <a:srgbClr val="FFFF00"/>
+                </a:solidFill>
+              </a:rPr>
+              <a:t>Reaction 2  (Precipitation) [DD]</a:t>
+            </a:r>
+          </a:p>
+          <a:p>
+            <a:pPr marL="457200" indent="-457200">
+              <a:buFont typeface="+mj-lt"/>
+              <a:buAutoNum type="arabicPeriod" startAt="6"/>
+            </a:pPr>
+            <a:r>
+              <a:rPr lang="en-US" dirty="0"/>
+              <a:t>Into a 50 mL beaker, pour 7.5 mL of 6.0 M H</a:t>
+            </a:r>
+            <a:r>
+              <a:rPr lang="en-US" baseline="-25000" dirty="0"/>
+              <a:t>2</a:t>
+            </a:r>
+            <a:r>
+              <a:rPr lang="en-US" dirty="0"/>
+              <a:t>SO</a:t>
+            </a:r>
+            <a:r>
+              <a:rPr lang="en-US" baseline="-25000" dirty="0"/>
+              <a:t>4</a:t>
+            </a:r>
+            <a:r>
+              <a:rPr lang="en-US" dirty="0"/>
+              <a:t> from a 10 mL graduated cylinder</a:t>
+            </a:r>
+          </a:p>
+          <a:p>
+            <a:pPr marL="457200" indent="-457200">
+              <a:buFont typeface="+mj-lt"/>
+              <a:buAutoNum type="arabicPeriod" startAt="6"/>
+            </a:pPr>
+            <a:r>
+              <a:rPr lang="en-US" dirty="0"/>
+              <a:t>While stirring the dissolved aluminum solution with a glass rod in the larger beaker, use a transfer pipet to transfer the acid solution to the aluminum solution DROPWISE. Make sure you stir well after each drop. Look for a greyish white precipitate</a:t>
+            </a:r>
+          </a:p>
+          <a:p>
+            <a:pPr marL="0" indent="0">
+              <a:buNone/>
+            </a:pPr>
+            <a:r>
+              <a:rPr lang="en-US" b="1" i="1" dirty="0">
+                <a:solidFill>
+                  <a:srgbClr val="FFFF00"/>
+                </a:solidFill>
+              </a:rPr>
+              <a:t>Reaction 3 (Acid-Base Neutralization)</a:t>
+            </a:r>
+          </a:p>
+          <a:p>
+            <a:pPr marL="457200" indent="-457200">
+              <a:buFont typeface="+mj-lt"/>
+              <a:buAutoNum type="arabicPeriod" startAt="8"/>
+            </a:pPr>
+            <a:r>
+              <a:rPr lang="en-US" dirty="0"/>
+              <a:t>Cover beaker with watch glass and warm solution on hot plate until the precipitate has dissolved. Be careful NOT to get it to hot and boil the solution!!</a:t>
+            </a:r>
+          </a:p>
+          <a:p>
+            <a:pPr marL="457200" indent="-457200">
+              <a:buFont typeface="+mj-lt"/>
+              <a:buAutoNum type="arabicPeriod" startAt="8"/>
+            </a:pPr>
+            <a:r>
+              <a:rPr lang="en-US" sz="2000" dirty="0"/>
+              <a:t>After full dissolution, let beaker cool for few minutes</a:t>
+            </a:r>
+          </a:p>
+        </p:txBody>
+      </p:sp>
+      <p:sp>
+        <p:nvSpPr>
+          <p:cNvPr id="3" name="Slide Number Placeholder 2">
+            <a:extLst>
+              <a:ext uri="{FF2B5EF4-FFF2-40B4-BE49-F238E27FC236}">
+                <a16:creationId xmlns:a16="http://schemas.microsoft.com/office/drawing/2014/main" id="{23F60AD5-2C4B-016A-34FB-55880AE003E2}"/>
+              </a:ext>
+            </a:extLst>
+          </p:cNvPr>
+          <p:cNvSpPr>
+            <a:spLocks noGrp="1"/>
+          </p:cNvSpPr>
+          <p:nvPr>
+            <p:ph type="sldNum" sz="quarter" idx="10"/>
+          </p:nvPr>
+        </p:nvSpPr>
+        <p:spPr/>
+        <p:txBody>
+          <a:bodyPr/>
+          <a:lstStyle/>
+          <a:p>
+            <a:fld id="{A0CF78A4-19A0-4EF5-A4D9-597660847FB4}" type="slidenum">
+              <a:rPr lang="en-US" smtClean="0"/>
+              <a:pPr/>
+              <a:t>10</a:t>
+            </a:fld>
+            <a:endParaRPr lang="en-US" b="1" dirty="0">
+              <a:solidFill>
+                <a:schemeClr val="bg1"/>
+              </a:solidFill>
+            </a:endParaRPr>
+          </a:p>
+        </p:txBody>
+      </p:sp>
+    </p:spTree>
+    <p:extLst>
+      <p:ext uri="{BB962C8B-B14F-4D97-AF65-F5344CB8AC3E}">
+        <p14:creationId xmlns:p14="http://schemas.microsoft.com/office/powerpoint/2010/main" val="3067616161"/>
+      </p:ext>
+    </p:extLst>
+  </p:cSld>
+  <p:clrMapOvr>
+    <a:masterClrMapping/>
+  </p:clrMapOvr>
+</p:sld>
+</file>
+
+<file path=ppt/slides/slide11.xml><?xml version="1.0" encoding="utf-8"?>
+<p:sld xmlns:a="http://schemas.openxmlformats.org/drawingml/2006/main" xmlns:r="http://schemas.openxmlformats.org/officeDocument/2006/relationships" xmlns:p="http://schemas.openxmlformats.org/presentationml/2006/main">
+  <p:cSld>
+    <p:spTree>
+      <p:nvGrpSpPr>
+        <p:cNvPr id="1" name="">
+          <a:extLst>
+            <a:ext uri="{FF2B5EF4-FFF2-40B4-BE49-F238E27FC236}">
+              <a16:creationId xmlns:a16="http://schemas.microsoft.com/office/drawing/2014/main" id="{75C32D0C-7402-3426-6596-0ABEFAEB79C9}"/>
+            </a:ext>
+          </a:extLst>
+        </p:cNvPr>
+        <p:cNvGrpSpPr/>
+        <p:nvPr/>
+      </p:nvGrpSpPr>
+      <p:grpSpPr>
+        <a:xfrm>
+          <a:off x="0" y="0"/>
+          <a:ext cx="0" cy="0"/>
+          <a:chOff x="0" y="0"/>
+          <a:chExt cx="0" cy="0"/>
+        </a:xfrm>
+      </p:grpSpPr>
+      <p:sp>
+        <p:nvSpPr>
+          <p:cNvPr id="2" name="Title 1">
+            <a:extLst>
+              <a:ext uri="{FF2B5EF4-FFF2-40B4-BE49-F238E27FC236}">
+                <a16:creationId xmlns:a16="http://schemas.microsoft.com/office/drawing/2014/main" id="{3BE3AF15-2468-9EFB-9A16-2872CA216D77}"/>
+              </a:ext>
+            </a:extLst>
+          </p:cNvPr>
+          <p:cNvSpPr>
+            <a:spLocks noGrp="1"/>
+          </p:cNvSpPr>
+          <p:nvPr>
+            <p:ph type="title"/>
+          </p:nvPr>
+        </p:nvSpPr>
+        <p:spPr>
+          <a:xfrm>
+            <a:off x="338666" y="183025"/>
+            <a:ext cx="8421512" cy="769441"/>
+          </a:xfrm>
+        </p:spPr>
+        <p:txBody>
+          <a:bodyPr/>
+          <a:lstStyle/>
+          <a:p>
+            <a:r>
+              <a:rPr lang="en-US" sz="4400" dirty="0"/>
+              <a:t>Procedure</a:t>
+            </a:r>
+          </a:p>
+        </p:txBody>
+      </p:sp>
+      <p:sp>
+        <p:nvSpPr>
+          <p:cNvPr id="6" name="Content Placeholder 5">
+            <a:extLst>
+              <a:ext uri="{FF2B5EF4-FFF2-40B4-BE49-F238E27FC236}">
+                <a16:creationId xmlns:a16="http://schemas.microsoft.com/office/drawing/2014/main" id="{3BB07D76-840A-D542-614E-54E61F41DA85}"/>
+              </a:ext>
+            </a:extLst>
+          </p:cNvPr>
+          <p:cNvSpPr>
+            <a:spLocks noGrp="1"/>
+          </p:cNvSpPr>
+          <p:nvPr>
+            <p:ph idx="1"/>
+          </p:nvPr>
+        </p:nvSpPr>
+        <p:spPr>
+          <a:xfrm>
+            <a:off x="372533" y="952466"/>
+            <a:ext cx="8387645" cy="5595089"/>
+          </a:xfrm>
+        </p:spPr>
+        <p:txBody>
+          <a:bodyPr/>
+          <a:lstStyle/>
+          <a:p>
+            <a:pPr marL="457200" indent="-457200">
+              <a:buFont typeface="+mj-lt"/>
+              <a:buAutoNum type="arabicPeriod" startAt="10"/>
+            </a:pPr>
+            <a:r>
+              <a:rPr lang="en-US" dirty="0"/>
+              <a:t> Into a larger beaker set up an ice-water bath</a:t>
+            </a:r>
+          </a:p>
+          <a:p>
+            <a:pPr marL="457200" indent="-457200">
+              <a:buFont typeface="+mj-lt"/>
+              <a:buAutoNum type="arabicPeriod" startAt="10"/>
+            </a:pPr>
+            <a:r>
+              <a:rPr lang="en-US" dirty="0"/>
+              <a:t> Place the reaction beaker in the ice-water bath and let it sit for 15 min</a:t>
+            </a:r>
+          </a:p>
+          <a:p>
+            <a:pPr marL="0" indent="0">
+              <a:buNone/>
+            </a:pPr>
+            <a:r>
+              <a:rPr lang="en-US" b="1" i="1" dirty="0">
+                <a:solidFill>
+                  <a:srgbClr val="FFFF00"/>
+                </a:solidFill>
+              </a:rPr>
+              <a:t>Reaction 4 (Hydration-Crystallization)</a:t>
+            </a:r>
+          </a:p>
+          <a:p>
+            <a:pPr marL="457200" indent="-457200">
+              <a:buFont typeface="+mj-lt"/>
+              <a:buAutoNum type="arabicPeriod" startAt="12"/>
+            </a:pPr>
+            <a:r>
+              <a:rPr lang="en-US" dirty="0"/>
+              <a:t> Swirl beaker when crystal formation is noticed. If after 5 min crystals are not seen, scratch inside of beaker with glass rod to induce nucleation</a:t>
+            </a:r>
+          </a:p>
+          <a:p>
+            <a:pPr marL="457200" indent="-457200">
+              <a:buFont typeface="+mj-lt"/>
+              <a:buAutoNum type="arabicPeriod" startAt="12"/>
+            </a:pPr>
+            <a:r>
+              <a:rPr lang="en-US" dirty="0"/>
+              <a:t> Into a separate small beaker, pour 30 mL of 50% ethanol and place in ice-water bath</a:t>
+            </a:r>
+          </a:p>
+        </p:txBody>
+      </p:sp>
+      <p:sp>
+        <p:nvSpPr>
+          <p:cNvPr id="3" name="Slide Number Placeholder 2">
+            <a:extLst>
+              <a:ext uri="{FF2B5EF4-FFF2-40B4-BE49-F238E27FC236}">
+                <a16:creationId xmlns:a16="http://schemas.microsoft.com/office/drawing/2014/main" id="{10B8C1D2-55E5-3B7F-AA2A-8C91573AD36F}"/>
+              </a:ext>
+            </a:extLst>
+          </p:cNvPr>
+          <p:cNvSpPr>
+            <a:spLocks noGrp="1"/>
+          </p:cNvSpPr>
+          <p:nvPr>
+            <p:ph type="sldNum" sz="quarter" idx="10"/>
+          </p:nvPr>
+        </p:nvSpPr>
+        <p:spPr/>
+        <p:txBody>
+          <a:bodyPr/>
+          <a:lstStyle/>
+          <a:p>
+            <a:fld id="{A0CF78A4-19A0-4EF5-A4D9-597660847FB4}" type="slidenum">
+              <a:rPr lang="en-US" smtClean="0"/>
+              <a:pPr/>
+              <a:t>11</a:t>
+            </a:fld>
+            <a:endParaRPr lang="en-US" b="1" dirty="0">
+              <a:solidFill>
+                <a:schemeClr val="bg1"/>
+              </a:solidFill>
+            </a:endParaRPr>
+          </a:p>
+        </p:txBody>
+      </p:sp>
+    </p:spTree>
+    <p:extLst>
+      <p:ext uri="{BB962C8B-B14F-4D97-AF65-F5344CB8AC3E}">
+        <p14:creationId xmlns:p14="http://schemas.microsoft.com/office/powerpoint/2010/main" val="3568630862"/>
+      </p:ext>
+    </p:extLst>
+  </p:cSld>
+  <p:clrMapOvr>
+    <a:masterClrMapping/>
+  </p:clrMapOvr>
+</p:sld>
+</file>
+
+<file path=ppt/slides/slide12.xml><?xml version="1.0" encoding="utf-8"?>
+<p:sld xmlns:a="http://schemas.openxmlformats.org/drawingml/2006/main" xmlns:r="http://schemas.openxmlformats.org/officeDocument/2006/relationships" xmlns:p="http://schemas.openxmlformats.org/presentationml/2006/main">
+  <p:cSld>
+    <p:spTree>
+      <p:nvGrpSpPr>
+        <p:cNvPr id="1" name="">
+          <a:extLst>
+            <a:ext uri="{FF2B5EF4-FFF2-40B4-BE49-F238E27FC236}">
               <a16:creationId xmlns:a16="http://schemas.microsoft.com/office/drawing/2014/main" id="{FD98B226-1791-3B68-6C1E-4C70EFC723EC}"/>
             </a:ext>
           </a:extLst>
@@ -10488,6 +10967,40 @@
           </a:prstGeom>
         </p:spPr>
       </p:pic>
+      <p:sp>
+        <p:nvSpPr>
+          <p:cNvPr id="3" name="Slide Number Placeholder 2">
+            <a:extLst>
+              <a:ext uri="{FF2B5EF4-FFF2-40B4-BE49-F238E27FC236}">
+                <a16:creationId xmlns:a16="http://schemas.microsoft.com/office/drawing/2014/main" id="{BBF2C555-8867-4541-B7CF-481FB82272B0}"/>
+              </a:ext>
+            </a:extLst>
+          </p:cNvPr>
+          <p:cNvSpPr>
+            <a:spLocks noGrp="1"/>
+          </p:cNvSpPr>
+          <p:nvPr>
+            <p:ph type="sldNum" sz="quarter" idx="10"/>
+          </p:nvPr>
+        </p:nvSpPr>
+        <p:spPr/>
+        <p:txBody>
+          <a:bodyPr/>
+          <a:lstStyle/>
+          <a:p>
+            <a:fld id="{A0CF78A4-19A0-4EF5-A4D9-597660847FB4}" type="slidenum">
+              <a:rPr lang="en-US" smtClean="0"/>
+              <a:pPr/>
+              <a:t>12</a:t>
+            </a:fld>
+            <a:endParaRPr lang="en-US" b="1" dirty="0">
+              <a:solidFill>
+                <a:schemeClr val="bg1"/>
+              </a:solidFill>
+            </a:endParaRPr>
+          </a:p>
+        </p:txBody>
+      </p:sp>
     </p:spTree>
     <p:extLst>
       <p:ext uri="{BB962C8B-B14F-4D97-AF65-F5344CB8AC3E}">
@@ -10501,7 +11014,7 @@
 </p:sld>
 </file>
 
-<file path=ppt/slides/slide11.xml><?xml version="1.0" encoding="utf-8"?>
+<file path=ppt/slides/slide13.xml><?xml version="1.0" encoding="utf-8"?>
 <p:sld xmlns:a="http://schemas.openxmlformats.org/drawingml/2006/main" xmlns:r="http://schemas.openxmlformats.org/officeDocument/2006/relationships" xmlns:p="http://schemas.openxmlformats.org/presentationml/2006/main">
   <p:cSld>
     <p:spTree>
@@ -10634,6 +11147,40 @@
           </a:p>
         </p:txBody>
       </p:sp>
+      <p:sp>
+        <p:nvSpPr>
+          <p:cNvPr id="3" name="Slide Number Placeholder 2">
+            <a:extLst>
+              <a:ext uri="{FF2B5EF4-FFF2-40B4-BE49-F238E27FC236}">
+                <a16:creationId xmlns:a16="http://schemas.microsoft.com/office/drawing/2014/main" id="{C5690BD3-5E7C-0853-2316-C574E7883A2D}"/>
+              </a:ext>
+            </a:extLst>
+          </p:cNvPr>
+          <p:cNvSpPr>
+            <a:spLocks noGrp="1"/>
+          </p:cNvSpPr>
+          <p:nvPr>
+            <p:ph type="sldNum" sz="quarter" idx="10"/>
+          </p:nvPr>
+        </p:nvSpPr>
+        <p:spPr/>
+        <p:txBody>
+          <a:bodyPr/>
+          <a:lstStyle/>
+          <a:p>
+            <a:fld id="{A0CF78A4-19A0-4EF5-A4D9-597660847FB4}" type="slidenum">
+              <a:rPr lang="en-US" smtClean="0"/>
+              <a:pPr/>
+              <a:t>13</a:t>
+            </a:fld>
+            <a:endParaRPr lang="en-US" b="1" dirty="0">
+              <a:solidFill>
+                <a:schemeClr val="bg1"/>
+              </a:solidFill>
+            </a:endParaRPr>
+          </a:p>
+        </p:txBody>
+      </p:sp>
     </p:spTree>
     <p:extLst>
       <p:ext uri="{BB962C8B-B14F-4D97-AF65-F5344CB8AC3E}">
@@ -10647,7 +11194,7 @@
 </p:sld>
 </file>
 
-<file path=ppt/slides/slide12.xml><?xml version="1.0" encoding="utf-8"?>
+<file path=ppt/slides/slide14.xml><?xml version="1.0" encoding="utf-8"?>
 <p:sld xmlns:a="http://schemas.openxmlformats.org/drawingml/2006/main" xmlns:r="http://schemas.openxmlformats.org/officeDocument/2006/relationships" xmlns:p="http://schemas.openxmlformats.org/presentationml/2006/main">
   <p:cSld>
     <p:spTree>
@@ -10715,26 +11262,78 @@
           <a:p>
             <a:r>
               <a:rPr lang="en-US" dirty="0"/>
-              <a:t>The copper sulfide product goes into solids waste container</a:t>
-            </a:r>
-          </a:p>
-          <a:p>
+              <a:t>Except only for glass containers that had reaction mixture, just a brief water rinse of glassware and upside-down drip-drying on a sink rack pin is sufficient; this includes grad cylinders &amp; beakers getting KOH and H</a:t>
+            </a:r>
+            <a:r>
+              <a:rPr lang="en-US" baseline="-25000" dirty="0"/>
+              <a:t>2</a:t>
+            </a:r>
             <a:r>
               <a:rPr lang="en-US" dirty="0"/>
-              <a:t>WITHOUT AT ALL GETTING CRUCIBLE WET WITH ANY WATER, wipe crucible with dry paper towel</a:t>
+              <a:t>SO</a:t>
+            </a:r>
+            <a:r>
+              <a:rPr lang="en-US" baseline="-25000" dirty="0"/>
+              <a:t>4</a:t>
             </a:r>
           </a:p>
           <a:p>
             <a:r>
               <a:rPr lang="en-US" dirty="0"/>
-              <a:t>Use soapy water to clean the watch glass</a:t>
+              <a:t>A small amount of soap on brush wash should be sufficient</a:t>
             </a:r>
           </a:p>
           <a:p>
             <a:r>
               <a:rPr lang="en-US" dirty="0"/>
-              <a:t>Place all other items in appropriate locations</a:t>
-            </a:r>
+              <a:t>There is a solid waste beaker to receive under fume hood near doors</a:t>
+            </a:r>
+          </a:p>
+          <a:p>
+            <a:r>
+              <a:rPr lang="en-US" dirty="0"/>
+              <a:t>Any liquid waste there is a large carboy also in that fume hood</a:t>
+            </a:r>
+          </a:p>
+          <a:p>
+            <a:r>
+              <a:rPr lang="en-US" dirty="0"/>
+              <a:t>Clean up area as usual. Quick paper towel dry wipe is enough to dry.</a:t>
+            </a:r>
+          </a:p>
+        </p:txBody>
+      </p:sp>
+      <p:sp>
+        <p:nvSpPr>
+          <p:cNvPr id="4" name="Slide Number Placeholder 3">
+            <a:extLst>
+              <a:ext uri="{FF2B5EF4-FFF2-40B4-BE49-F238E27FC236}">
+                <a16:creationId xmlns:a16="http://schemas.microsoft.com/office/drawing/2014/main" id="{679DDF9E-AA7F-DEC2-8A88-DDC1AE04B45B}"/>
+              </a:ext>
+            </a:extLst>
+          </p:cNvPr>
+          <p:cNvSpPr>
+            <a:spLocks noGrp="1"/>
+          </p:cNvSpPr>
+          <p:nvPr>
+            <p:ph type="sldNum" sz="quarter" idx="10"/>
+          </p:nvPr>
+        </p:nvSpPr>
+        <p:spPr/>
+        <p:txBody>
+          <a:bodyPr/>
+          <a:lstStyle/>
+          <a:p>
+            <a:fld id="{A0CF78A4-19A0-4EF5-A4D9-597660847FB4}" type="slidenum">
+              <a:rPr lang="en-US" smtClean="0"/>
+              <a:pPr/>
+              <a:t>14</a:t>
+            </a:fld>
+            <a:endParaRPr lang="en-US" b="1" dirty="0">
+              <a:solidFill>
+                <a:schemeClr val="bg1"/>
+              </a:solidFill>
+            </a:endParaRPr>
           </a:p>
         </p:txBody>
       </p:sp>
@@ -10751,206 +11350,7 @@
 </p:sld>
 </file>
 
-<file path=ppt/slides/slide13.xml><?xml version="1.0" encoding="utf-8"?>
-<p:sld xmlns:a="http://schemas.openxmlformats.org/drawingml/2006/main" xmlns:r="http://schemas.openxmlformats.org/officeDocument/2006/relationships" xmlns:p="http://schemas.openxmlformats.org/presentationml/2006/main">
-  <p:cSld>
-    <p:spTree>
-      <p:nvGrpSpPr>
-        <p:cNvPr id="1" name="">
-          <a:extLst>
-            <a:ext uri="{FF2B5EF4-FFF2-40B4-BE49-F238E27FC236}">
-              <a16:creationId xmlns:a16="http://schemas.microsoft.com/office/drawing/2014/main" id="{BA86FC53-DF32-CE64-DFB5-7C8645A52D75}"/>
-            </a:ext>
-          </a:extLst>
-        </p:cNvPr>
-        <p:cNvGrpSpPr/>
-        <p:nvPr/>
-      </p:nvGrpSpPr>
-      <p:grpSpPr>
-        <a:xfrm>
-          <a:off x="0" y="0"/>
-          <a:ext cx="0" cy="0"/>
-          <a:chOff x="0" y="0"/>
-          <a:chExt cx="0" cy="0"/>
-        </a:xfrm>
-      </p:grpSpPr>
-      <p:sp>
-        <p:nvSpPr>
-          <p:cNvPr id="2" name="Title 1">
-            <a:extLst>
-              <a:ext uri="{FF2B5EF4-FFF2-40B4-BE49-F238E27FC236}">
-                <a16:creationId xmlns:a16="http://schemas.microsoft.com/office/drawing/2014/main" id="{C16FF693-5E30-D813-D298-9AB46F923D33}"/>
-              </a:ext>
-            </a:extLst>
-          </p:cNvPr>
-          <p:cNvSpPr>
-            <a:spLocks noGrp="1"/>
-          </p:cNvSpPr>
-          <p:nvPr>
-            <p:ph type="title"/>
-          </p:nvPr>
-        </p:nvSpPr>
-        <p:spPr>
-          <a:xfrm>
-            <a:off x="338666" y="183025"/>
-            <a:ext cx="8421512" cy="769441"/>
-          </a:xfrm>
-        </p:spPr>
-        <p:txBody>
-          <a:bodyPr/>
-          <a:lstStyle/>
-          <a:p>
-            <a:r>
-              <a:rPr lang="en-US" sz="4400" dirty="0"/>
-              <a:t>Example Data Analysis</a:t>
-            </a:r>
-          </a:p>
-        </p:txBody>
-      </p:sp>
-      <p:sp>
-        <p:nvSpPr>
-          <p:cNvPr id="6" name="Content Placeholder 5">
-            <a:extLst>
-              <a:ext uri="{FF2B5EF4-FFF2-40B4-BE49-F238E27FC236}">
-                <a16:creationId xmlns:a16="http://schemas.microsoft.com/office/drawing/2014/main" id="{584FB2EA-A75D-4ADA-B03B-899868167CF9}"/>
-              </a:ext>
-            </a:extLst>
-          </p:cNvPr>
-          <p:cNvSpPr>
-            <a:spLocks noGrp="1"/>
-          </p:cNvSpPr>
-          <p:nvPr>
-            <p:ph idx="1"/>
-          </p:nvPr>
-        </p:nvSpPr>
-        <p:spPr>
-          <a:xfrm>
-            <a:off x="372533" y="952466"/>
-            <a:ext cx="8387645" cy="5595089"/>
-          </a:xfrm>
-        </p:spPr>
-        <p:txBody>
-          <a:bodyPr/>
-          <a:lstStyle/>
-          <a:p>
-            <a:pPr marL="457200" indent="-457200">
-              <a:buFont typeface="+mj-lt"/>
-              <a:buAutoNum type="arabicPeriod"/>
-            </a:pPr>
-            <a:r>
-              <a:rPr lang="en-US" dirty="0"/>
-              <a:t>Suppose A=23.7584 g, B=34.3532 g,</a:t>
-            </a:r>
-            <a:br>
-              <a:rPr lang="en-US" dirty="0"/>
-            </a:br>
-            <a:r>
-              <a:rPr lang="en-US" dirty="0"/>
-              <a:t>C=37.5732 g. After the reaction, D=36.7841 g</a:t>
-            </a:r>
-          </a:p>
-          <a:p>
-            <a:pPr marL="457200" indent="-457200">
-              <a:buFont typeface="+mj-lt"/>
-              <a:buAutoNum type="arabicPeriod"/>
-            </a:pPr>
-            <a:r>
-              <a:rPr lang="en-US" dirty="0"/>
-              <a:t>[B-A]=10.5948 g, [C-B]=3.2200 g,</a:t>
-            </a:r>
-            <a:br>
-              <a:rPr lang="en-US" dirty="0"/>
-            </a:br>
-            <a:r>
-              <a:rPr lang="en-US" dirty="0"/>
-              <a:t>[D-A]=13.0257 g</a:t>
-            </a:r>
-          </a:p>
-          <a:p>
-            <a:pPr marL="457200" indent="-457200">
-              <a:buFont typeface="+mj-lt"/>
-              <a:buAutoNum type="arabicPeriod"/>
-            </a:pPr>
-            <a:r>
-              <a:rPr lang="en-US" dirty="0"/>
-              <a:t>Copper reacted should be same as initial copper, because copper doesn’t go anywhere</a:t>
-            </a:r>
-          </a:p>
-          <a:p>
-            <a:pPr marL="457200" indent="-457200">
-              <a:buFont typeface="+mj-lt"/>
-              <a:buAutoNum type="arabicPeriod"/>
-            </a:pPr>
-            <a:r>
-              <a:rPr lang="en-US" dirty="0"/>
-              <a:t>Sulfur reacted should be [D-A]-[B-A]=13.0257 g - 10.5948 g= 2.4309 g</a:t>
-            </a:r>
-          </a:p>
-          <a:p>
-            <a:pPr marL="457200" indent="-457200">
-              <a:buFont typeface="+mj-lt"/>
-              <a:buAutoNum type="arabicPeriod"/>
-            </a:pPr>
-            <a:r>
-              <a:rPr lang="en-US" dirty="0"/>
-              <a:t>Excess sulfur = [C-B]-2.4309 g = 3.2200 g – 2.4309 g =0.7891 g </a:t>
-            </a:r>
-          </a:p>
-          <a:p>
-            <a:pPr marL="457200" indent="-457200">
-              <a:buFont typeface="+mj-lt"/>
-              <a:buAutoNum type="arabicPeriod"/>
-            </a:pPr>
-            <a:endParaRPr lang="en-US" dirty="0"/>
-          </a:p>
-          <a:p>
-            <a:pPr marL="0" indent="0">
-              <a:buNone/>
-            </a:pPr>
-            <a:r>
-              <a:rPr lang="en-US" dirty="0"/>
-              <a:t>Mass ratio </a:t>
-            </a:r>
-            <a:r>
-              <a:rPr lang="en-US" sz="2000" dirty="0"/>
-              <a:t>= </a:t>
-            </a:r>
-            <a:r>
-              <a:rPr lang="en-US" sz="1800" dirty="0"/>
-              <a:t>c</a:t>
-            </a:r>
-            <a:r>
-              <a:rPr lang="en-US" sz="2000" dirty="0"/>
-              <a:t>opper/sulfur reacted =</a:t>
-            </a:r>
-            <a:r>
-              <a:rPr lang="en-US" dirty="0"/>
-              <a:t> 10.5948 g/2.4309 g</a:t>
-            </a:r>
-            <a:br>
-              <a:rPr lang="en-US" dirty="0"/>
-            </a:br>
-            <a:r>
-              <a:rPr lang="en-US" dirty="0"/>
-              <a:t>= 4.3583</a:t>
-            </a:r>
-          </a:p>
-        </p:txBody>
-      </p:sp>
-    </p:spTree>
-    <p:extLst>
-      <p:ext uri="{BB962C8B-B14F-4D97-AF65-F5344CB8AC3E}">
-        <p14:creationId xmlns:p14="http://schemas.microsoft.com/office/powerpoint/2010/main" val="2049909912"/>
-      </p:ext>
-    </p:extLst>
-  </p:cSld>
-  <p:clrMapOvr>
-    <a:masterClrMapping/>
-  </p:clrMapOvr>
-</p:sld>
-</file>
-
-<file path=ppt/slides/slide14.xml><?xml version="1.0" encoding="utf-8"?>
+<file path=ppt/slides/slide15.xml><?xml version="1.0" encoding="utf-8"?>
 <p:sld xmlns:a="http://schemas.openxmlformats.org/drawingml/2006/main" xmlns:r="http://schemas.openxmlformats.org/officeDocument/2006/relationships" xmlns:p="http://schemas.openxmlformats.org/presentationml/2006/main">
   <p:cSld>
     <p:spTree>
@@ -11041,10 +11441,10 @@
       </p:sp>
       <p:pic>
         <p:nvPicPr>
-          <p:cNvPr id="9" name="Picture 8">
+          <p:cNvPr id="12" name="Picture 11">
             <a:extLst>
               <a:ext uri="{FF2B5EF4-FFF2-40B4-BE49-F238E27FC236}">
-                <a16:creationId xmlns:a16="http://schemas.microsoft.com/office/drawing/2014/main" id="{56740C57-66C8-9D16-1221-A0AFC18EEAA8}"/>
+                <a16:creationId xmlns:a16="http://schemas.microsoft.com/office/drawing/2014/main" id="{09A8ADB2-2E62-ACDA-9790-B0D00F380851}"/>
               </a:ext>
             </a:extLst>
           </p:cNvPr>
@@ -11061,14 +11461,48 @@
         </p:blipFill>
         <p:spPr>
           <a:xfrm>
-            <a:off x="1198797" y="1544665"/>
-            <a:ext cx="6735115" cy="4410691"/>
+            <a:off x="498612" y="1212811"/>
+            <a:ext cx="8135485" cy="5334744"/>
           </a:xfrm>
           <a:prstGeom prst="rect">
             <a:avLst/>
           </a:prstGeom>
         </p:spPr>
       </p:pic>
+      <p:sp>
+        <p:nvSpPr>
+          <p:cNvPr id="3" name="Slide Number Placeholder 2">
+            <a:extLst>
+              <a:ext uri="{FF2B5EF4-FFF2-40B4-BE49-F238E27FC236}">
+                <a16:creationId xmlns:a16="http://schemas.microsoft.com/office/drawing/2014/main" id="{A2CC0E0D-543D-63DC-1811-D0FC7E8AF668}"/>
+              </a:ext>
+            </a:extLst>
+          </p:cNvPr>
+          <p:cNvSpPr>
+            <a:spLocks noGrp="1"/>
+          </p:cNvSpPr>
+          <p:nvPr>
+            <p:ph type="sldNum" sz="quarter" idx="10"/>
+          </p:nvPr>
+        </p:nvSpPr>
+        <p:spPr/>
+        <p:txBody>
+          <a:bodyPr/>
+          <a:lstStyle/>
+          <a:p>
+            <a:fld id="{A0CF78A4-19A0-4EF5-A4D9-597660847FB4}" type="slidenum">
+              <a:rPr lang="en-US" smtClean="0"/>
+              <a:pPr/>
+              <a:t>15</a:t>
+            </a:fld>
+            <a:endParaRPr lang="en-US" b="1" dirty="0">
+              <a:solidFill>
+                <a:schemeClr val="bg1"/>
+              </a:solidFill>
+            </a:endParaRPr>
+          </a:p>
+        </p:txBody>
+      </p:sp>
     </p:spTree>
     <p:extLst>
       <p:ext uri="{BB962C8B-B14F-4D97-AF65-F5344CB8AC3E}">
@@ -11082,7 +11516,7 @@
 </p:sld>
 </file>
 
-<file path=ppt/slides/slide15.xml><?xml version="1.0" encoding="utf-8"?>
+<file path=ppt/slides/slide16.xml><?xml version="1.0" encoding="utf-8"?>
 <p:sld xmlns:a="http://schemas.openxmlformats.org/drawingml/2006/main" xmlns:r="http://schemas.openxmlformats.org/officeDocument/2006/relationships" xmlns:p="http://schemas.openxmlformats.org/presentationml/2006/main">
   <p:cSld>
     <p:spTree>
@@ -11090,7 +11524,7 @@
         <p:cNvPr id="1" name="">
           <a:extLst>
             <a:ext uri="{FF2B5EF4-FFF2-40B4-BE49-F238E27FC236}">
-              <a16:creationId xmlns:a16="http://schemas.microsoft.com/office/drawing/2014/main" id="{2832EE76-6C83-5C3D-1993-CD9FD81DF771}"/>
+              <a16:creationId xmlns:a16="http://schemas.microsoft.com/office/drawing/2014/main" id="{26786FD7-475A-54CD-CA0D-237625076333}"/>
             </a:ext>
           </a:extLst>
         </p:cNvPr>
@@ -11110,7 +11544,7 @@
           <p:cNvPr id="2" name="Title 1">
             <a:extLst>
               <a:ext uri="{FF2B5EF4-FFF2-40B4-BE49-F238E27FC236}">
-                <a16:creationId xmlns:a16="http://schemas.microsoft.com/office/drawing/2014/main" id="{EDC49933-F657-B170-F75F-3F78BE54C29A}"/>
+                <a16:creationId xmlns:a16="http://schemas.microsoft.com/office/drawing/2014/main" id="{FC9AC143-A24C-79FF-2618-96C1D5CE7BF7}"/>
               </a:ext>
             </a:extLst>
           </p:cNvPr>
@@ -11143,7 +11577,7 @@
           <p:cNvPr id="6" name="Content Placeholder 5">
             <a:extLst>
               <a:ext uri="{FF2B5EF4-FFF2-40B4-BE49-F238E27FC236}">
-                <a16:creationId xmlns:a16="http://schemas.microsoft.com/office/drawing/2014/main" id="{444ECB28-EDEE-E9D1-54B7-31E00F0E2195}"/>
+                <a16:creationId xmlns:a16="http://schemas.microsoft.com/office/drawing/2014/main" id="{41B98CE7-F122-66FD-8AA3-B9C27C4A4F2C}"/>
               </a:ext>
             </a:extLst>
           </p:cNvPr>
@@ -11173,10 +11607,10 @@
       </p:sp>
       <p:pic>
         <p:nvPicPr>
-          <p:cNvPr id="5" name="Picture 4">
+          <p:cNvPr id="7" name="Picture 6">
             <a:extLst>
               <a:ext uri="{FF2B5EF4-FFF2-40B4-BE49-F238E27FC236}">
-                <a16:creationId xmlns:a16="http://schemas.microsoft.com/office/drawing/2014/main" id="{26F8E285-EB06-1B1A-B544-3819458B046E}"/>
+                <a16:creationId xmlns:a16="http://schemas.microsoft.com/office/drawing/2014/main" id="{040E312A-51CC-F789-FBE9-EFAA69B99075}"/>
               </a:ext>
             </a:extLst>
           </p:cNvPr>
@@ -11193,48 +11627,52 @@
         </p:blipFill>
         <p:spPr>
           <a:xfrm>
-            <a:off x="1212351" y="952466"/>
-            <a:ext cx="6398123" cy="5594379"/>
+            <a:off x="952772" y="856505"/>
+            <a:ext cx="6904119" cy="5722509"/>
           </a:xfrm>
           <a:prstGeom prst="rect">
             <a:avLst/>
           </a:prstGeom>
         </p:spPr>
       </p:pic>
-      <p:pic>
-        <p:nvPicPr>
-          <p:cNvPr id="8" name="Picture 7">
+      <p:sp>
+        <p:nvSpPr>
+          <p:cNvPr id="3" name="Slide Number Placeholder 2">
             <a:extLst>
               <a:ext uri="{FF2B5EF4-FFF2-40B4-BE49-F238E27FC236}">
-                <a16:creationId xmlns:a16="http://schemas.microsoft.com/office/drawing/2014/main" id="{8D4A8C20-C81E-BB9E-1959-86EF54B63F16}"/>
+                <a16:creationId xmlns:a16="http://schemas.microsoft.com/office/drawing/2014/main" id="{D55FCD85-9180-254C-4E6D-55A072578AE6}"/>
               </a:ext>
             </a:extLst>
           </p:cNvPr>
-          <p:cNvPicPr>
-            <a:picLocks noChangeAspect="1"/>
-          </p:cNvPicPr>
-          <p:nvPr/>
-        </p:nvPicPr>
-        <p:blipFill>
-          <a:blip r:embed="rId3"/>
-          <a:stretch>
-            <a:fillRect/>
-          </a:stretch>
-        </p:blipFill>
-        <p:spPr>
-          <a:xfrm>
-            <a:off x="1196534" y="954890"/>
-            <a:ext cx="6735115" cy="5591955"/>
-          </a:xfrm>
-          <a:prstGeom prst="rect">
-            <a:avLst/>
-          </a:prstGeom>
-        </p:spPr>
-      </p:pic>
+          <p:cNvSpPr>
+            <a:spLocks noGrp="1"/>
+          </p:cNvSpPr>
+          <p:nvPr>
+            <p:ph type="sldNum" sz="quarter" idx="10"/>
+          </p:nvPr>
+        </p:nvSpPr>
+        <p:spPr/>
+        <p:txBody>
+          <a:bodyPr/>
+          <a:lstStyle/>
+          <a:p>
+            <a:fld id="{A0CF78A4-19A0-4EF5-A4D9-597660847FB4}" type="slidenum">
+              <a:rPr lang="en-US" smtClean="0"/>
+              <a:pPr/>
+              <a:t>16</a:t>
+            </a:fld>
+            <a:endParaRPr lang="en-US" b="1" dirty="0">
+              <a:solidFill>
+                <a:schemeClr val="bg1"/>
+              </a:solidFill>
+            </a:endParaRPr>
+          </a:p>
+        </p:txBody>
+      </p:sp>
     </p:spTree>
     <p:extLst>
       <p:ext uri="{BB962C8B-B14F-4D97-AF65-F5344CB8AC3E}">
-        <p14:creationId xmlns:p14="http://schemas.microsoft.com/office/powerpoint/2010/main" val="3196227408"/>
+        <p14:creationId xmlns:p14="http://schemas.microsoft.com/office/powerpoint/2010/main" val="1672224971"/>
       </p:ext>
     </p:extLst>
   </p:cSld>
@@ -11244,7 +11682,7 @@
 </p:sld>
 </file>
 
-<file path=ppt/slides/slide16.xml><?xml version="1.0" encoding="utf-8"?>
+<file path=ppt/slides/slide17.xml><?xml version="1.0" encoding="utf-8"?>
 <p:sld xmlns:a="http://schemas.openxmlformats.org/drawingml/2006/main" xmlns:r="http://schemas.openxmlformats.org/officeDocument/2006/relationships" xmlns:p="http://schemas.openxmlformats.org/presentationml/2006/main">
   <p:cSld>
     <p:spTree>
@@ -11269,10 +11707,10 @@
       </p:grpSpPr>
       <p:sp>
         <p:nvSpPr>
-          <p:cNvPr id="2" name="Title 1">
+          <p:cNvPr id="10" name="Title 9">
             <a:extLst>
               <a:ext uri="{FF2B5EF4-FFF2-40B4-BE49-F238E27FC236}">
-                <a16:creationId xmlns:a16="http://schemas.microsoft.com/office/drawing/2014/main" id="{1D54EC2E-6D38-7FB1-95FD-543FEA32A1AF}"/>
+                <a16:creationId xmlns:a16="http://schemas.microsoft.com/office/drawing/2014/main" id="{D4B00E30-6AC3-5D62-FE03-F064932F35B3}"/>
               </a:ext>
             </a:extLst>
           </p:cNvPr>
@@ -11285,8 +11723,8 @@
         </p:nvSpPr>
         <p:spPr>
           <a:xfrm>
-            <a:off x="338666" y="183025"/>
-            <a:ext cx="8421512" cy="769441"/>
+            <a:off x="361244" y="279898"/>
+            <a:ext cx="8421512" cy="830997"/>
           </a:xfrm>
         </p:spPr>
         <p:txBody>
@@ -11294,51 +11732,18 @@
           <a:lstStyle/>
           <a:p>
             <a:r>
-              <a:rPr lang="en-US" sz="4400" dirty="0"/>
+              <a:rPr lang="en-US" dirty="0"/>
               <a:t>Example Data Analysis</a:t>
             </a:r>
-          </a:p>
-        </p:txBody>
-      </p:sp>
-      <p:sp>
-        <p:nvSpPr>
-          <p:cNvPr id="6" name="Content Placeholder 5">
-            <a:extLst>
-              <a:ext uri="{FF2B5EF4-FFF2-40B4-BE49-F238E27FC236}">
-                <a16:creationId xmlns:a16="http://schemas.microsoft.com/office/drawing/2014/main" id="{FCCA847F-CA41-3B34-E4F2-252313136261}"/>
-              </a:ext>
-            </a:extLst>
-          </p:cNvPr>
-          <p:cNvSpPr>
-            <a:spLocks noGrp="1"/>
-          </p:cNvSpPr>
-          <p:nvPr>
-            <p:ph idx="1"/>
-          </p:nvPr>
-        </p:nvSpPr>
-        <p:spPr>
-          <a:xfrm>
-            <a:off x="372533" y="952466"/>
-            <a:ext cx="8387645" cy="5595089"/>
-          </a:xfrm>
-        </p:spPr>
-        <p:txBody>
-          <a:bodyPr/>
-          <a:lstStyle/>
-          <a:p>
-            <a:pPr marL="0" indent="0">
-              <a:buNone/>
-            </a:pPr>
-            <a:endParaRPr lang="en-US" dirty="0"/>
           </a:p>
         </p:txBody>
       </p:sp>
       <p:pic>
         <p:nvPicPr>
-          <p:cNvPr id="4" name="Picture 3">
+          <p:cNvPr id="12" name="Picture 11">
             <a:extLst>
               <a:ext uri="{FF2B5EF4-FFF2-40B4-BE49-F238E27FC236}">
-                <a16:creationId xmlns:a16="http://schemas.microsoft.com/office/drawing/2014/main" id="{C9477560-0A33-3764-B416-60AE20909426}"/>
+                <a16:creationId xmlns:a16="http://schemas.microsoft.com/office/drawing/2014/main" id="{744512A4-C7A1-D468-A8B2-F5ABDF7DE88E}"/>
               </a:ext>
             </a:extLst>
           </p:cNvPr>
@@ -11355,14 +11760,48 @@
         </p:blipFill>
         <p:spPr>
           <a:xfrm>
-            <a:off x="1316644" y="1096205"/>
-            <a:ext cx="6465555" cy="5451350"/>
+            <a:off x="1170031" y="1194785"/>
+            <a:ext cx="6468378" cy="5449060"/>
           </a:xfrm>
           <a:prstGeom prst="rect">
             <a:avLst/>
           </a:prstGeom>
         </p:spPr>
       </p:pic>
+      <p:sp>
+        <p:nvSpPr>
+          <p:cNvPr id="2" name="Slide Number Placeholder 1">
+            <a:extLst>
+              <a:ext uri="{FF2B5EF4-FFF2-40B4-BE49-F238E27FC236}">
+                <a16:creationId xmlns:a16="http://schemas.microsoft.com/office/drawing/2014/main" id="{08C98A2D-7ED5-F14C-123A-4CCB7C6FBDCE}"/>
+              </a:ext>
+            </a:extLst>
+          </p:cNvPr>
+          <p:cNvSpPr>
+            <a:spLocks noGrp="1"/>
+          </p:cNvSpPr>
+          <p:nvPr>
+            <p:ph type="sldNum" sz="quarter" idx="10"/>
+          </p:nvPr>
+        </p:nvSpPr>
+        <p:spPr/>
+        <p:txBody>
+          <a:bodyPr/>
+          <a:lstStyle/>
+          <a:p>
+            <a:fld id="{A0CF78A4-19A0-4EF5-A4D9-597660847FB4}" type="slidenum">
+              <a:rPr lang="en-US" smtClean="0"/>
+              <a:pPr/>
+              <a:t>17</a:t>
+            </a:fld>
+            <a:endParaRPr lang="en-US" b="1" dirty="0">
+              <a:solidFill>
+                <a:schemeClr val="bg1"/>
+              </a:solidFill>
+            </a:endParaRPr>
+          </a:p>
+        </p:txBody>
+      </p:sp>
     </p:spTree>
     <p:extLst>
       <p:ext uri="{BB962C8B-B14F-4D97-AF65-F5344CB8AC3E}">
@@ -11613,6 +12052,40 @@
           </a:prstGeom>
         </p:spPr>
       </p:pic>
+      <p:sp>
+        <p:nvSpPr>
+          <p:cNvPr id="4" name="Slide Number Placeholder 3">
+            <a:extLst>
+              <a:ext uri="{FF2B5EF4-FFF2-40B4-BE49-F238E27FC236}">
+                <a16:creationId xmlns:a16="http://schemas.microsoft.com/office/drawing/2014/main" id="{54266CDF-0509-2C2E-DC7C-799EDE8D942A}"/>
+              </a:ext>
+            </a:extLst>
+          </p:cNvPr>
+          <p:cNvSpPr>
+            <a:spLocks noGrp="1"/>
+          </p:cNvSpPr>
+          <p:nvPr>
+            <p:ph type="sldNum" sz="quarter" idx="10"/>
+          </p:nvPr>
+        </p:nvSpPr>
+        <p:spPr/>
+        <p:txBody>
+          <a:bodyPr/>
+          <a:lstStyle/>
+          <a:p>
+            <a:fld id="{A0CF78A4-19A0-4EF5-A4D9-597660847FB4}" type="slidenum">
+              <a:rPr lang="en-US" smtClean="0"/>
+              <a:pPr/>
+              <a:t>2</a:t>
+            </a:fld>
+            <a:endParaRPr lang="en-US" b="1" dirty="0">
+              <a:solidFill>
+                <a:schemeClr val="bg1"/>
+              </a:solidFill>
+            </a:endParaRPr>
+          </a:p>
+        </p:txBody>
+      </p:sp>
     </p:spTree>
     <p:extLst>
       <p:ext uri="{BB962C8B-B14F-4D97-AF65-F5344CB8AC3E}">
@@ -11713,7 +12186,7 @@
             </a:pPr>
             <a:r>
               <a:rPr lang="en-US" sz="2000" dirty="0"/>
-              <a:t>The reactions involved in alum synthesis are shown:</a:t>
+              <a:t>There are FOUR reactions involved in alum synthesis:</a:t>
             </a:r>
           </a:p>
           <a:p>
@@ -11935,12 +12408,21 @@
               </a:tabLst>
             </a:pPr>
             <a:r>
-              <a:rPr lang="en-US" sz="1600" i="1" dirty="0">
+              <a:rPr lang="en-US" sz="1800" b="1" dirty="0">
+                <a:solidFill>
+                  <a:srgbClr val="FF00FF"/>
+                </a:solidFill>
                 <a:sym typeface="Wingdings" panose="05000000000000000000" pitchFamily="2" charset="2"/>
               </a:rPr>
-              <a:t>This reaction evolves a gas</a:t>
-            </a:r>
-            <a:endParaRPr lang="en-US" sz="1600" i="1" dirty="0"/>
+              <a:t>SINGLE REPLACEMENT – REDOX</a:t>
+            </a:r>
+            <a:r>
+              <a:rPr lang="en-US" sz="1800" i="1" dirty="0">
+                <a:sym typeface="Wingdings" panose="05000000000000000000" pitchFamily="2" charset="2"/>
+              </a:rPr>
+              <a:t> – This reaction evolves a gas</a:t>
+            </a:r>
+            <a:endParaRPr lang="en-US" sz="1800" i="1" dirty="0"/>
           </a:p>
           <a:p>
             <a:pPr marL="514350" indent="0">
@@ -12235,6 +12717,30 @@
               <a:buNone/>
             </a:pPr>
             <a:r>
+              <a:rPr lang="en-US" sz="1800" b="1" dirty="0">
+                <a:solidFill>
+                  <a:srgbClr val="FF00FF"/>
+                </a:solidFill>
+                <a:sym typeface="Wingdings" panose="05000000000000000000" pitchFamily="2" charset="2"/>
+              </a:rPr>
+              <a:t>DOUBLE REPLACEMENT – PRECIPITATION </a:t>
+            </a:r>
+            <a:r>
+              <a:rPr lang="en-US" sz="1800" i="1" dirty="0">
+                <a:sym typeface="Wingdings" panose="05000000000000000000" pitchFamily="2" charset="2"/>
+              </a:rPr>
+              <a:t>–</a:t>
+            </a:r>
+            <a:r>
+              <a:rPr lang="en-US" sz="1800" b="1" dirty="0">
+                <a:solidFill>
+                  <a:srgbClr val="FF00FF"/>
+                </a:solidFill>
+                <a:sym typeface="Wingdings" panose="05000000000000000000" pitchFamily="2" charset="2"/>
+              </a:rPr>
+              <a:t> </a:t>
+            </a:r>
+            <a:r>
               <a:rPr lang="en-US" sz="1800" i="1" dirty="0">
                 <a:sym typeface="Wingdings" panose="05000000000000000000" pitchFamily="2" charset="2"/>
               </a:rPr>
@@ -12492,7 +12998,22 @@
               <a:rPr lang="en-US" sz="1800" i="1" dirty="0">
                 <a:sym typeface="Wingdings" panose="05000000000000000000" pitchFamily="2" charset="2"/>
               </a:rPr>
-              <a:t>This is an acid-base neutralization of an alkaline precipitate</a:t>
+              <a:t>This is an </a:t>
+            </a:r>
+            <a:r>
+              <a:rPr lang="en-US" sz="1800" b="1" dirty="0">
+                <a:solidFill>
+                  <a:srgbClr val="FF00FF"/>
+                </a:solidFill>
+                <a:sym typeface="Wingdings" panose="05000000000000000000" pitchFamily="2" charset="2"/>
+              </a:rPr>
+              <a:t>ACID-BASE NEUTRALIZATION </a:t>
+            </a:r>
+            <a:r>
+              <a:rPr lang="en-US" sz="1800" i="1" dirty="0">
+                <a:sym typeface="Wingdings" panose="05000000000000000000" pitchFamily="2" charset="2"/>
+              </a:rPr>
+              <a:t>of an alkaline precipitate</a:t>
             </a:r>
             <a:endParaRPr lang="en-US" sz="1800" i="1" dirty="0"/>
           </a:p>
@@ -12805,7 +13326,22 @@
               <a:rPr lang="en-US" sz="1800" i="1" dirty="0">
                 <a:sym typeface="Wingdings" panose="05000000000000000000" pitchFamily="2" charset="2"/>
               </a:rPr>
-              <a:t>This is a crystallization of a double salt</a:t>
+              <a:t>This is a </a:t>
+            </a:r>
+            <a:r>
+              <a:rPr lang="en-US" sz="1800" b="1" dirty="0">
+                <a:solidFill>
+                  <a:srgbClr val="FF00FF"/>
+                </a:solidFill>
+                <a:sym typeface="Wingdings" panose="05000000000000000000" pitchFamily="2" charset="2"/>
+              </a:rPr>
+              <a:t>HYDRATION &amp; CRYSTALLIZATION</a:t>
+            </a:r>
+            <a:r>
+              <a:rPr lang="en-US" sz="1800" i="1" dirty="0">
+                <a:sym typeface="Wingdings" panose="05000000000000000000" pitchFamily="2" charset="2"/>
+              </a:rPr>
+              <a:t> of a double salt</a:t>
             </a:r>
             <a:endParaRPr lang="en-US" sz="1800" i="1" dirty="0"/>
           </a:p>
@@ -13100,7 +13636,22 @@
               <a:rPr lang="en-US" sz="1800" i="1" dirty="0">
                 <a:sym typeface="Wingdings" panose="05000000000000000000" pitchFamily="2" charset="2"/>
               </a:rPr>
-              <a:t>This is the net reaction by combining all steps</a:t>
+              <a:t>This is the </a:t>
+            </a:r>
+            <a:r>
+              <a:rPr lang="en-US" sz="1800" b="1" dirty="0">
+                <a:solidFill>
+                  <a:srgbClr val="FF00FF"/>
+                </a:solidFill>
+                <a:sym typeface="Wingdings" panose="05000000000000000000" pitchFamily="2" charset="2"/>
+              </a:rPr>
+              <a:t>NET REACTION </a:t>
+            </a:r>
+            <a:r>
+              <a:rPr lang="en-US" sz="1800" i="1" dirty="0">
+                <a:sym typeface="Wingdings" panose="05000000000000000000" pitchFamily="2" charset="2"/>
+              </a:rPr>
+              <a:t>by combining all steps</a:t>
             </a:r>
             <a:endParaRPr lang="en-US" sz="1800" i="1" dirty="0"/>
           </a:p>
@@ -13114,6 +13665,40 @@
             <a:endParaRPr lang="en-US" sz="2000" dirty="0">
               <a:solidFill>
                 <a:srgbClr val="00FF00"/>
+              </a:solidFill>
+            </a:endParaRPr>
+          </a:p>
+        </p:txBody>
+      </p:sp>
+      <p:sp>
+        <p:nvSpPr>
+          <p:cNvPr id="4" name="Slide Number Placeholder 3">
+            <a:extLst>
+              <a:ext uri="{FF2B5EF4-FFF2-40B4-BE49-F238E27FC236}">
+                <a16:creationId xmlns:a16="http://schemas.microsoft.com/office/drawing/2014/main" id="{787F5A02-2CFA-B117-88BC-E6CBA6E859B7}"/>
+              </a:ext>
+            </a:extLst>
+          </p:cNvPr>
+          <p:cNvSpPr>
+            <a:spLocks noGrp="1"/>
+          </p:cNvSpPr>
+          <p:nvPr>
+            <p:ph type="sldNum" sz="quarter" idx="10"/>
+          </p:nvPr>
+        </p:nvSpPr>
+        <p:spPr/>
+        <p:txBody>
+          <a:bodyPr/>
+          <a:lstStyle/>
+          <a:p>
+            <a:fld id="{A0CF78A4-19A0-4EF5-A4D9-597660847FB4}" type="slidenum">
+              <a:rPr lang="en-US" smtClean="0"/>
+              <a:pPr/>
+              <a:t>3</a:t>
+            </a:fld>
+            <a:endParaRPr lang="en-US" b="1" dirty="0">
+              <a:solidFill>
+                <a:schemeClr val="bg1"/>
               </a:solidFill>
             </a:endParaRPr>
           </a:p>
@@ -13250,6 +13835,40 @@
           </a:p>
         </p:txBody>
       </p:sp>
+      <p:sp>
+        <p:nvSpPr>
+          <p:cNvPr id="4" name="Slide Number Placeholder 3">
+            <a:extLst>
+              <a:ext uri="{FF2B5EF4-FFF2-40B4-BE49-F238E27FC236}">
+                <a16:creationId xmlns:a16="http://schemas.microsoft.com/office/drawing/2014/main" id="{86A1721D-96E6-43D0-0A58-2F99E4D4C9A6}"/>
+              </a:ext>
+            </a:extLst>
+          </p:cNvPr>
+          <p:cNvSpPr>
+            <a:spLocks noGrp="1"/>
+          </p:cNvSpPr>
+          <p:nvPr>
+            <p:ph type="sldNum" sz="quarter" idx="10"/>
+          </p:nvPr>
+        </p:nvSpPr>
+        <p:spPr/>
+        <p:txBody>
+          <a:bodyPr/>
+          <a:lstStyle/>
+          <a:p>
+            <a:fld id="{A0CF78A4-19A0-4EF5-A4D9-597660847FB4}" type="slidenum">
+              <a:rPr lang="en-US" smtClean="0"/>
+              <a:pPr/>
+              <a:t>4</a:t>
+            </a:fld>
+            <a:endParaRPr lang="en-US" b="1" dirty="0">
+              <a:solidFill>
+                <a:schemeClr val="bg1"/>
+              </a:solidFill>
+            </a:endParaRPr>
+          </a:p>
+        </p:txBody>
+      </p:sp>
     </p:spTree>
     <p:extLst>
       <p:ext uri="{BB962C8B-B14F-4D97-AF65-F5344CB8AC3E}">
@@ -13359,11 +13978,51 @@
           <a:p>
             <a:r>
               <a:rPr lang="en-US" dirty="0"/>
-              <a:t>I show on the </a:t>
-            </a:r>
-          </a:p>
-          <a:p>
+              <a:t>Check the web page I wrote in ensuring reproducibility in use of instruments</a:t>
+            </a:r>
+          </a:p>
+          <a:p>
+            <a:r>
+              <a:rPr lang="en-US" dirty="0">
+                <a:hlinkClick r:id="rId2"/>
+              </a:rPr>
+              <a:t>http://fresno.chem101.com/Chemistry/BetterLabReports.html</a:t>
+            </a:r>
             <a:endParaRPr lang="en-US" dirty="0"/>
+          </a:p>
+        </p:txBody>
+      </p:sp>
+      <p:sp>
+        <p:nvSpPr>
+          <p:cNvPr id="4" name="Slide Number Placeholder 3">
+            <a:extLst>
+              <a:ext uri="{FF2B5EF4-FFF2-40B4-BE49-F238E27FC236}">
+                <a16:creationId xmlns:a16="http://schemas.microsoft.com/office/drawing/2014/main" id="{661ED229-C48D-8670-429F-99F770772366}"/>
+              </a:ext>
+            </a:extLst>
+          </p:cNvPr>
+          <p:cNvSpPr>
+            <a:spLocks noGrp="1"/>
+          </p:cNvSpPr>
+          <p:nvPr>
+            <p:ph type="sldNum" sz="quarter" idx="10"/>
+          </p:nvPr>
+        </p:nvSpPr>
+        <p:spPr/>
+        <p:txBody>
+          <a:bodyPr/>
+          <a:lstStyle/>
+          <a:p>
+            <a:fld id="{A0CF78A4-19A0-4EF5-A4D9-597660847FB4}" type="slidenum">
+              <a:rPr lang="en-US" smtClean="0"/>
+              <a:pPr/>
+              <a:t>5</a:t>
+            </a:fld>
+            <a:endParaRPr lang="en-US" b="1" dirty="0">
+              <a:solidFill>
+                <a:schemeClr val="bg1"/>
+              </a:solidFill>
+            </a:endParaRPr>
           </a:p>
         </p:txBody>
       </p:sp>
@@ -13381,6 +14040,198 @@
 </file>
 
 <file path=ppt/slides/slide6.xml><?xml version="1.0" encoding="utf-8"?>
+<p:sld xmlns:a="http://schemas.openxmlformats.org/drawingml/2006/main" xmlns:r="http://schemas.openxmlformats.org/officeDocument/2006/relationships" xmlns:p="http://schemas.openxmlformats.org/presentationml/2006/main">
+  <p:cSld>
+    <p:spTree>
+      <p:nvGrpSpPr>
+        <p:cNvPr id="1" name="">
+          <a:extLst>
+            <a:ext uri="{FF2B5EF4-FFF2-40B4-BE49-F238E27FC236}">
+              <a16:creationId xmlns:a16="http://schemas.microsoft.com/office/drawing/2014/main" id="{42DBF3C9-17B3-07F0-A77E-4DBC43A79740}"/>
+            </a:ext>
+          </a:extLst>
+        </p:cNvPr>
+        <p:cNvGrpSpPr/>
+        <p:nvPr/>
+      </p:nvGrpSpPr>
+      <p:grpSpPr>
+        <a:xfrm>
+          <a:off x="0" y="0"/>
+          <a:ext cx="0" cy="0"/>
+          <a:chOff x="0" y="0"/>
+          <a:chExt cx="0" cy="0"/>
+        </a:xfrm>
+      </p:grpSpPr>
+      <p:sp>
+        <p:nvSpPr>
+          <p:cNvPr id="2" name="Title 1">
+            <a:extLst>
+              <a:ext uri="{FF2B5EF4-FFF2-40B4-BE49-F238E27FC236}">
+                <a16:creationId xmlns:a16="http://schemas.microsoft.com/office/drawing/2014/main" id="{5E211315-3B1A-23F7-D038-1C329DE5E27F}"/>
+              </a:ext>
+            </a:extLst>
+          </p:cNvPr>
+          <p:cNvSpPr>
+            <a:spLocks noGrp="1"/>
+          </p:cNvSpPr>
+          <p:nvPr>
+            <p:ph type="title"/>
+          </p:nvPr>
+        </p:nvSpPr>
+        <p:spPr>
+          <a:xfrm>
+            <a:off x="361244" y="187156"/>
+            <a:ext cx="8421512" cy="830997"/>
+          </a:xfrm>
+        </p:spPr>
+        <p:txBody>
+          <a:bodyPr/>
+          <a:lstStyle/>
+          <a:p>
+            <a:r>
+              <a:rPr lang="en-US" dirty="0"/>
+              <a:t>Limiting &amp; Excess Reagents</a:t>
+            </a:r>
+          </a:p>
+        </p:txBody>
+      </p:sp>
+      <p:sp>
+        <p:nvSpPr>
+          <p:cNvPr id="3" name="Content Placeholder 2">
+            <a:extLst>
+              <a:ext uri="{FF2B5EF4-FFF2-40B4-BE49-F238E27FC236}">
+                <a16:creationId xmlns:a16="http://schemas.microsoft.com/office/drawing/2014/main" id="{07B927FD-8B91-5A9F-92C4-67FECAEC2F96}"/>
+              </a:ext>
+            </a:extLst>
+          </p:cNvPr>
+          <p:cNvSpPr>
+            <a:spLocks noGrp="1"/>
+          </p:cNvSpPr>
+          <p:nvPr>
+            <p:ph idx="1"/>
+          </p:nvPr>
+        </p:nvSpPr>
+        <p:spPr>
+          <a:xfrm>
+            <a:off x="362259" y="1109610"/>
+            <a:ext cx="8387645" cy="5437946"/>
+          </a:xfrm>
+        </p:spPr>
+        <p:txBody>
+          <a:bodyPr/>
+          <a:lstStyle/>
+          <a:p>
+            <a:r>
+              <a:rPr lang="en-US" dirty="0"/>
+              <a:t>You will use three reagents in this experiment</a:t>
+            </a:r>
+          </a:p>
+          <a:p>
+            <a:pPr lvl="1"/>
+            <a:r>
+              <a:rPr lang="en-US" sz="2400" dirty="0"/>
+              <a:t>aluminum solid (foil or powder)</a:t>
+            </a:r>
+          </a:p>
+          <a:p>
+            <a:pPr lvl="1"/>
+            <a:r>
+              <a:rPr lang="en-US" sz="2400" dirty="0"/>
+              <a:t>potassium hydroxide</a:t>
+            </a:r>
+          </a:p>
+          <a:p>
+            <a:pPr lvl="1"/>
+            <a:r>
+              <a:rPr lang="en-US" sz="2400" dirty="0"/>
+              <a:t>sulfuric acid</a:t>
+            </a:r>
+          </a:p>
+          <a:p>
+            <a:r>
+              <a:rPr lang="en-US" dirty="0"/>
+              <a:t>Which of these is/are the limiting reagent? Can there be more than one limiting reagent?</a:t>
+            </a:r>
+          </a:p>
+          <a:p>
+            <a:r>
+              <a:rPr lang="en-US" dirty="0"/>
+              <a:t>Which of these is/are the excess reagent? Can there be more than one excess reagent?</a:t>
+            </a:r>
+          </a:p>
+          <a:p>
+            <a:r>
+              <a:rPr lang="en-US" dirty="0"/>
+              <a:t>About 0.4 g aluminum is used. What is that in moles?</a:t>
+            </a:r>
+          </a:p>
+          <a:p>
+            <a:r>
+              <a:rPr lang="en-US" dirty="0"/>
+              <a:t>Why was about 20 mL of 1.5 M KOH used?</a:t>
+            </a:r>
+          </a:p>
+          <a:p>
+            <a:r>
+              <a:rPr lang="en-US" dirty="0"/>
+              <a:t>Why was 7.5 mL of 6 M </a:t>
+            </a:r>
+            <a:r>
+              <a:rPr lang="en-US"/>
+              <a:t>sulfuric acid used?</a:t>
+            </a:r>
+            <a:endParaRPr lang="en-US" dirty="0"/>
+          </a:p>
+        </p:txBody>
+      </p:sp>
+      <p:sp>
+        <p:nvSpPr>
+          <p:cNvPr id="4" name="Slide Number Placeholder 3">
+            <a:extLst>
+              <a:ext uri="{FF2B5EF4-FFF2-40B4-BE49-F238E27FC236}">
+                <a16:creationId xmlns:a16="http://schemas.microsoft.com/office/drawing/2014/main" id="{76D2358F-6B86-C242-452C-A1FB699A6E23}"/>
+              </a:ext>
+            </a:extLst>
+          </p:cNvPr>
+          <p:cNvSpPr>
+            <a:spLocks noGrp="1"/>
+          </p:cNvSpPr>
+          <p:nvPr>
+            <p:ph type="sldNum" sz="quarter" idx="10"/>
+          </p:nvPr>
+        </p:nvSpPr>
+        <p:spPr/>
+        <p:txBody>
+          <a:bodyPr/>
+          <a:lstStyle/>
+          <a:p>
+            <a:fld id="{A0CF78A4-19A0-4EF5-A4D9-597660847FB4}" type="slidenum">
+              <a:rPr lang="en-US" smtClean="0"/>
+              <a:pPr/>
+              <a:t>6</a:t>
+            </a:fld>
+            <a:endParaRPr lang="en-US" b="1" dirty="0">
+              <a:solidFill>
+                <a:schemeClr val="bg1"/>
+              </a:solidFill>
+            </a:endParaRPr>
+          </a:p>
+        </p:txBody>
+      </p:sp>
+    </p:spTree>
+    <p:extLst>
+      <p:ext uri="{BB962C8B-B14F-4D97-AF65-F5344CB8AC3E}">
+        <p14:creationId xmlns:p14="http://schemas.microsoft.com/office/powerpoint/2010/main" val="3472551951"/>
+      </p:ext>
+    </p:extLst>
+  </p:cSld>
+  <p:clrMapOvr>
+    <a:masterClrMapping/>
+  </p:clrMapOvr>
+</p:sld>
+</file>
+
+<file path=ppt/slides/slide7.xml><?xml version="1.0" encoding="utf-8"?>
 <p:sld xmlns:a="http://schemas.openxmlformats.org/drawingml/2006/main" xmlns:r="http://schemas.openxmlformats.org/officeDocument/2006/relationships" xmlns:p="http://schemas.openxmlformats.org/presentationml/2006/main">
   <p:cSld>
     <p:spTree>
@@ -13463,10 +14314,10 @@
       </p:sp>
       <p:pic>
         <p:nvPicPr>
-          <p:cNvPr id="28" name="Picture 27">
+          <p:cNvPr id="9" name="Picture 8">
             <a:extLst>
               <a:ext uri="{FF2B5EF4-FFF2-40B4-BE49-F238E27FC236}">
-                <a16:creationId xmlns:a16="http://schemas.microsoft.com/office/drawing/2014/main" id="{E3D37E1F-6623-386E-390F-27A95E1D5E63}"/>
+                <a16:creationId xmlns:a16="http://schemas.microsoft.com/office/drawing/2014/main" id="{EA8EC464-D6B0-ECBC-152A-77212E80A297}"/>
               </a:ext>
             </a:extLst>
           </p:cNvPr>
@@ -13483,14 +14334,48 @@
         </p:blipFill>
         <p:spPr>
           <a:xfrm>
-            <a:off x="163688" y="1073405"/>
-            <a:ext cx="8805334" cy="5661611"/>
+            <a:off x="383822" y="1116130"/>
+            <a:ext cx="7922413" cy="5618886"/>
           </a:xfrm>
           <a:prstGeom prst="rect">
             <a:avLst/>
           </a:prstGeom>
         </p:spPr>
       </p:pic>
+      <p:sp>
+        <p:nvSpPr>
+          <p:cNvPr id="3" name="Slide Number Placeholder 2">
+            <a:extLst>
+              <a:ext uri="{FF2B5EF4-FFF2-40B4-BE49-F238E27FC236}">
+                <a16:creationId xmlns:a16="http://schemas.microsoft.com/office/drawing/2014/main" id="{24EC9B3E-7900-8197-7CF5-0FF14DE9585A}"/>
+              </a:ext>
+            </a:extLst>
+          </p:cNvPr>
+          <p:cNvSpPr>
+            <a:spLocks noGrp="1"/>
+          </p:cNvSpPr>
+          <p:nvPr>
+            <p:ph type="sldNum" sz="quarter" idx="10"/>
+          </p:nvPr>
+        </p:nvSpPr>
+        <p:spPr/>
+        <p:txBody>
+          <a:bodyPr/>
+          <a:lstStyle/>
+          <a:p>
+            <a:fld id="{A0CF78A4-19A0-4EF5-A4D9-597660847FB4}" type="slidenum">
+              <a:rPr lang="en-US" smtClean="0"/>
+              <a:pPr/>
+              <a:t>7</a:t>
+            </a:fld>
+            <a:endParaRPr lang="en-US" b="1" dirty="0">
+              <a:solidFill>
+                <a:schemeClr val="bg1"/>
+              </a:solidFill>
+            </a:endParaRPr>
+          </a:p>
+        </p:txBody>
+      </p:sp>
     </p:spTree>
     <p:extLst>
       <p:ext uri="{BB962C8B-B14F-4D97-AF65-F5344CB8AC3E}">
@@ -13504,7 +14389,165 @@
 </p:sld>
 </file>
 
-<file path=ppt/slides/slide7.xml><?xml version="1.0" encoding="utf-8"?>
+<file path=ppt/slides/slide8.xml><?xml version="1.0" encoding="utf-8"?>
+<p:sld xmlns:a="http://schemas.openxmlformats.org/drawingml/2006/main" xmlns:r="http://schemas.openxmlformats.org/officeDocument/2006/relationships" xmlns:p="http://schemas.openxmlformats.org/presentationml/2006/main">
+  <p:cSld>
+    <p:spTree>
+      <p:nvGrpSpPr>
+        <p:cNvPr id="1" name="">
+          <a:extLst>
+            <a:ext uri="{FF2B5EF4-FFF2-40B4-BE49-F238E27FC236}">
+              <a16:creationId xmlns:a16="http://schemas.microsoft.com/office/drawing/2014/main" id="{36110911-A678-A539-24C7-B3E828133340}"/>
+            </a:ext>
+          </a:extLst>
+        </p:cNvPr>
+        <p:cNvGrpSpPr/>
+        <p:nvPr/>
+      </p:nvGrpSpPr>
+      <p:grpSpPr>
+        <a:xfrm>
+          <a:off x="0" y="0"/>
+          <a:ext cx="0" cy="0"/>
+          <a:chOff x="0" y="0"/>
+          <a:chExt cx="0" cy="0"/>
+        </a:xfrm>
+      </p:grpSpPr>
+      <p:sp>
+        <p:nvSpPr>
+          <p:cNvPr id="4" name="Content Placeholder 3">
+            <a:extLst>
+              <a:ext uri="{FF2B5EF4-FFF2-40B4-BE49-F238E27FC236}">
+                <a16:creationId xmlns:a16="http://schemas.microsoft.com/office/drawing/2014/main" id="{28E76CC6-CA88-A77D-26F8-9D0DC156DA60}"/>
+              </a:ext>
+            </a:extLst>
+          </p:cNvPr>
+          <p:cNvSpPr>
+            <a:spLocks noGrp="1"/>
+          </p:cNvSpPr>
+          <p:nvPr>
+            <p:ph idx="1"/>
+          </p:nvPr>
+        </p:nvSpPr>
+        <p:spPr/>
+        <p:txBody>
+          <a:bodyPr/>
+          <a:lstStyle/>
+          <a:p>
+            <a:endParaRPr lang="en-US" dirty="0"/>
+          </a:p>
+        </p:txBody>
+      </p:sp>
+      <p:sp>
+        <p:nvSpPr>
+          <p:cNvPr id="2" name="Title 1">
+            <a:extLst>
+              <a:ext uri="{FF2B5EF4-FFF2-40B4-BE49-F238E27FC236}">
+                <a16:creationId xmlns:a16="http://schemas.microsoft.com/office/drawing/2014/main" id="{4A7D63BE-40B3-96F6-FE7E-9577DC4AA799}"/>
+              </a:ext>
+            </a:extLst>
+          </p:cNvPr>
+          <p:cNvSpPr>
+            <a:spLocks noGrp="1"/>
+          </p:cNvSpPr>
+          <p:nvPr>
+            <p:ph type="title"/>
+          </p:nvPr>
+        </p:nvSpPr>
+        <p:spPr>
+          <a:xfrm>
+            <a:off x="338666" y="122984"/>
+            <a:ext cx="8421512" cy="830997"/>
+          </a:xfrm>
+        </p:spPr>
+        <p:txBody>
+          <a:bodyPr/>
+          <a:lstStyle/>
+          <a:p>
+            <a:r>
+              <a:rPr lang="en-US" dirty="0"/>
+              <a:t>Consumables You Will Use</a:t>
+            </a:r>
+          </a:p>
+        </p:txBody>
+      </p:sp>
+      <p:pic>
+        <p:nvPicPr>
+          <p:cNvPr id="5" name="Picture 4">
+            <a:extLst>
+              <a:ext uri="{FF2B5EF4-FFF2-40B4-BE49-F238E27FC236}">
+                <a16:creationId xmlns:a16="http://schemas.microsoft.com/office/drawing/2014/main" id="{23672F64-BC0D-C1FF-82EC-084C629F4638}"/>
+              </a:ext>
+            </a:extLst>
+          </p:cNvPr>
+          <p:cNvPicPr>
+            <a:picLocks noChangeAspect="1"/>
+          </p:cNvPicPr>
+          <p:nvPr/>
+        </p:nvPicPr>
+        <p:blipFill>
+          <a:blip r:embed="rId2"/>
+          <a:stretch>
+            <a:fillRect/>
+          </a:stretch>
+        </p:blipFill>
+        <p:spPr>
+          <a:xfrm>
+            <a:off x="215113" y="1464502"/>
+            <a:ext cx="8702483" cy="4617516"/>
+          </a:xfrm>
+          <a:prstGeom prst="rect">
+            <a:avLst/>
+          </a:prstGeom>
+        </p:spPr>
+      </p:pic>
+      <p:sp>
+        <p:nvSpPr>
+          <p:cNvPr id="3" name="Slide Number Placeholder 2">
+            <a:extLst>
+              <a:ext uri="{FF2B5EF4-FFF2-40B4-BE49-F238E27FC236}">
+                <a16:creationId xmlns:a16="http://schemas.microsoft.com/office/drawing/2014/main" id="{7AED9D9E-BA47-EDED-55B4-02921784187F}"/>
+              </a:ext>
+            </a:extLst>
+          </p:cNvPr>
+          <p:cNvSpPr>
+            <a:spLocks noGrp="1"/>
+          </p:cNvSpPr>
+          <p:nvPr>
+            <p:ph type="sldNum" sz="quarter" idx="10"/>
+          </p:nvPr>
+        </p:nvSpPr>
+        <p:spPr/>
+        <p:txBody>
+          <a:bodyPr/>
+          <a:lstStyle/>
+          <a:p>
+            <a:fld id="{A0CF78A4-19A0-4EF5-A4D9-597660847FB4}" type="slidenum">
+              <a:rPr lang="en-US" smtClean="0"/>
+              <a:pPr/>
+              <a:t>8</a:t>
+            </a:fld>
+            <a:endParaRPr lang="en-US" b="1" dirty="0">
+              <a:solidFill>
+                <a:schemeClr val="bg1"/>
+              </a:solidFill>
+            </a:endParaRPr>
+          </a:p>
+        </p:txBody>
+      </p:sp>
+    </p:spTree>
+    <p:extLst>
+      <p:ext uri="{BB962C8B-B14F-4D97-AF65-F5344CB8AC3E}">
+        <p14:creationId xmlns:p14="http://schemas.microsoft.com/office/powerpoint/2010/main" val="3710894926"/>
+      </p:ext>
+    </p:extLst>
+  </p:cSld>
+  <p:clrMapOvr>
+    <a:masterClrMapping/>
+  </p:clrMapOvr>
+</p:sld>
+</file>
+
+<file path=ppt/slides/slide9.xml><?xml version="1.0" encoding="utf-8"?>
 <p:sld xmlns:a="http://schemas.openxmlformats.org/drawingml/2006/main" xmlns:r="http://schemas.openxmlformats.org/officeDocument/2006/relationships" xmlns:p="http://schemas.openxmlformats.org/presentationml/2006/main">
   <p:cSld>
     <p:spTree>
@@ -13635,7 +14678,7 @@
                   <a:srgbClr val="FFFF00"/>
                 </a:solidFill>
               </a:rPr>
-              <a:t>Reaction 1 (H</a:t>
+              <a:t>Reaction 1 - REDOX (H</a:t>
             </a:r>
             <a:r>
               <a:rPr lang="en-US" b="1" i="1" baseline="-25000" dirty="0">
@@ -13724,48 +14767,12 @@
           </a:p>
         </p:txBody>
       </p:sp>
-    </p:spTree>
-    <p:extLst>
-      <p:ext uri="{BB962C8B-B14F-4D97-AF65-F5344CB8AC3E}">
-        <p14:creationId xmlns:p14="http://schemas.microsoft.com/office/powerpoint/2010/main" val="3952654810"/>
-      </p:ext>
-    </p:extLst>
-  </p:cSld>
-  <p:clrMapOvr>
-    <a:masterClrMapping/>
-  </p:clrMapOvr>
-</p:sld>
-</file>
-
-<file path=ppt/slides/slide8.xml><?xml version="1.0" encoding="utf-8"?>
-<p:sld xmlns:a="http://schemas.openxmlformats.org/drawingml/2006/main" xmlns:r="http://schemas.openxmlformats.org/officeDocument/2006/relationships" xmlns:p="http://schemas.openxmlformats.org/presentationml/2006/main">
-  <p:cSld>
-    <p:spTree>
-      <p:nvGrpSpPr>
-        <p:cNvPr id="1" name="">
-          <a:extLst>
-            <a:ext uri="{FF2B5EF4-FFF2-40B4-BE49-F238E27FC236}">
-              <a16:creationId xmlns:a16="http://schemas.microsoft.com/office/drawing/2014/main" id="{A1A54BB9-1B98-8D3C-0FC3-90E597E9A027}"/>
-            </a:ext>
-          </a:extLst>
-        </p:cNvPr>
-        <p:cNvGrpSpPr/>
-        <p:nvPr/>
-      </p:nvGrpSpPr>
-      <p:grpSpPr>
-        <a:xfrm>
-          <a:off x="0" y="0"/>
-          <a:ext cx="0" cy="0"/>
-          <a:chOff x="0" y="0"/>
-          <a:chExt cx="0" cy="0"/>
-        </a:xfrm>
-      </p:grpSpPr>
       <p:sp>
         <p:nvSpPr>
-          <p:cNvPr id="2" name="Title 1">
+          <p:cNvPr id="3" name="Slide Number Placeholder 2">
             <a:extLst>
               <a:ext uri="{FF2B5EF4-FFF2-40B4-BE49-F238E27FC236}">
-                <a16:creationId xmlns:a16="http://schemas.microsoft.com/office/drawing/2014/main" id="{30F9971A-9F8C-2075-2D91-36C912CCEE93}"/>
+                <a16:creationId xmlns:a16="http://schemas.microsoft.com/office/drawing/2014/main" id="{6B96B71E-9B20-46C7-EC62-7697CB992FBF}"/>
               </a:ext>
             </a:extLst>
           </p:cNvPr>
@@ -13773,288 +14780,31 @@
             <a:spLocks noGrp="1"/>
           </p:cNvSpPr>
           <p:nvPr>
-            <p:ph type="title"/>
+            <p:ph type="sldNum" sz="quarter" idx="10"/>
           </p:nvPr>
         </p:nvSpPr>
-        <p:spPr>
-          <a:xfrm>
-            <a:off x="338666" y="100831"/>
-            <a:ext cx="8421512" cy="769441"/>
-          </a:xfrm>
-        </p:spPr>
+        <p:spPr/>
         <p:txBody>
           <a:bodyPr/>
           <a:lstStyle/>
           <a:p>
-            <a:r>
-              <a:rPr lang="en-US" sz="4400" dirty="0"/>
-              <a:t>Procedure</a:t>
-            </a:r>
-          </a:p>
-        </p:txBody>
-      </p:sp>
-      <p:sp>
-        <p:nvSpPr>
-          <p:cNvPr id="6" name="Content Placeholder 5">
-            <a:extLst>
-              <a:ext uri="{FF2B5EF4-FFF2-40B4-BE49-F238E27FC236}">
-                <a16:creationId xmlns:a16="http://schemas.microsoft.com/office/drawing/2014/main" id="{4008BB5F-3E5C-030D-C9EB-E73F2E031B7E}"/>
-              </a:ext>
-            </a:extLst>
-          </p:cNvPr>
-          <p:cNvSpPr>
-            <a:spLocks noGrp="1"/>
-          </p:cNvSpPr>
-          <p:nvPr>
-            <p:ph idx="1"/>
-          </p:nvPr>
-        </p:nvSpPr>
-        <p:spPr>
-          <a:xfrm>
-            <a:off x="383822" y="777805"/>
-            <a:ext cx="8387645" cy="5595089"/>
-          </a:xfrm>
-        </p:spPr>
-        <p:txBody>
-          <a:bodyPr/>
-          <a:lstStyle/>
-          <a:p>
-            <a:pPr marL="0" indent="0">
-              <a:buNone/>
-            </a:pPr>
-            <a:r>
-              <a:rPr lang="en-US" b="1" i="1" dirty="0">
-                <a:solidFill>
-                  <a:srgbClr val="FFFF00"/>
-                </a:solidFill>
-              </a:rPr>
-              <a:t>Reaction 2 (Precipitation)</a:t>
-            </a:r>
-          </a:p>
-          <a:p>
-            <a:pPr marL="457200" indent="-457200">
-              <a:buFont typeface="+mj-lt"/>
-              <a:buAutoNum type="arabicPeriod" startAt="6"/>
-            </a:pPr>
-            <a:r>
-              <a:rPr lang="en-US" dirty="0"/>
-              <a:t>Into a 50 mL beaker, pour 7.5 mL of 6.0 M H</a:t>
-            </a:r>
-            <a:r>
-              <a:rPr lang="en-US" baseline="-25000" dirty="0"/>
-              <a:t>2</a:t>
-            </a:r>
-            <a:r>
-              <a:rPr lang="en-US" dirty="0"/>
-              <a:t>SO</a:t>
-            </a:r>
-            <a:r>
-              <a:rPr lang="en-US" baseline="-25000" dirty="0"/>
-              <a:t>4</a:t>
-            </a:r>
-            <a:r>
-              <a:rPr lang="en-US" dirty="0"/>
-              <a:t> from a 10 mL graduated cylinder</a:t>
-            </a:r>
-          </a:p>
-          <a:p>
-            <a:pPr marL="457200" indent="-457200">
-              <a:buFont typeface="+mj-lt"/>
-              <a:buAutoNum type="arabicPeriod" startAt="6"/>
-            </a:pPr>
-            <a:r>
-              <a:rPr lang="en-US" dirty="0"/>
-              <a:t>While stirring the dissolved aluminum solution with a glass rod in the larger beaker, use a transfer pipet to transfer the acid solution to the aluminum solution DROPWISE. Make sure you stir well after each drop. Look for a greyish white precipitate</a:t>
-            </a:r>
-          </a:p>
-          <a:p>
-            <a:pPr marL="0" indent="0">
-              <a:buNone/>
-            </a:pPr>
-            <a:r>
-              <a:rPr lang="en-US" b="1" i="1" dirty="0">
-                <a:solidFill>
-                  <a:srgbClr val="FFFF00"/>
-                </a:solidFill>
-              </a:rPr>
-              <a:t>Reaction 3 (Acid-Base Neutralization)</a:t>
-            </a:r>
-          </a:p>
-          <a:p>
-            <a:pPr marL="457200" indent="-457200">
-              <a:buFont typeface="+mj-lt"/>
-              <a:buAutoNum type="arabicPeriod" startAt="8"/>
-            </a:pPr>
-            <a:r>
-              <a:rPr lang="en-US" dirty="0"/>
-              <a:t>Cover beaker with watch glass and warm solution on hot plate until the precipitate has dissolved. Be careful NOT to get it to hot and boil the solution!!</a:t>
-            </a:r>
-          </a:p>
-          <a:p>
-            <a:pPr marL="457200" indent="-457200">
-              <a:buFont typeface="+mj-lt"/>
-              <a:buAutoNum type="arabicPeriod" startAt="8"/>
-            </a:pPr>
-            <a:r>
-              <a:rPr lang="en-US" sz="2000" dirty="0"/>
-              <a:t>After full dissolution, let beaker cool for few minutes</a:t>
-            </a:r>
+            <a:fld id="{A0CF78A4-19A0-4EF5-A4D9-597660847FB4}" type="slidenum">
+              <a:rPr lang="en-US" smtClean="0"/>
+              <a:pPr/>
+              <a:t>9</a:t>
+            </a:fld>
+            <a:endParaRPr lang="en-US" b="1" dirty="0">
+              <a:solidFill>
+                <a:schemeClr val="bg1"/>
+              </a:solidFill>
+            </a:endParaRPr>
           </a:p>
         </p:txBody>
       </p:sp>
     </p:spTree>
     <p:extLst>
       <p:ext uri="{BB962C8B-B14F-4D97-AF65-F5344CB8AC3E}">
-        <p14:creationId xmlns:p14="http://schemas.microsoft.com/office/powerpoint/2010/main" val="3067616161"/>
-      </p:ext>
-    </p:extLst>
-  </p:cSld>
-  <p:clrMapOvr>
-    <a:masterClrMapping/>
-  </p:clrMapOvr>
-</p:sld>
-</file>
-
-<file path=ppt/slides/slide9.xml><?xml version="1.0" encoding="utf-8"?>
-<p:sld xmlns:a="http://schemas.openxmlformats.org/drawingml/2006/main" xmlns:r="http://schemas.openxmlformats.org/officeDocument/2006/relationships" xmlns:p="http://schemas.openxmlformats.org/presentationml/2006/main">
-  <p:cSld>
-    <p:spTree>
-      <p:nvGrpSpPr>
-        <p:cNvPr id="1" name="">
-          <a:extLst>
-            <a:ext uri="{FF2B5EF4-FFF2-40B4-BE49-F238E27FC236}">
-              <a16:creationId xmlns:a16="http://schemas.microsoft.com/office/drawing/2014/main" id="{75C32D0C-7402-3426-6596-0ABEFAEB79C9}"/>
-            </a:ext>
-          </a:extLst>
-        </p:cNvPr>
-        <p:cNvGrpSpPr/>
-        <p:nvPr/>
-      </p:nvGrpSpPr>
-      <p:grpSpPr>
-        <a:xfrm>
-          <a:off x="0" y="0"/>
-          <a:ext cx="0" cy="0"/>
-          <a:chOff x="0" y="0"/>
-          <a:chExt cx="0" cy="0"/>
-        </a:xfrm>
-      </p:grpSpPr>
-      <p:sp>
-        <p:nvSpPr>
-          <p:cNvPr id="2" name="Title 1">
-            <a:extLst>
-              <a:ext uri="{FF2B5EF4-FFF2-40B4-BE49-F238E27FC236}">
-                <a16:creationId xmlns:a16="http://schemas.microsoft.com/office/drawing/2014/main" id="{3BE3AF15-2468-9EFB-9A16-2872CA216D77}"/>
-              </a:ext>
-            </a:extLst>
-          </p:cNvPr>
-          <p:cNvSpPr>
-            <a:spLocks noGrp="1"/>
-          </p:cNvSpPr>
-          <p:nvPr>
-            <p:ph type="title"/>
-          </p:nvPr>
-        </p:nvSpPr>
-        <p:spPr>
-          <a:xfrm>
-            <a:off x="338666" y="183025"/>
-            <a:ext cx="8421512" cy="769441"/>
-          </a:xfrm>
-        </p:spPr>
-        <p:txBody>
-          <a:bodyPr/>
-          <a:lstStyle/>
-          <a:p>
-            <a:r>
-              <a:rPr lang="en-US" sz="4400" dirty="0"/>
-              <a:t>Procedure</a:t>
-            </a:r>
-          </a:p>
-        </p:txBody>
-      </p:sp>
-      <p:sp>
-        <p:nvSpPr>
-          <p:cNvPr id="6" name="Content Placeholder 5">
-            <a:extLst>
-              <a:ext uri="{FF2B5EF4-FFF2-40B4-BE49-F238E27FC236}">
-                <a16:creationId xmlns:a16="http://schemas.microsoft.com/office/drawing/2014/main" id="{3BB07D76-840A-D542-614E-54E61F41DA85}"/>
-              </a:ext>
-            </a:extLst>
-          </p:cNvPr>
-          <p:cNvSpPr>
-            <a:spLocks noGrp="1"/>
-          </p:cNvSpPr>
-          <p:nvPr>
-            <p:ph idx="1"/>
-          </p:nvPr>
-        </p:nvSpPr>
-        <p:spPr>
-          <a:xfrm>
-            <a:off x="372533" y="952466"/>
-            <a:ext cx="8387645" cy="5595089"/>
-          </a:xfrm>
-        </p:spPr>
-        <p:txBody>
-          <a:bodyPr/>
-          <a:lstStyle/>
-          <a:p>
-            <a:pPr marL="457200" indent="-457200">
-              <a:buFont typeface="+mj-lt"/>
-              <a:buAutoNum type="arabicPeriod" startAt="10"/>
-            </a:pPr>
-            <a:r>
-              <a:rPr lang="en-US" dirty="0"/>
-              <a:t> Into a larger beaker set up an ice-water bath</a:t>
-            </a:r>
-          </a:p>
-          <a:p>
-            <a:pPr marL="457200" indent="-457200">
-              <a:buFont typeface="+mj-lt"/>
-              <a:buAutoNum type="arabicPeriod" startAt="10"/>
-            </a:pPr>
-            <a:r>
-              <a:rPr lang="en-US" dirty="0"/>
-              <a:t> Place the reaction beaker in the ice-water bath and let it sit for 15 min</a:t>
-            </a:r>
-          </a:p>
-          <a:p>
-            <a:pPr marL="0" indent="0">
-              <a:buNone/>
-            </a:pPr>
-            <a:r>
-              <a:rPr lang="en-US" b="1" i="1" dirty="0">
-                <a:solidFill>
-                  <a:srgbClr val="FFFF00"/>
-                </a:solidFill>
-              </a:rPr>
-              <a:t>Reaction 4 (Crystallization)</a:t>
-            </a:r>
-          </a:p>
-          <a:p>
-            <a:pPr marL="457200" indent="-457200">
-              <a:buFont typeface="+mj-lt"/>
-              <a:buAutoNum type="arabicPeriod" startAt="12"/>
-            </a:pPr>
-            <a:r>
-              <a:rPr lang="en-US" dirty="0"/>
-              <a:t> Swirl beaker when crystal formation is noticed. If after 5 min crystals are not seen, scratch inside of beaker with glass rod to induce nucleation</a:t>
-            </a:r>
-          </a:p>
-          <a:p>
-            <a:pPr marL="457200" indent="-457200">
-              <a:buFont typeface="+mj-lt"/>
-              <a:buAutoNum type="arabicPeriod" startAt="12"/>
-            </a:pPr>
-            <a:r>
-              <a:rPr lang="en-US" dirty="0"/>
-              <a:t> Into a separate small beaker, pour 30 mL of 50% ethanol and place in ice-water bath</a:t>
-            </a:r>
-          </a:p>
-        </p:txBody>
-      </p:sp>
-    </p:spTree>
-    <p:extLst>
-      <p:ext uri="{BB962C8B-B14F-4D97-AF65-F5344CB8AC3E}">
-        <p14:creationId xmlns:p14="http://schemas.microsoft.com/office/powerpoint/2010/main" val="3568630862"/>
+        <p14:creationId xmlns:p14="http://schemas.microsoft.com/office/powerpoint/2010/main" val="3952654810"/>
       </p:ext>
     </p:extLst>
   </p:cSld>
